--- a/答辩PPT.pptx
+++ b/答辩PPT.pptx
@@ -5,24 +5,26 @@
     <p:sldMasterId id="2147483648" r:id="rId1"/>
   </p:sldMasterIdLst>
   <p:notesMasterIdLst>
-    <p:notesMasterId r:id="rId11"/>
+    <p:notesMasterId r:id="rId13"/>
   </p:notesMasterIdLst>
   <p:sldIdLst>
     <p:sldId id="256" r:id="rId3"/>
-    <p:sldId id="257" r:id="rId4"/>
-    <p:sldId id="259" r:id="rId5"/>
-    <p:sldId id="260" r:id="rId6"/>
-    <p:sldId id="261" r:id="rId7"/>
-    <p:sldId id="263" r:id="rId8"/>
-    <p:sldId id="262" r:id="rId9"/>
-    <p:sldId id="266" r:id="rId10"/>
-    <p:sldId id="268" r:id="rId12"/>
-    <p:sldId id="258" r:id="rId13"/>
+    <p:sldId id="270" r:id="rId4"/>
+    <p:sldId id="257" r:id="rId5"/>
+    <p:sldId id="261" r:id="rId6"/>
+    <p:sldId id="263" r:id="rId7"/>
+    <p:sldId id="262" r:id="rId8"/>
+    <p:sldId id="271" r:id="rId9"/>
+    <p:sldId id="272" r:id="rId10"/>
+    <p:sldId id="260" r:id="rId11"/>
+    <p:sldId id="266" r:id="rId12"/>
+    <p:sldId id="268" r:id="rId14"/>
+    <p:sldId id="258" r:id="rId15"/>
   </p:sldIdLst>
   <p:sldSz cx="12192000" cy="6858000"/>
   <p:notesSz cx="6858000" cy="9144000"/>
   <p:custDataLst>
-    <p:tags r:id="rId17"/>
+    <p:tags r:id="rId19"/>
   </p:custDataLst>
   <p:defaultTextStyle>
     <a:defPPr>
@@ -122,12 +124,12 @@
   <p:extLst>
     <p:ext uri="{EFAFB233-063F-42B5-8137-9DF3F51BA10A}">
       <p15:sldGuideLst xmlns:p15="http://schemas.microsoft.com/office/powerpoint/2012/main">
-        <p15:guide id="1" orient="horz" pos="2191" userDrawn="1">
+        <p15:guide id="1" orient="horz" pos="2273" userDrawn="1">
           <p15:clr>
             <a:srgbClr val="A4A3A4"/>
           </p15:clr>
         </p15:guide>
-        <p15:guide id="2" pos="3873" userDrawn="1">
+        <p15:guide id="2" pos="3849" userDrawn="1">
           <p15:clr>
             <a:srgbClr val="A4A3A4"/>
           </p15:clr>
@@ -5019,6 +5021,1190 @@
           <a:chExt cx="0" cy="0"/>
         </a:xfrm>
       </p:grpSpPr>
+      <p:cxnSp>
+        <p:nvCxnSpPr>
+          <p:cNvPr id="2" name="直接连接符 1"/>
+          <p:cNvCxnSpPr/>
+          <p:nvPr/>
+        </p:nvCxnSpPr>
+        <p:spPr>
+          <a:xfrm flipV="1">
+            <a:off x="283845" y="600075"/>
+            <a:ext cx="11729720" cy="3810"/>
+          </a:xfrm>
+          <a:prstGeom prst="line">
+            <a:avLst/>
+          </a:prstGeom>
+          <a:ln>
+            <a:solidFill>
+              <a:srgbClr val="FFBA55"/>
+            </a:solidFill>
+          </a:ln>
+        </p:spPr>
+        <p:style>
+          <a:lnRef idx="3">
+            <a:schemeClr val="dk1"/>
+          </a:lnRef>
+          <a:fillRef idx="0">
+            <a:schemeClr val="dk1"/>
+          </a:fillRef>
+          <a:effectRef idx="2">
+            <a:schemeClr val="dk1"/>
+          </a:effectRef>
+          <a:fontRef idx="minor">
+            <a:schemeClr val="tx1"/>
+          </a:fontRef>
+        </p:style>
+      </p:cxnSp>
+      <p:sp>
+        <p:nvSpPr>
+          <p:cNvPr id="8" name="圆角矩形 7"/>
+          <p:cNvSpPr/>
+          <p:nvPr/>
+        </p:nvSpPr>
+        <p:spPr>
+          <a:xfrm rot="19500000">
+            <a:off x="89535" y="146050"/>
+            <a:ext cx="480060" cy="332105"/>
+          </a:xfrm>
+          <a:prstGeom prst="roundRect">
+            <a:avLst/>
+          </a:prstGeom>
+          <a:solidFill>
+            <a:srgbClr val="FFBA55"/>
+          </a:solidFill>
+          <a:ln>
+            <a:solidFill>
+              <a:srgbClr val="FFBA55"/>
+            </a:solidFill>
+          </a:ln>
+        </p:spPr>
+        <p:style>
+          <a:lnRef idx="2">
+            <a:schemeClr val="accent4">
+              <a:shade val="50000"/>
+            </a:schemeClr>
+          </a:lnRef>
+          <a:fillRef idx="1">
+            <a:schemeClr val="accent4"/>
+          </a:fillRef>
+          <a:effectRef idx="0">
+            <a:schemeClr val="accent4"/>
+          </a:effectRef>
+          <a:fontRef idx="minor">
+            <a:schemeClr val="lt1"/>
+          </a:fontRef>
+        </p:style>
+        <p:txBody>
+          <a:bodyPr rtlCol="0" anchor="ctr"/>
+          <a:p>
+            <a:pPr algn="ctr"/>
+            <a:endParaRPr lang="zh-CN" altLang="en-US"/>
+          </a:p>
+        </p:txBody>
+      </p:sp>
+      <p:sp>
+        <p:nvSpPr>
+          <p:cNvPr id="14" name="文本框 13"/>
+          <p:cNvSpPr txBox="1"/>
+          <p:nvPr/>
+        </p:nvSpPr>
+        <p:spPr>
+          <a:xfrm>
+            <a:off x="622300" y="128270"/>
+            <a:ext cx="4239260" cy="368300"/>
+          </a:xfrm>
+          <a:prstGeom prst="rect">
+            <a:avLst/>
+          </a:prstGeom>
+          <a:noFill/>
+        </p:spPr>
+        <p:txBody>
+          <a:bodyPr wrap="square" rtlCol="0">
+            <a:spAutoFit/>
+          </a:bodyPr>
+          <a:p>
+            <a:r>
+              <a:rPr lang="zh-CN" altLang="en-US">
+                <a:solidFill>
+                  <a:srgbClr val="FFBA55"/>
+                </a:solidFill>
+                <a:effectLst>
+                  <a:outerShdw blurRad="38100" dist="19050" dir="2700000" algn="tl" rotWithShape="0">
+                    <a:schemeClr val="dk1">
+                      <a:alpha val="40000"/>
+                    </a:schemeClr>
+                  </a:outerShdw>
+                </a:effectLst>
+              </a:rPr>
+              <a:t>八</a:t>
+            </a:r>
+            <a:r>
+              <a:rPr lang="en-US" altLang="zh-CN">
+                <a:solidFill>
+                  <a:srgbClr val="FFBA55"/>
+                </a:solidFill>
+                <a:effectLst>
+                  <a:outerShdw blurRad="38100" dist="19050" dir="2700000" algn="tl" rotWithShape="0">
+                    <a:schemeClr val="dk1">
+                      <a:alpha val="40000"/>
+                    </a:schemeClr>
+                  </a:outerShdw>
+                </a:effectLst>
+              </a:rPr>
+              <a:t>.</a:t>
+            </a:r>
+            <a:r>
+              <a:rPr lang="zh-CN" altLang="en-US">
+                <a:solidFill>
+                  <a:srgbClr val="FFBA55"/>
+                </a:solidFill>
+                <a:effectLst>
+                  <a:outerShdw blurRad="38100" dist="19050" dir="2700000" algn="tl" rotWithShape="0">
+                    <a:schemeClr val="dk1">
+                      <a:alpha val="40000"/>
+                    </a:schemeClr>
+                  </a:outerShdw>
+                </a:effectLst>
+              </a:rPr>
+              <a:t>系统效果</a:t>
+            </a:r>
+            <a:r>
+              <a:rPr lang="zh-CN" altLang="en-US">
+                <a:solidFill>
+                  <a:srgbClr val="FFBA55"/>
+                </a:solidFill>
+                <a:effectLst>
+                  <a:outerShdw blurRad="38100" dist="19050" dir="2700000" algn="tl" rotWithShape="0">
+                    <a:schemeClr val="dk1">
+                      <a:alpha val="40000"/>
+                    </a:schemeClr>
+                  </a:outerShdw>
+                </a:effectLst>
+              </a:rPr>
+              <a:t>图</a:t>
+            </a:r>
+            <a:endParaRPr lang="zh-CN" altLang="en-US">
+              <a:solidFill>
+                <a:srgbClr val="FFBA55"/>
+              </a:solidFill>
+              <a:effectLst>
+                <a:outerShdw blurRad="38100" dist="19050" dir="2700000" algn="tl" rotWithShape="0">
+                  <a:schemeClr val="dk1">
+                    <a:alpha val="40000"/>
+                  </a:schemeClr>
+                </a:outerShdw>
+              </a:effectLst>
+            </a:endParaRPr>
+          </a:p>
+        </p:txBody>
+      </p:sp>
+      <p:pic>
+        <p:nvPicPr>
+          <p:cNvPr id="10" name="图片 9"/>
+          <p:cNvPicPr>
+            <a:picLocks noChangeAspect="1"/>
+          </p:cNvPicPr>
+          <p:nvPr/>
+        </p:nvPicPr>
+        <p:blipFill>
+          <a:blip r:embed="rId1"/>
+          <a:stretch>
+            <a:fillRect/>
+          </a:stretch>
+        </p:blipFill>
+        <p:spPr>
+          <a:xfrm>
+            <a:off x="283845" y="707390"/>
+            <a:ext cx="11729720" cy="5906770"/>
+          </a:xfrm>
+          <a:prstGeom prst="rect">
+            <a:avLst/>
+          </a:prstGeom>
+        </p:spPr>
+      </p:pic>
+      <p:pic>
+        <p:nvPicPr>
+          <p:cNvPr id="11" name="图片 10"/>
+          <p:cNvPicPr>
+            <a:picLocks noChangeAspect="1"/>
+          </p:cNvPicPr>
+          <p:nvPr/>
+        </p:nvPicPr>
+        <p:blipFill>
+          <a:blip r:embed="rId2"/>
+          <a:stretch>
+            <a:fillRect/>
+          </a:stretch>
+        </p:blipFill>
+        <p:spPr>
+          <a:xfrm>
+            <a:off x="283845" y="707390"/>
+            <a:ext cx="11729720" cy="5906135"/>
+          </a:xfrm>
+          <a:prstGeom prst="rect">
+            <a:avLst/>
+          </a:prstGeom>
+        </p:spPr>
+      </p:pic>
+      <p:pic>
+        <p:nvPicPr>
+          <p:cNvPr id="12" name="图片 11"/>
+          <p:cNvPicPr>
+            <a:picLocks noChangeAspect="1"/>
+          </p:cNvPicPr>
+          <p:nvPr/>
+        </p:nvPicPr>
+        <p:blipFill>
+          <a:blip r:embed="rId3"/>
+          <a:stretch>
+            <a:fillRect/>
+          </a:stretch>
+        </p:blipFill>
+        <p:spPr>
+          <a:xfrm>
+            <a:off x="285115" y="708025"/>
+            <a:ext cx="11728450" cy="5905500"/>
+          </a:xfrm>
+          <a:prstGeom prst="rect">
+            <a:avLst/>
+          </a:prstGeom>
+        </p:spPr>
+      </p:pic>
+      <p:pic>
+        <p:nvPicPr>
+          <p:cNvPr id="13" name="图片 12"/>
+          <p:cNvPicPr>
+            <a:picLocks noChangeAspect="1"/>
+          </p:cNvPicPr>
+          <p:nvPr/>
+        </p:nvPicPr>
+        <p:blipFill>
+          <a:blip r:embed="rId4"/>
+          <a:stretch>
+            <a:fillRect/>
+          </a:stretch>
+        </p:blipFill>
+        <p:spPr>
+          <a:xfrm>
+            <a:off x="283845" y="708025"/>
+            <a:ext cx="11729720" cy="5906135"/>
+          </a:xfrm>
+          <a:prstGeom prst="rect">
+            <a:avLst/>
+          </a:prstGeom>
+        </p:spPr>
+      </p:pic>
+      <p:pic>
+        <p:nvPicPr>
+          <p:cNvPr id="15" name="图片 14"/>
+          <p:cNvPicPr>
+            <a:picLocks noChangeAspect="1"/>
+          </p:cNvPicPr>
+          <p:nvPr/>
+        </p:nvPicPr>
+        <p:blipFill>
+          <a:blip r:embed="rId5"/>
+          <a:stretch>
+            <a:fillRect/>
+          </a:stretch>
+        </p:blipFill>
+        <p:spPr>
+          <a:xfrm>
+            <a:off x="285115" y="708025"/>
+            <a:ext cx="11728450" cy="5905500"/>
+          </a:xfrm>
+          <a:prstGeom prst="rect">
+            <a:avLst/>
+          </a:prstGeom>
+        </p:spPr>
+      </p:pic>
+    </p:spTree>
+    <p:custDataLst>
+      <p:tags r:id="rId6"/>
+    </p:custDataLst>
+  </p:cSld>
+  <p:clrMapOvr>
+    <a:masterClrMapping/>
+  </p:clrMapOvr>
+  <p:timing>
+    <p:tnLst>
+      <p:par>
+        <p:cTn id="1" dur="indefinite" restart="never" nodeType="tmRoot">
+          <p:childTnLst>
+            <p:seq concurrent="1" nextAc="seek">
+              <p:cTn id="2" dur="indefinite" nodeType="mainSeq">
+                <p:childTnLst>
+                  <p:par>
+                    <p:cTn id="3" fill="hold">
+                      <p:stCondLst>
+                        <p:cond delay="indefinite"/>
+                      </p:stCondLst>
+                      <p:childTnLst>
+                        <p:par>
+                          <p:cTn id="4" fill="hold">
+                            <p:stCondLst>
+                              <p:cond delay="0"/>
+                            </p:stCondLst>
+                            <p:childTnLst>
+                              <p:par>
+                                <p:cTn id="5" presetID="2" presetClass="entr" presetSubtype="4" fill="hold" nodeType="clickEffect">
+                                  <p:stCondLst>
+                                    <p:cond delay="0"/>
+                                  </p:stCondLst>
+                                  <p:childTnLst>
+                                    <p:set>
+                                      <p:cBhvr>
+                                        <p:cTn id="6" dur="1" fill="hold">
+                                          <p:stCondLst>
+                                            <p:cond delay="0"/>
+                                          </p:stCondLst>
+                                        </p:cTn>
+                                        <p:tgtEl>
+                                          <p:spTgt spid="10"/>
+                                        </p:tgtEl>
+                                        <p:attrNameLst>
+                                          <p:attrName>style.visibility</p:attrName>
+                                        </p:attrNameLst>
+                                      </p:cBhvr>
+                                      <p:to>
+                                        <p:strVal val="visible"/>
+                                      </p:to>
+                                    </p:set>
+                                    <p:anim calcmode="lin" valueType="num">
+                                      <p:cBhvr additive="base">
+                                        <p:cTn id="7" dur="500" fill="hold"/>
+                                        <p:tgtEl>
+                                          <p:spTgt spid="10"/>
+                                        </p:tgtEl>
+                                        <p:attrNameLst>
+                                          <p:attrName>ppt_x</p:attrName>
+                                        </p:attrNameLst>
+                                      </p:cBhvr>
+                                      <p:tavLst>
+                                        <p:tav tm="0">
+                                          <p:val>
+                                            <p:strVal val="#ppt_x"/>
+                                          </p:val>
+                                        </p:tav>
+                                        <p:tav tm="100000">
+                                          <p:val>
+                                            <p:strVal val="#ppt_x"/>
+                                          </p:val>
+                                        </p:tav>
+                                      </p:tavLst>
+                                    </p:anim>
+                                    <p:anim calcmode="lin" valueType="num">
+                                      <p:cBhvr additive="base">
+                                        <p:cTn id="8" dur="500" fill="hold"/>
+                                        <p:tgtEl>
+                                          <p:spTgt spid="10"/>
+                                        </p:tgtEl>
+                                        <p:attrNameLst>
+                                          <p:attrName>ppt_y</p:attrName>
+                                        </p:attrNameLst>
+                                      </p:cBhvr>
+                                      <p:tavLst>
+                                        <p:tav tm="0">
+                                          <p:val>
+                                            <p:strVal val="1+#ppt_h/2"/>
+                                          </p:val>
+                                        </p:tav>
+                                        <p:tav tm="100000">
+                                          <p:val>
+                                            <p:strVal val="#ppt_y"/>
+                                          </p:val>
+                                        </p:tav>
+                                      </p:tavLst>
+                                    </p:anim>
+                                  </p:childTnLst>
+                                </p:cTn>
+                              </p:par>
+                            </p:childTnLst>
+                          </p:cTn>
+                        </p:par>
+                      </p:childTnLst>
+                    </p:cTn>
+                  </p:par>
+                  <p:par>
+                    <p:cTn id="9" fill="hold">
+                      <p:stCondLst>
+                        <p:cond delay="indefinite"/>
+                      </p:stCondLst>
+                      <p:childTnLst>
+                        <p:par>
+                          <p:cTn id="10" fill="hold">
+                            <p:stCondLst>
+                              <p:cond delay="0"/>
+                            </p:stCondLst>
+                            <p:childTnLst>
+                              <p:par>
+                                <p:cTn id="11" presetID="2" presetClass="entr" presetSubtype="4" fill="hold" nodeType="clickEffect">
+                                  <p:stCondLst>
+                                    <p:cond delay="0"/>
+                                  </p:stCondLst>
+                                  <p:childTnLst>
+                                    <p:set>
+                                      <p:cBhvr>
+                                        <p:cTn id="12" dur="1" fill="hold">
+                                          <p:stCondLst>
+                                            <p:cond delay="0"/>
+                                          </p:stCondLst>
+                                        </p:cTn>
+                                        <p:tgtEl>
+                                          <p:spTgt spid="11"/>
+                                        </p:tgtEl>
+                                        <p:attrNameLst>
+                                          <p:attrName>style.visibility</p:attrName>
+                                        </p:attrNameLst>
+                                      </p:cBhvr>
+                                      <p:to>
+                                        <p:strVal val="visible"/>
+                                      </p:to>
+                                    </p:set>
+                                    <p:anim calcmode="lin" valueType="num">
+                                      <p:cBhvr additive="base">
+                                        <p:cTn id="13" dur="500" fill="hold"/>
+                                        <p:tgtEl>
+                                          <p:spTgt spid="11"/>
+                                        </p:tgtEl>
+                                        <p:attrNameLst>
+                                          <p:attrName>ppt_x</p:attrName>
+                                        </p:attrNameLst>
+                                      </p:cBhvr>
+                                      <p:tavLst>
+                                        <p:tav tm="0">
+                                          <p:val>
+                                            <p:strVal val="#ppt_x"/>
+                                          </p:val>
+                                        </p:tav>
+                                        <p:tav tm="100000">
+                                          <p:val>
+                                            <p:strVal val="#ppt_x"/>
+                                          </p:val>
+                                        </p:tav>
+                                      </p:tavLst>
+                                    </p:anim>
+                                    <p:anim calcmode="lin" valueType="num">
+                                      <p:cBhvr additive="base">
+                                        <p:cTn id="14" dur="500" fill="hold"/>
+                                        <p:tgtEl>
+                                          <p:spTgt spid="11"/>
+                                        </p:tgtEl>
+                                        <p:attrNameLst>
+                                          <p:attrName>ppt_y</p:attrName>
+                                        </p:attrNameLst>
+                                      </p:cBhvr>
+                                      <p:tavLst>
+                                        <p:tav tm="0">
+                                          <p:val>
+                                            <p:strVal val="1+#ppt_h/2"/>
+                                          </p:val>
+                                        </p:tav>
+                                        <p:tav tm="100000">
+                                          <p:val>
+                                            <p:strVal val="#ppt_y"/>
+                                          </p:val>
+                                        </p:tav>
+                                      </p:tavLst>
+                                    </p:anim>
+                                  </p:childTnLst>
+                                </p:cTn>
+                              </p:par>
+                            </p:childTnLst>
+                          </p:cTn>
+                        </p:par>
+                      </p:childTnLst>
+                    </p:cTn>
+                  </p:par>
+                  <p:par>
+                    <p:cTn id="15" fill="hold">
+                      <p:stCondLst>
+                        <p:cond delay="indefinite"/>
+                      </p:stCondLst>
+                      <p:childTnLst>
+                        <p:par>
+                          <p:cTn id="16" fill="hold">
+                            <p:stCondLst>
+                              <p:cond delay="0"/>
+                            </p:stCondLst>
+                            <p:childTnLst>
+                              <p:par>
+                                <p:cTn id="17" presetID="2" presetClass="entr" presetSubtype="4" fill="hold" nodeType="clickEffect">
+                                  <p:stCondLst>
+                                    <p:cond delay="0"/>
+                                  </p:stCondLst>
+                                  <p:childTnLst>
+                                    <p:set>
+                                      <p:cBhvr>
+                                        <p:cTn id="18" dur="1" fill="hold">
+                                          <p:stCondLst>
+                                            <p:cond delay="0"/>
+                                          </p:stCondLst>
+                                        </p:cTn>
+                                        <p:tgtEl>
+                                          <p:spTgt spid="12"/>
+                                        </p:tgtEl>
+                                        <p:attrNameLst>
+                                          <p:attrName>style.visibility</p:attrName>
+                                        </p:attrNameLst>
+                                      </p:cBhvr>
+                                      <p:to>
+                                        <p:strVal val="visible"/>
+                                      </p:to>
+                                    </p:set>
+                                    <p:anim calcmode="lin" valueType="num">
+                                      <p:cBhvr additive="base">
+                                        <p:cTn id="19" dur="500" fill="hold"/>
+                                        <p:tgtEl>
+                                          <p:spTgt spid="12"/>
+                                        </p:tgtEl>
+                                        <p:attrNameLst>
+                                          <p:attrName>ppt_x</p:attrName>
+                                        </p:attrNameLst>
+                                      </p:cBhvr>
+                                      <p:tavLst>
+                                        <p:tav tm="0">
+                                          <p:val>
+                                            <p:strVal val="#ppt_x"/>
+                                          </p:val>
+                                        </p:tav>
+                                        <p:tav tm="100000">
+                                          <p:val>
+                                            <p:strVal val="#ppt_x"/>
+                                          </p:val>
+                                        </p:tav>
+                                      </p:tavLst>
+                                    </p:anim>
+                                    <p:anim calcmode="lin" valueType="num">
+                                      <p:cBhvr additive="base">
+                                        <p:cTn id="20" dur="500" fill="hold"/>
+                                        <p:tgtEl>
+                                          <p:spTgt spid="12"/>
+                                        </p:tgtEl>
+                                        <p:attrNameLst>
+                                          <p:attrName>ppt_y</p:attrName>
+                                        </p:attrNameLst>
+                                      </p:cBhvr>
+                                      <p:tavLst>
+                                        <p:tav tm="0">
+                                          <p:val>
+                                            <p:strVal val="1+#ppt_h/2"/>
+                                          </p:val>
+                                        </p:tav>
+                                        <p:tav tm="100000">
+                                          <p:val>
+                                            <p:strVal val="#ppt_y"/>
+                                          </p:val>
+                                        </p:tav>
+                                      </p:tavLst>
+                                    </p:anim>
+                                  </p:childTnLst>
+                                </p:cTn>
+                              </p:par>
+                            </p:childTnLst>
+                          </p:cTn>
+                        </p:par>
+                      </p:childTnLst>
+                    </p:cTn>
+                  </p:par>
+                  <p:par>
+                    <p:cTn id="21" fill="hold">
+                      <p:stCondLst>
+                        <p:cond delay="indefinite"/>
+                      </p:stCondLst>
+                      <p:childTnLst>
+                        <p:par>
+                          <p:cTn id="22" fill="hold">
+                            <p:stCondLst>
+                              <p:cond delay="0"/>
+                            </p:stCondLst>
+                            <p:childTnLst>
+                              <p:par>
+                                <p:cTn id="23" presetID="2" presetClass="entr" presetSubtype="4" fill="hold" nodeType="clickEffect">
+                                  <p:stCondLst>
+                                    <p:cond delay="0"/>
+                                  </p:stCondLst>
+                                  <p:childTnLst>
+                                    <p:set>
+                                      <p:cBhvr>
+                                        <p:cTn id="24" dur="1" fill="hold">
+                                          <p:stCondLst>
+                                            <p:cond delay="0"/>
+                                          </p:stCondLst>
+                                        </p:cTn>
+                                        <p:tgtEl>
+                                          <p:spTgt spid="13"/>
+                                        </p:tgtEl>
+                                        <p:attrNameLst>
+                                          <p:attrName>style.visibility</p:attrName>
+                                        </p:attrNameLst>
+                                      </p:cBhvr>
+                                      <p:to>
+                                        <p:strVal val="visible"/>
+                                      </p:to>
+                                    </p:set>
+                                    <p:anim calcmode="lin" valueType="num">
+                                      <p:cBhvr additive="base">
+                                        <p:cTn id="25" dur="500" fill="hold"/>
+                                        <p:tgtEl>
+                                          <p:spTgt spid="13"/>
+                                        </p:tgtEl>
+                                        <p:attrNameLst>
+                                          <p:attrName>ppt_x</p:attrName>
+                                        </p:attrNameLst>
+                                      </p:cBhvr>
+                                      <p:tavLst>
+                                        <p:tav tm="0">
+                                          <p:val>
+                                            <p:strVal val="#ppt_x"/>
+                                          </p:val>
+                                        </p:tav>
+                                        <p:tav tm="100000">
+                                          <p:val>
+                                            <p:strVal val="#ppt_x"/>
+                                          </p:val>
+                                        </p:tav>
+                                      </p:tavLst>
+                                    </p:anim>
+                                    <p:anim calcmode="lin" valueType="num">
+                                      <p:cBhvr additive="base">
+                                        <p:cTn id="26" dur="500" fill="hold"/>
+                                        <p:tgtEl>
+                                          <p:spTgt spid="13"/>
+                                        </p:tgtEl>
+                                        <p:attrNameLst>
+                                          <p:attrName>ppt_y</p:attrName>
+                                        </p:attrNameLst>
+                                      </p:cBhvr>
+                                      <p:tavLst>
+                                        <p:tav tm="0">
+                                          <p:val>
+                                            <p:strVal val="1+#ppt_h/2"/>
+                                          </p:val>
+                                        </p:tav>
+                                        <p:tav tm="100000">
+                                          <p:val>
+                                            <p:strVal val="#ppt_y"/>
+                                          </p:val>
+                                        </p:tav>
+                                      </p:tavLst>
+                                    </p:anim>
+                                  </p:childTnLst>
+                                </p:cTn>
+                              </p:par>
+                            </p:childTnLst>
+                          </p:cTn>
+                        </p:par>
+                      </p:childTnLst>
+                    </p:cTn>
+                  </p:par>
+                  <p:par>
+                    <p:cTn id="27" fill="hold">
+                      <p:stCondLst>
+                        <p:cond delay="indefinite"/>
+                      </p:stCondLst>
+                      <p:childTnLst>
+                        <p:par>
+                          <p:cTn id="28" fill="hold">
+                            <p:stCondLst>
+                              <p:cond delay="0"/>
+                            </p:stCondLst>
+                            <p:childTnLst>
+                              <p:par>
+                                <p:cTn id="29" presetID="2" presetClass="entr" presetSubtype="4" fill="hold" nodeType="clickEffect">
+                                  <p:stCondLst>
+                                    <p:cond delay="0"/>
+                                  </p:stCondLst>
+                                  <p:childTnLst>
+                                    <p:set>
+                                      <p:cBhvr>
+                                        <p:cTn id="30" dur="1" fill="hold">
+                                          <p:stCondLst>
+                                            <p:cond delay="0"/>
+                                          </p:stCondLst>
+                                        </p:cTn>
+                                        <p:tgtEl>
+                                          <p:spTgt spid="15"/>
+                                        </p:tgtEl>
+                                        <p:attrNameLst>
+                                          <p:attrName>style.visibility</p:attrName>
+                                        </p:attrNameLst>
+                                      </p:cBhvr>
+                                      <p:to>
+                                        <p:strVal val="visible"/>
+                                      </p:to>
+                                    </p:set>
+                                    <p:anim calcmode="lin" valueType="num">
+                                      <p:cBhvr additive="base">
+                                        <p:cTn id="31" dur="500" fill="hold"/>
+                                        <p:tgtEl>
+                                          <p:spTgt spid="15"/>
+                                        </p:tgtEl>
+                                        <p:attrNameLst>
+                                          <p:attrName>ppt_x</p:attrName>
+                                        </p:attrNameLst>
+                                      </p:cBhvr>
+                                      <p:tavLst>
+                                        <p:tav tm="0">
+                                          <p:val>
+                                            <p:strVal val="#ppt_x"/>
+                                          </p:val>
+                                        </p:tav>
+                                        <p:tav tm="100000">
+                                          <p:val>
+                                            <p:strVal val="#ppt_x"/>
+                                          </p:val>
+                                        </p:tav>
+                                      </p:tavLst>
+                                    </p:anim>
+                                    <p:anim calcmode="lin" valueType="num">
+                                      <p:cBhvr additive="base">
+                                        <p:cTn id="32" dur="500" fill="hold"/>
+                                        <p:tgtEl>
+                                          <p:spTgt spid="15"/>
+                                        </p:tgtEl>
+                                        <p:attrNameLst>
+                                          <p:attrName>ppt_y</p:attrName>
+                                        </p:attrNameLst>
+                                      </p:cBhvr>
+                                      <p:tavLst>
+                                        <p:tav tm="0">
+                                          <p:val>
+                                            <p:strVal val="1+#ppt_h/2"/>
+                                          </p:val>
+                                        </p:tav>
+                                        <p:tav tm="100000">
+                                          <p:val>
+                                            <p:strVal val="#ppt_y"/>
+                                          </p:val>
+                                        </p:tav>
+                                      </p:tavLst>
+                                    </p:anim>
+                                  </p:childTnLst>
+                                </p:cTn>
+                              </p:par>
+                            </p:childTnLst>
+                          </p:cTn>
+                        </p:par>
+                      </p:childTnLst>
+                    </p:cTn>
+                  </p:par>
+                </p:childTnLst>
+              </p:cTn>
+              <p:prevCondLst>
+                <p:cond evt="onPrev" delay="0">
+                  <p:tgtEl>
+                    <p:sldTgt/>
+                  </p:tgtEl>
+                </p:cond>
+              </p:prevCondLst>
+              <p:nextCondLst>
+                <p:cond evt="onNext" delay="0">
+                  <p:tgtEl>
+                    <p:sldTgt/>
+                  </p:tgtEl>
+                </p:cond>
+              </p:nextCondLst>
+            </p:seq>
+          </p:childTnLst>
+        </p:cTn>
+      </p:par>
+    </p:tnLst>
+  </p:timing>
+</p:sld>
+</file>
+
+<file path=ppt/slides/slide11.xml><?xml version="1.0" encoding="utf-8"?>
+<p:sld xmlns:a="http://schemas.openxmlformats.org/drawingml/2006/main" xmlns:r="http://schemas.openxmlformats.org/officeDocument/2006/relationships" xmlns:p="http://schemas.openxmlformats.org/presentationml/2006/main">
+  <p:cSld>
+    <p:spTree>
+      <p:nvGrpSpPr>
+        <p:cNvPr id="1" name=""/>
+        <p:cNvGrpSpPr/>
+        <p:nvPr/>
+      </p:nvGrpSpPr>
+      <p:grpSpPr>
+        <a:xfrm>
+          <a:off x="0" y="0"/>
+          <a:ext cx="0" cy="0"/>
+          <a:chOff x="0" y="0"/>
+          <a:chExt cx="0" cy="0"/>
+        </a:xfrm>
+      </p:grpSpPr>
+      <p:cxnSp>
+        <p:nvCxnSpPr>
+          <p:cNvPr id="2" name="直接连接符 1"/>
+          <p:cNvCxnSpPr/>
+          <p:nvPr/>
+        </p:nvCxnSpPr>
+        <p:spPr>
+          <a:xfrm flipV="1">
+            <a:off x="283845" y="600075"/>
+            <a:ext cx="11729720" cy="3810"/>
+          </a:xfrm>
+          <a:prstGeom prst="line">
+            <a:avLst/>
+          </a:prstGeom>
+          <a:ln>
+            <a:solidFill>
+              <a:srgbClr val="FFBA55"/>
+            </a:solidFill>
+          </a:ln>
+        </p:spPr>
+        <p:style>
+          <a:lnRef idx="3">
+            <a:schemeClr val="dk1"/>
+          </a:lnRef>
+          <a:fillRef idx="0">
+            <a:schemeClr val="dk1"/>
+          </a:fillRef>
+          <a:effectRef idx="2">
+            <a:schemeClr val="dk1"/>
+          </a:effectRef>
+          <a:fontRef idx="minor">
+            <a:schemeClr val="tx1"/>
+          </a:fontRef>
+        </p:style>
+      </p:cxnSp>
+      <p:sp>
+        <p:nvSpPr>
+          <p:cNvPr id="8" name="圆角矩形 7"/>
+          <p:cNvSpPr/>
+          <p:nvPr/>
+        </p:nvSpPr>
+        <p:spPr>
+          <a:xfrm rot="19500000">
+            <a:off x="89535" y="146050"/>
+            <a:ext cx="480060" cy="332105"/>
+          </a:xfrm>
+          <a:prstGeom prst="roundRect">
+            <a:avLst/>
+          </a:prstGeom>
+          <a:solidFill>
+            <a:srgbClr val="FFBA55"/>
+          </a:solidFill>
+          <a:ln>
+            <a:solidFill>
+              <a:srgbClr val="FFBA55"/>
+            </a:solidFill>
+          </a:ln>
+        </p:spPr>
+        <p:style>
+          <a:lnRef idx="2">
+            <a:schemeClr val="accent4">
+              <a:shade val="50000"/>
+            </a:schemeClr>
+          </a:lnRef>
+          <a:fillRef idx="1">
+            <a:schemeClr val="accent4"/>
+          </a:fillRef>
+          <a:effectRef idx="0">
+            <a:schemeClr val="accent4"/>
+          </a:effectRef>
+          <a:fontRef idx="minor">
+            <a:schemeClr val="lt1"/>
+          </a:fontRef>
+        </p:style>
+        <p:txBody>
+          <a:bodyPr rtlCol="0" anchor="ctr"/>
+          <a:p>
+            <a:pPr algn="ctr"/>
+            <a:endParaRPr lang="zh-CN" altLang="en-US"/>
+          </a:p>
+        </p:txBody>
+      </p:sp>
+      <p:sp>
+        <p:nvSpPr>
+          <p:cNvPr id="14" name="文本框 13"/>
+          <p:cNvSpPr txBox="1"/>
+          <p:nvPr/>
+        </p:nvSpPr>
+        <p:spPr>
+          <a:xfrm>
+            <a:off x="621665" y="128270"/>
+            <a:ext cx="4239895" cy="368300"/>
+          </a:xfrm>
+          <a:prstGeom prst="rect">
+            <a:avLst/>
+          </a:prstGeom>
+          <a:noFill/>
+        </p:spPr>
+        <p:txBody>
+          <a:bodyPr wrap="square" rtlCol="0">
+            <a:spAutoFit/>
+          </a:bodyPr>
+          <a:p>
+            <a:r>
+              <a:rPr lang="zh-CN" altLang="en-US">
+                <a:solidFill>
+                  <a:srgbClr val="FFBA55"/>
+                </a:solidFill>
+                <a:effectLst>
+                  <a:outerShdw blurRad="38100" dist="19050" dir="2700000" algn="tl" rotWithShape="0">
+                    <a:schemeClr val="dk1">
+                      <a:alpha val="40000"/>
+                    </a:schemeClr>
+                  </a:outerShdw>
+                </a:effectLst>
+              </a:rPr>
+              <a:t>九</a:t>
+            </a:r>
+            <a:r>
+              <a:rPr lang="en-US" altLang="zh-CN">
+                <a:solidFill>
+                  <a:srgbClr val="FFBA55"/>
+                </a:solidFill>
+                <a:effectLst>
+                  <a:outerShdw blurRad="38100" dist="19050" dir="2700000" algn="tl" rotWithShape="0">
+                    <a:schemeClr val="dk1">
+                      <a:alpha val="40000"/>
+                    </a:schemeClr>
+                  </a:outerShdw>
+                </a:effectLst>
+              </a:rPr>
+              <a:t>.</a:t>
+            </a:r>
+            <a:r>
+              <a:rPr lang="zh-CN" altLang="en-US">
+                <a:solidFill>
+                  <a:srgbClr val="FFBA55"/>
+                </a:solidFill>
+                <a:effectLst>
+                  <a:outerShdw blurRad="38100" dist="19050" dir="2700000" algn="tl" rotWithShape="0">
+                    <a:schemeClr val="dk1">
+                      <a:alpha val="40000"/>
+                    </a:schemeClr>
+                  </a:outerShdw>
+                </a:effectLst>
+              </a:rPr>
+              <a:t>系统</a:t>
+            </a:r>
+            <a:r>
+              <a:rPr lang="zh-CN" altLang="en-US">
+                <a:solidFill>
+                  <a:srgbClr val="FFBA55"/>
+                </a:solidFill>
+                <a:effectLst>
+                  <a:outerShdw blurRad="38100" dist="19050" dir="2700000" algn="tl" rotWithShape="0">
+                    <a:schemeClr val="dk1">
+                      <a:alpha val="40000"/>
+                    </a:schemeClr>
+                  </a:outerShdw>
+                </a:effectLst>
+              </a:rPr>
+              <a:t>缺陷</a:t>
+            </a:r>
+            <a:endParaRPr lang="zh-CN" altLang="en-US">
+              <a:solidFill>
+                <a:srgbClr val="FFBA55"/>
+              </a:solidFill>
+              <a:effectLst>
+                <a:outerShdw blurRad="38100" dist="19050" dir="2700000" algn="tl" rotWithShape="0">
+                  <a:schemeClr val="dk1">
+                    <a:alpha val="40000"/>
+                  </a:schemeClr>
+                </a:outerShdw>
+              </a:effectLst>
+            </a:endParaRPr>
+          </a:p>
+        </p:txBody>
+      </p:sp>
+      <p:sp>
+        <p:nvSpPr>
+          <p:cNvPr id="16" name="圆角矩形 15"/>
+          <p:cNvSpPr/>
+          <p:nvPr>
+            <p:custDataLst>
+              <p:tags r:id="rId1"/>
+            </p:custDataLst>
+          </p:nvPr>
+        </p:nvSpPr>
+        <p:spPr>
+          <a:xfrm>
+            <a:off x="11040745" y="5195570"/>
+            <a:ext cx="860425" cy="871220"/>
+          </a:xfrm>
+          <a:prstGeom prst="roundRect">
+            <a:avLst/>
+          </a:prstGeom>
+          <a:ln>
+            <a:noFill/>
+          </a:ln>
+          <a:effectLst>
+            <a:outerShdw blurRad="152400" dist="76200" dir="8040000" algn="ctr" rotWithShape="0">
+              <a:srgbClr val="C8C8C8">
+                <a:alpha val="58000"/>
+              </a:srgbClr>
+            </a:outerShdw>
+          </a:effectLst>
+        </p:spPr>
+        <p:style>
+          <a:lnRef idx="2">
+            <a:schemeClr val="accent4">
+              <a:shade val="50000"/>
+            </a:schemeClr>
+          </a:lnRef>
+          <a:fillRef idx="1">
+            <a:schemeClr val="accent4"/>
+          </a:fillRef>
+          <a:effectRef idx="0">
+            <a:schemeClr val="accent4"/>
+          </a:effectRef>
+          <a:fontRef idx="minor">
+            <a:schemeClr val="lt1"/>
+          </a:fontRef>
+        </p:style>
+        <p:txBody>
+          <a:bodyPr rtlCol="0" anchor="ctr"/>
+          <a:p>
+            <a:pPr algn="ctr"/>
+            <a:endParaRPr lang="zh-CN" altLang="en-US"/>
+          </a:p>
+        </p:txBody>
+      </p:sp>
+      <p:sp>
+        <p:nvSpPr>
+          <p:cNvPr id="17" name="圆角矩形 16"/>
+          <p:cNvSpPr/>
+          <p:nvPr>
+            <p:custDataLst>
+              <p:tags r:id="rId2"/>
+            </p:custDataLst>
+          </p:nvPr>
+        </p:nvSpPr>
+        <p:spPr>
+          <a:xfrm>
+            <a:off x="10287000" y="6149975"/>
+            <a:ext cx="481965" cy="463550"/>
+          </a:xfrm>
+          <a:prstGeom prst="roundRect">
+            <a:avLst/>
+          </a:prstGeom>
+          <a:ln>
+            <a:noFill/>
+          </a:ln>
+          <a:effectLst>
+            <a:outerShdw blurRad="152400" dist="76200" dir="8040000" algn="ctr" rotWithShape="0">
+              <a:srgbClr val="C8C8C8">
+                <a:alpha val="58000"/>
+              </a:srgbClr>
+            </a:outerShdw>
+          </a:effectLst>
+        </p:spPr>
+        <p:style>
+          <a:lnRef idx="2">
+            <a:schemeClr val="accent4">
+              <a:shade val="50000"/>
+            </a:schemeClr>
+          </a:lnRef>
+          <a:fillRef idx="1">
+            <a:schemeClr val="accent4"/>
+          </a:fillRef>
+          <a:effectRef idx="0">
+            <a:schemeClr val="accent4"/>
+          </a:effectRef>
+          <a:fontRef idx="minor">
+            <a:schemeClr val="lt1"/>
+          </a:fontRef>
+        </p:style>
+        <p:txBody>
+          <a:bodyPr rtlCol="0" anchor="ctr"/>
+          <a:p>
+            <a:pPr algn="ctr"/>
+            <a:endParaRPr lang="zh-CN" altLang="en-US"/>
+          </a:p>
+        </p:txBody>
+      </p:sp>
+      <p:sp>
+        <p:nvSpPr>
+          <p:cNvPr id="5" name="文本框 4"/>
+          <p:cNvSpPr txBox="1"/>
+          <p:nvPr/>
+        </p:nvSpPr>
+        <p:spPr>
+          <a:xfrm>
+            <a:off x="245745" y="951230"/>
+            <a:ext cx="11730355" cy="5504815"/>
+          </a:xfrm>
+          <a:prstGeom prst="rect">
+            <a:avLst/>
+          </a:prstGeom>
+          <a:noFill/>
+        </p:spPr>
+        <p:txBody>
+          <a:bodyPr wrap="square" rtlCol="0">
+            <a:noAutofit/>
+          </a:bodyPr>
+          <a:p>
+            <a:pPr lvl="1" indent="0">
+              <a:buFont typeface="Arial" panose="020B0604020202020204" pitchFamily="34" charset="0"/>
+              <a:buNone/>
+            </a:pPr>
+            <a:endParaRPr lang="en-US" altLang="zh-CN"/>
+          </a:p>
+          <a:p>
+            <a:pPr marL="742950" lvl="1" indent="-285750">
+              <a:buFont typeface="Arial" panose="020B0604020202020204" pitchFamily="34" charset="0"/>
+              <a:buChar char="•"/>
+            </a:pPr>
+            <a:endParaRPr lang="en-US" altLang="zh-CN"/>
+          </a:p>
+          <a:p>
+            <a:pPr marL="742950" lvl="1" indent="-285750">
+              <a:buFont typeface="Arial" panose="020B0604020202020204" pitchFamily="34" charset="0"/>
+              <a:buChar char="•"/>
+            </a:pPr>
+            <a:endParaRPr lang="en-US" altLang="zh-CN"/>
+          </a:p>
+          <a:p>
+            <a:pPr marL="800100" lvl="1" indent="-342900">
+              <a:buFont typeface="Arial" panose="020B0604020202020204" pitchFamily="34" charset="0"/>
+              <a:buChar char="•"/>
+            </a:pPr>
+            <a:endParaRPr lang="en-US" altLang="zh-CN"/>
+          </a:p>
+        </p:txBody>
+      </p:sp>
+    </p:spTree>
+    <p:custDataLst>
+      <p:tags r:id="rId3"/>
+    </p:custDataLst>
+  </p:cSld>
+  <p:clrMapOvr>
+    <a:masterClrMapping/>
+  </p:clrMapOvr>
+  <p:timing>
+    <p:tnLst>
+      <p:par>
+        <p:cTn id="1" dur="indefinite" restart="never" nodeType="tmRoot"/>
+      </p:par>
+    </p:tnLst>
+    <p:bldLst>
+      <p:bldP spid="5" grpId="0"/>
+      <p:bldP spid="5" grpId="1"/>
+    </p:bldLst>
+  </p:timing>
+</p:sld>
+</file>
+
+<file path=ppt/slides/slide12.xml><?xml version="1.0" encoding="utf-8"?>
+<p:sld xmlns:a="http://schemas.openxmlformats.org/drawingml/2006/main" xmlns:r="http://schemas.openxmlformats.org/officeDocument/2006/relationships" xmlns:p="http://schemas.openxmlformats.org/presentationml/2006/main">
+  <p:cSld>
+    <p:spTree>
+      <p:nvGrpSpPr>
+        <p:cNvPr id="1" name=""/>
+        <p:cNvGrpSpPr/>
+        <p:nvPr/>
+      </p:nvGrpSpPr>
+      <p:grpSpPr>
+        <a:xfrm>
+          <a:off x="0" y="0"/>
+          <a:ext cx="0" cy="0"/>
+          <a:chOff x="0" y="0"/>
+          <a:chExt cx="0" cy="0"/>
+        </a:xfrm>
+      </p:grpSpPr>
       <p:sp>
         <p:nvSpPr>
           <p:cNvPr id="53" name="椭圆 52"/>
@@ -6399,6 +7585,998 @@
 </file>
 
 <file path=ppt/slides/slide2.xml><?xml version="1.0" encoding="utf-8"?>
+<p:sld xmlns:a="http://schemas.openxmlformats.org/drawingml/2006/main" xmlns:r="http://schemas.openxmlformats.org/officeDocument/2006/relationships" xmlns:p="http://schemas.openxmlformats.org/presentationml/2006/main">
+  <p:cSld>
+    <p:spTree>
+      <p:nvGrpSpPr>
+        <p:cNvPr id="1" name=""/>
+        <p:cNvGrpSpPr/>
+        <p:nvPr/>
+      </p:nvGrpSpPr>
+      <p:grpSpPr>
+        <a:xfrm>
+          <a:off x="0" y="0"/>
+          <a:ext cx="0" cy="0"/>
+          <a:chOff x="0" y="0"/>
+          <a:chExt cx="0" cy="0"/>
+        </a:xfrm>
+      </p:grpSpPr>
+      <p:sp>
+        <p:nvSpPr>
+          <p:cNvPr id="10" name="同侧圆角矩形 9"/>
+          <p:cNvSpPr/>
+          <p:nvPr/>
+        </p:nvSpPr>
+        <p:spPr>
+          <a:xfrm rot="5400000">
+            <a:off x="28575" y="-28575"/>
+            <a:ext cx="1181100" cy="1238250"/>
+          </a:xfrm>
+          <a:prstGeom prst="round2SameRect">
+            <a:avLst>
+              <a:gd name="adj1" fmla="val 26428"/>
+              <a:gd name="adj2" fmla="val 0"/>
+            </a:avLst>
+          </a:prstGeom>
+          <a:ln>
+            <a:noFill/>
+          </a:ln>
+          <a:effectLst>
+            <a:outerShdw blurRad="228600" dist="50800" dir="1080000" sx="97000" sy="97000" algn="ctr" rotWithShape="0">
+              <a:srgbClr val="BEBEBE">
+                <a:alpha val="43000"/>
+              </a:srgbClr>
+            </a:outerShdw>
+          </a:effectLst>
+        </p:spPr>
+        <p:style>
+          <a:lnRef idx="2">
+            <a:schemeClr val="accent4">
+              <a:shade val="50000"/>
+            </a:schemeClr>
+          </a:lnRef>
+          <a:fillRef idx="1">
+            <a:schemeClr val="accent4"/>
+          </a:fillRef>
+          <a:effectRef idx="0">
+            <a:schemeClr val="accent4"/>
+          </a:effectRef>
+          <a:fontRef idx="minor">
+            <a:schemeClr val="lt1"/>
+          </a:fontRef>
+        </p:style>
+        <p:txBody>
+          <a:bodyPr rtlCol="0" anchor="ctr"/>
+          <a:p>
+            <a:pPr algn="ctr"/>
+            <a:endParaRPr lang="zh-CN" altLang="en-US"/>
+          </a:p>
+        </p:txBody>
+      </p:sp>
+      <p:sp>
+        <p:nvSpPr>
+          <p:cNvPr id="11" name="圆角矩形 10"/>
+          <p:cNvSpPr/>
+          <p:nvPr/>
+        </p:nvSpPr>
+        <p:spPr>
+          <a:xfrm>
+            <a:off x="1543050" y="457200"/>
+            <a:ext cx="793750" cy="723900"/>
+          </a:xfrm>
+          <a:prstGeom prst="roundRect">
+            <a:avLst/>
+          </a:prstGeom>
+          <a:ln>
+            <a:noFill/>
+          </a:ln>
+          <a:effectLst>
+            <a:outerShdw blurRad="152400" dist="76200" dir="8040000" algn="ctr" rotWithShape="0">
+              <a:srgbClr val="C8C8C8">
+                <a:alpha val="58000"/>
+              </a:srgbClr>
+            </a:outerShdw>
+          </a:effectLst>
+        </p:spPr>
+        <p:style>
+          <a:lnRef idx="2">
+            <a:schemeClr val="accent4">
+              <a:shade val="50000"/>
+            </a:schemeClr>
+          </a:lnRef>
+          <a:fillRef idx="1">
+            <a:schemeClr val="accent4"/>
+          </a:fillRef>
+          <a:effectRef idx="0">
+            <a:schemeClr val="accent4"/>
+          </a:effectRef>
+          <a:fontRef idx="minor">
+            <a:schemeClr val="lt1"/>
+          </a:fontRef>
+        </p:style>
+        <p:txBody>
+          <a:bodyPr rtlCol="0" anchor="ctr"/>
+          <a:p>
+            <a:pPr algn="ctr"/>
+            <a:endParaRPr lang="zh-CN" altLang="en-US"/>
+          </a:p>
+        </p:txBody>
+      </p:sp>
+      <p:sp>
+        <p:nvSpPr>
+          <p:cNvPr id="15" name="圆角矩形 14"/>
+          <p:cNvSpPr/>
+          <p:nvPr>
+            <p:custDataLst>
+              <p:tags r:id="rId1"/>
+            </p:custDataLst>
+          </p:nvPr>
+        </p:nvSpPr>
+        <p:spPr>
+          <a:xfrm>
+            <a:off x="444500" y="1460500"/>
+            <a:ext cx="793750" cy="723900"/>
+          </a:xfrm>
+          <a:prstGeom prst="roundRect">
+            <a:avLst/>
+          </a:prstGeom>
+          <a:ln>
+            <a:noFill/>
+          </a:ln>
+          <a:effectLst>
+            <a:outerShdw blurRad="152400" dist="76200" dir="8040000" algn="ctr" rotWithShape="0">
+              <a:srgbClr val="C8C8C8">
+                <a:alpha val="58000"/>
+              </a:srgbClr>
+            </a:outerShdw>
+          </a:effectLst>
+        </p:spPr>
+        <p:style>
+          <a:lnRef idx="2">
+            <a:schemeClr val="accent4">
+              <a:shade val="50000"/>
+            </a:schemeClr>
+          </a:lnRef>
+          <a:fillRef idx="1">
+            <a:schemeClr val="accent4"/>
+          </a:fillRef>
+          <a:effectRef idx="0">
+            <a:schemeClr val="accent4"/>
+          </a:effectRef>
+          <a:fontRef idx="minor">
+            <a:schemeClr val="lt1"/>
+          </a:fontRef>
+        </p:style>
+        <p:txBody>
+          <a:bodyPr rtlCol="0" anchor="ctr"/>
+          <a:p>
+            <a:pPr algn="ctr"/>
+            <a:endParaRPr lang="zh-CN" altLang="en-US"/>
+          </a:p>
+        </p:txBody>
+      </p:sp>
+      <p:sp>
+        <p:nvSpPr>
+          <p:cNvPr id="16" name="圆角矩形 15"/>
+          <p:cNvSpPr/>
+          <p:nvPr>
+            <p:custDataLst>
+              <p:tags r:id="rId2"/>
+            </p:custDataLst>
+          </p:nvPr>
+        </p:nvSpPr>
+        <p:spPr>
+          <a:xfrm>
+            <a:off x="11040745" y="5195570"/>
+            <a:ext cx="860425" cy="871220"/>
+          </a:xfrm>
+          <a:prstGeom prst="roundRect">
+            <a:avLst/>
+          </a:prstGeom>
+          <a:ln>
+            <a:noFill/>
+          </a:ln>
+          <a:effectLst>
+            <a:outerShdw blurRad="152400" dist="76200" dir="8040000" algn="ctr" rotWithShape="0">
+              <a:srgbClr val="C8C8C8">
+                <a:alpha val="58000"/>
+              </a:srgbClr>
+            </a:outerShdw>
+          </a:effectLst>
+        </p:spPr>
+        <p:style>
+          <a:lnRef idx="2">
+            <a:schemeClr val="accent4">
+              <a:shade val="50000"/>
+            </a:schemeClr>
+          </a:lnRef>
+          <a:fillRef idx="1">
+            <a:schemeClr val="accent4"/>
+          </a:fillRef>
+          <a:effectRef idx="0">
+            <a:schemeClr val="accent4"/>
+          </a:effectRef>
+          <a:fontRef idx="minor">
+            <a:schemeClr val="lt1"/>
+          </a:fontRef>
+        </p:style>
+        <p:txBody>
+          <a:bodyPr rtlCol="0" anchor="ctr"/>
+          <a:p>
+            <a:pPr algn="ctr"/>
+            <a:endParaRPr lang="zh-CN" altLang="en-US"/>
+          </a:p>
+        </p:txBody>
+      </p:sp>
+      <p:sp>
+        <p:nvSpPr>
+          <p:cNvPr id="17" name="圆角矩形 16"/>
+          <p:cNvSpPr/>
+          <p:nvPr>
+            <p:custDataLst>
+              <p:tags r:id="rId3"/>
+            </p:custDataLst>
+          </p:nvPr>
+        </p:nvSpPr>
+        <p:spPr>
+          <a:xfrm>
+            <a:off x="10287000" y="6149975"/>
+            <a:ext cx="481965" cy="463550"/>
+          </a:xfrm>
+          <a:prstGeom prst="roundRect">
+            <a:avLst/>
+          </a:prstGeom>
+          <a:ln>
+            <a:noFill/>
+          </a:ln>
+          <a:effectLst>
+            <a:outerShdw blurRad="152400" dist="76200" dir="8040000" algn="ctr" rotWithShape="0">
+              <a:srgbClr val="C8C8C8">
+                <a:alpha val="58000"/>
+              </a:srgbClr>
+            </a:outerShdw>
+          </a:effectLst>
+        </p:spPr>
+        <p:style>
+          <a:lnRef idx="2">
+            <a:schemeClr val="accent4">
+              <a:shade val="50000"/>
+            </a:schemeClr>
+          </a:lnRef>
+          <a:fillRef idx="1">
+            <a:schemeClr val="accent4"/>
+          </a:fillRef>
+          <a:effectRef idx="0">
+            <a:schemeClr val="accent4"/>
+          </a:effectRef>
+          <a:fontRef idx="minor">
+            <a:schemeClr val="lt1"/>
+          </a:fontRef>
+        </p:style>
+        <p:txBody>
+          <a:bodyPr rtlCol="0" anchor="ctr"/>
+          <a:p>
+            <a:pPr algn="ctr"/>
+            <a:endParaRPr lang="zh-CN" altLang="en-US"/>
+          </a:p>
+        </p:txBody>
+      </p:sp>
+      <p:sp>
+        <p:nvSpPr>
+          <p:cNvPr id="7" name="文本框 6"/>
+          <p:cNvSpPr txBox="1"/>
+          <p:nvPr/>
+        </p:nvSpPr>
+        <p:spPr>
+          <a:xfrm>
+            <a:off x="3845560" y="457200"/>
+            <a:ext cx="4794885" cy="750570"/>
+          </a:xfrm>
+          <a:prstGeom prst="rect">
+            <a:avLst/>
+          </a:prstGeom>
+          <a:noFill/>
+        </p:spPr>
+        <p:txBody>
+          <a:bodyPr wrap="square" rtlCol="0">
+            <a:noAutofit/>
+          </a:bodyPr>
+          <a:p>
+            <a:pPr algn="ctr"/>
+            <a:r>
+              <a:rPr lang="zh-CN" altLang="en-US" sz="2400" b="1">
+                <a:solidFill>
+                  <a:srgbClr val="FFBA55"/>
+                </a:solidFill>
+                <a:effectLst>
+                  <a:outerShdw blurRad="38100" dist="19050" dir="2700000" algn="tl" rotWithShape="0">
+                    <a:schemeClr val="dk1">
+                      <a:alpha val="40000"/>
+                    </a:schemeClr>
+                  </a:outerShdw>
+                </a:effectLst>
+              </a:rPr>
+              <a:t>目　录</a:t>
+            </a:r>
+            <a:endParaRPr lang="zh-CN" altLang="en-US" sz="2400" b="1">
+              <a:solidFill>
+                <a:srgbClr val="FFBA55"/>
+              </a:solidFill>
+              <a:effectLst>
+                <a:outerShdw blurRad="38100" dist="19050" dir="2700000" algn="tl" rotWithShape="0">
+                  <a:schemeClr val="dk1">
+                    <a:alpha val="40000"/>
+                  </a:schemeClr>
+                </a:outerShdw>
+              </a:effectLst>
+            </a:endParaRPr>
+          </a:p>
+        </p:txBody>
+      </p:sp>
+      <p:sp>
+        <p:nvSpPr>
+          <p:cNvPr id="2" name="文本框 1"/>
+          <p:cNvSpPr txBox="1"/>
+          <p:nvPr/>
+        </p:nvSpPr>
+        <p:spPr>
+          <a:xfrm>
+            <a:off x="4620260" y="1460500"/>
+            <a:ext cx="3246120" cy="4855210"/>
+          </a:xfrm>
+          <a:prstGeom prst="rect">
+            <a:avLst/>
+          </a:prstGeom>
+          <a:noFill/>
+        </p:spPr>
+        <p:txBody>
+          <a:bodyPr wrap="square" rtlCol="0">
+            <a:noAutofit/>
+          </a:bodyPr>
+          <a:p>
+            <a:pPr marL="400050" indent="-400050">
+              <a:buFont typeface="+mj-ea"/>
+              <a:buAutoNum type="ea1JpnChsDbPeriod"/>
+            </a:pPr>
+            <a:r>
+              <a:rPr lang="zh-CN" altLang="en-US">
+                <a:solidFill>
+                  <a:schemeClr val="tx1"/>
+                </a:solidFill>
+                <a:effectLst>
+                  <a:outerShdw blurRad="38100" dist="19050" dir="2700000" algn="tl" rotWithShape="0">
+                    <a:schemeClr val="dk1">
+                      <a:alpha val="40000"/>
+                    </a:schemeClr>
+                  </a:outerShdw>
+                </a:effectLst>
+                <a:sym typeface="+mn-ea"/>
+              </a:rPr>
+              <a:t>研究的背景、目的和意义</a:t>
+            </a:r>
+            <a:endParaRPr lang="zh-CN" altLang="en-US">
+              <a:solidFill>
+                <a:schemeClr val="tx1"/>
+              </a:solidFill>
+              <a:effectLst>
+                <a:outerShdw blurRad="38100" dist="19050" dir="2700000" algn="tl" rotWithShape="0">
+                  <a:schemeClr val="dk1">
+                    <a:alpha val="40000"/>
+                  </a:schemeClr>
+                </a:outerShdw>
+              </a:effectLst>
+              <a:sym typeface="+mn-ea"/>
+            </a:endParaRPr>
+          </a:p>
+          <a:p>
+            <a:pPr marL="342900" indent="-342900">
+              <a:buFont typeface="+mj-lt"/>
+              <a:buAutoNum type="ea1JpnChsDbPeriod"/>
+            </a:pPr>
+            <a:endParaRPr lang="zh-CN" altLang="en-US">
+              <a:solidFill>
+                <a:schemeClr val="tx1"/>
+              </a:solidFill>
+              <a:effectLst>
+                <a:outerShdw blurRad="38100" dist="19050" dir="2700000" algn="tl" rotWithShape="0">
+                  <a:schemeClr val="dk1">
+                    <a:alpha val="40000"/>
+                  </a:schemeClr>
+                </a:outerShdw>
+              </a:effectLst>
+              <a:sym typeface="+mn-ea"/>
+            </a:endParaRPr>
+          </a:p>
+          <a:p>
+            <a:pPr marL="342900" indent="-342900">
+              <a:buFont typeface="+mj-lt"/>
+              <a:buAutoNum type="ea1JpnChsDbPeriod"/>
+            </a:pPr>
+            <a:r>
+              <a:rPr lang="en-US" altLang="zh-CN">
+                <a:solidFill>
+                  <a:schemeClr val="tx1"/>
+                </a:solidFill>
+                <a:effectLst>
+                  <a:outerShdw blurRad="38100" dist="19050" dir="2700000" algn="tl" rotWithShape="0">
+                    <a:schemeClr val="dk1">
+                      <a:alpha val="40000"/>
+                    </a:schemeClr>
+                  </a:outerShdw>
+                </a:effectLst>
+                <a:sym typeface="+mn-ea"/>
+              </a:rPr>
+              <a:t>研究方法</a:t>
+            </a:r>
+            <a:endParaRPr lang="en-US" altLang="zh-CN">
+              <a:solidFill>
+                <a:schemeClr val="tx1"/>
+              </a:solidFill>
+              <a:effectLst>
+                <a:outerShdw blurRad="38100" dist="19050" dir="2700000" algn="tl" rotWithShape="0">
+                  <a:schemeClr val="dk1">
+                    <a:alpha val="40000"/>
+                  </a:schemeClr>
+                </a:outerShdw>
+              </a:effectLst>
+              <a:sym typeface="+mn-ea"/>
+            </a:endParaRPr>
+          </a:p>
+          <a:p>
+            <a:pPr marL="342900" indent="-342900">
+              <a:buFont typeface="+mj-lt"/>
+              <a:buAutoNum type="ea1JpnChsDbPeriod"/>
+            </a:pPr>
+            <a:endParaRPr lang="en-US" altLang="zh-CN">
+              <a:solidFill>
+                <a:schemeClr val="tx1"/>
+              </a:solidFill>
+              <a:effectLst>
+                <a:outerShdw blurRad="38100" dist="19050" dir="2700000" algn="tl" rotWithShape="0">
+                  <a:schemeClr val="dk1">
+                    <a:alpha val="40000"/>
+                  </a:schemeClr>
+                </a:outerShdw>
+              </a:effectLst>
+              <a:sym typeface="+mn-ea"/>
+            </a:endParaRPr>
+          </a:p>
+          <a:p>
+            <a:pPr marL="342900" indent="-342900">
+              <a:buFont typeface="+mj-lt"/>
+              <a:buAutoNum type="ea1JpnChsDbPeriod"/>
+            </a:pPr>
+            <a:r>
+              <a:rPr lang="zh-CN" altLang="en-US">
+                <a:solidFill>
+                  <a:schemeClr val="tx1"/>
+                </a:solidFill>
+                <a:effectLst>
+                  <a:outerShdw blurRad="38100" dist="19050" dir="2700000" algn="tl" rotWithShape="0">
+                    <a:schemeClr val="dk1">
+                      <a:alpha val="40000"/>
+                    </a:schemeClr>
+                  </a:outerShdw>
+                </a:effectLst>
+                <a:sym typeface="+mn-ea"/>
+              </a:rPr>
+              <a:t>主要技术</a:t>
+            </a:r>
+            <a:endParaRPr lang="zh-CN" altLang="en-US">
+              <a:solidFill>
+                <a:schemeClr val="tx1"/>
+              </a:solidFill>
+              <a:effectLst>
+                <a:outerShdw blurRad="38100" dist="19050" dir="2700000" algn="tl" rotWithShape="0">
+                  <a:schemeClr val="dk1">
+                    <a:alpha val="40000"/>
+                  </a:schemeClr>
+                </a:outerShdw>
+              </a:effectLst>
+              <a:sym typeface="+mn-ea"/>
+            </a:endParaRPr>
+          </a:p>
+          <a:p>
+            <a:pPr marL="342900" indent="-342900">
+              <a:buFont typeface="+mj-lt"/>
+              <a:buAutoNum type="ea1JpnChsDbPeriod"/>
+            </a:pPr>
+            <a:endParaRPr lang="zh-CN" altLang="en-US">
+              <a:solidFill>
+                <a:schemeClr val="tx1"/>
+              </a:solidFill>
+              <a:effectLst>
+                <a:outerShdw blurRad="38100" dist="19050" dir="2700000" algn="tl" rotWithShape="0">
+                  <a:schemeClr val="dk1">
+                    <a:alpha val="40000"/>
+                  </a:schemeClr>
+                </a:outerShdw>
+              </a:effectLst>
+              <a:sym typeface="+mn-ea"/>
+            </a:endParaRPr>
+          </a:p>
+          <a:p>
+            <a:pPr marL="342900" indent="-342900">
+              <a:buFont typeface="+mj-lt"/>
+              <a:buAutoNum type="ea1JpnChsDbPeriod"/>
+            </a:pPr>
+            <a:r>
+              <a:rPr lang="zh-CN" altLang="en-US">
+                <a:solidFill>
+                  <a:schemeClr val="tx1"/>
+                </a:solidFill>
+                <a:effectLst>
+                  <a:outerShdw blurRad="38100" dist="19050" dir="2700000" algn="tl" rotWithShape="0">
+                    <a:schemeClr val="dk1">
+                      <a:alpha val="40000"/>
+                    </a:schemeClr>
+                  </a:outerShdw>
+                </a:effectLst>
+                <a:sym typeface="+mn-ea"/>
+              </a:rPr>
+              <a:t>系统架构图</a:t>
+            </a:r>
+            <a:endParaRPr lang="zh-CN" altLang="en-US">
+              <a:solidFill>
+                <a:schemeClr val="tx1"/>
+              </a:solidFill>
+              <a:effectLst>
+                <a:outerShdw blurRad="38100" dist="19050" dir="2700000" algn="tl" rotWithShape="0">
+                  <a:schemeClr val="dk1">
+                    <a:alpha val="40000"/>
+                  </a:schemeClr>
+                </a:outerShdw>
+              </a:effectLst>
+              <a:sym typeface="+mn-ea"/>
+            </a:endParaRPr>
+          </a:p>
+          <a:p>
+            <a:pPr marL="342900" indent="-342900">
+              <a:buFont typeface="+mj-lt"/>
+              <a:buAutoNum type="ea1JpnChsDbPeriod"/>
+            </a:pPr>
+            <a:endParaRPr lang="zh-CN" altLang="en-US">
+              <a:solidFill>
+                <a:schemeClr val="tx1"/>
+              </a:solidFill>
+              <a:effectLst>
+                <a:outerShdw blurRad="38100" dist="19050" dir="2700000" algn="tl" rotWithShape="0">
+                  <a:schemeClr val="dk1">
+                    <a:alpha val="40000"/>
+                  </a:schemeClr>
+                </a:outerShdw>
+              </a:effectLst>
+              <a:sym typeface="+mn-ea"/>
+            </a:endParaRPr>
+          </a:p>
+          <a:p>
+            <a:pPr marL="342900" indent="-342900">
+              <a:buFont typeface="+mj-lt"/>
+              <a:buAutoNum type="ea1JpnChsDbPeriod"/>
+            </a:pPr>
+            <a:r>
+              <a:rPr lang="zh-CN" altLang="en-US">
+                <a:solidFill>
+                  <a:schemeClr val="tx1"/>
+                </a:solidFill>
+                <a:effectLst>
+                  <a:outerShdw blurRad="38100" dist="19050" dir="2700000" algn="tl" rotWithShape="0">
+                    <a:schemeClr val="dk1">
+                      <a:alpha val="40000"/>
+                    </a:schemeClr>
+                  </a:outerShdw>
+                </a:effectLst>
+                <a:sym typeface="+mn-ea"/>
+              </a:rPr>
+              <a:t>系统模块图</a:t>
+            </a:r>
+            <a:endParaRPr lang="zh-CN" altLang="en-US">
+              <a:solidFill>
+                <a:schemeClr val="tx1"/>
+              </a:solidFill>
+              <a:effectLst>
+                <a:outerShdw blurRad="38100" dist="19050" dir="2700000" algn="tl" rotWithShape="0">
+                  <a:schemeClr val="dk1">
+                    <a:alpha val="40000"/>
+                  </a:schemeClr>
+                </a:outerShdw>
+              </a:effectLst>
+              <a:sym typeface="+mn-ea"/>
+            </a:endParaRPr>
+          </a:p>
+          <a:p>
+            <a:pPr marL="342900" indent="-342900">
+              <a:buFont typeface="+mj-lt"/>
+              <a:buAutoNum type="ea1JpnChsDbPeriod"/>
+            </a:pPr>
+            <a:endParaRPr lang="zh-CN" altLang="en-US">
+              <a:solidFill>
+                <a:schemeClr val="tx1"/>
+              </a:solidFill>
+              <a:effectLst>
+                <a:outerShdw blurRad="38100" dist="19050" dir="2700000" algn="tl" rotWithShape="0">
+                  <a:schemeClr val="dk1">
+                    <a:alpha val="40000"/>
+                  </a:schemeClr>
+                </a:outerShdw>
+              </a:effectLst>
+              <a:sym typeface="+mn-ea"/>
+            </a:endParaRPr>
+          </a:p>
+          <a:p>
+            <a:pPr marL="342900" indent="-342900">
+              <a:buFont typeface="+mj-lt"/>
+              <a:buAutoNum type="ea1JpnChsDbPeriod"/>
+            </a:pPr>
+            <a:r>
+              <a:rPr lang="zh-CN" altLang="en-US">
+                <a:solidFill>
+                  <a:schemeClr val="tx1"/>
+                </a:solidFill>
+                <a:effectLst>
+                  <a:outerShdw blurRad="38100" dist="19050" dir="2700000" algn="tl" rotWithShape="0">
+                    <a:schemeClr val="dk1">
+                      <a:alpha val="40000"/>
+                    </a:schemeClr>
+                  </a:outerShdw>
+                </a:effectLst>
+                <a:sym typeface="+mn-ea"/>
+              </a:rPr>
+              <a:t>系统模详细介绍</a:t>
+            </a:r>
+            <a:endParaRPr lang="zh-CN" altLang="en-US">
+              <a:solidFill>
+                <a:schemeClr val="tx1"/>
+              </a:solidFill>
+              <a:effectLst>
+                <a:outerShdw blurRad="38100" dist="19050" dir="2700000" algn="tl" rotWithShape="0">
+                  <a:schemeClr val="dk1">
+                    <a:alpha val="40000"/>
+                  </a:schemeClr>
+                </a:outerShdw>
+              </a:effectLst>
+              <a:sym typeface="+mn-ea"/>
+            </a:endParaRPr>
+          </a:p>
+          <a:p>
+            <a:pPr marL="342900" indent="-342900">
+              <a:buFont typeface="+mj-lt"/>
+              <a:buAutoNum type="ea1JpnChsDbPeriod"/>
+            </a:pPr>
+            <a:endParaRPr lang="zh-CN" altLang="en-US">
+              <a:solidFill>
+                <a:schemeClr val="tx1"/>
+              </a:solidFill>
+              <a:effectLst>
+                <a:outerShdw blurRad="38100" dist="19050" dir="2700000" algn="tl" rotWithShape="0">
+                  <a:schemeClr val="dk1">
+                    <a:alpha val="40000"/>
+                  </a:schemeClr>
+                </a:outerShdw>
+              </a:effectLst>
+            </a:endParaRPr>
+          </a:p>
+          <a:p>
+            <a:pPr marL="342900" indent="-342900">
+              <a:buFont typeface="+mj-lt"/>
+              <a:buAutoNum type="ea1JpnChsDbPeriod"/>
+            </a:pPr>
+            <a:r>
+              <a:rPr lang="zh-CN" altLang="en-US">
+                <a:solidFill>
+                  <a:schemeClr val="tx1"/>
+                </a:solidFill>
+                <a:effectLst>
+                  <a:outerShdw blurRad="38100" dist="19050" dir="2700000" algn="tl" rotWithShape="0">
+                    <a:schemeClr val="dk1">
+                      <a:alpha val="40000"/>
+                    </a:schemeClr>
+                  </a:outerShdw>
+                </a:effectLst>
+                <a:sym typeface="+mn-ea"/>
+              </a:rPr>
+              <a:t>系统创新点</a:t>
+            </a:r>
+            <a:endParaRPr lang="zh-CN" altLang="en-US">
+              <a:solidFill>
+                <a:schemeClr val="tx1"/>
+              </a:solidFill>
+              <a:effectLst>
+                <a:outerShdw blurRad="38100" dist="19050" dir="2700000" algn="tl" rotWithShape="0">
+                  <a:schemeClr val="dk1">
+                    <a:alpha val="40000"/>
+                  </a:schemeClr>
+                </a:outerShdw>
+              </a:effectLst>
+              <a:sym typeface="+mn-ea"/>
+            </a:endParaRPr>
+          </a:p>
+          <a:p>
+            <a:pPr marL="342900" indent="-342900">
+              <a:buFont typeface="+mj-lt"/>
+              <a:buAutoNum type="ea1JpnChsDbPeriod"/>
+            </a:pPr>
+            <a:endParaRPr lang="zh-CN" altLang="en-US">
+              <a:solidFill>
+                <a:schemeClr val="tx1"/>
+              </a:solidFill>
+              <a:effectLst>
+                <a:outerShdw blurRad="38100" dist="19050" dir="2700000" algn="tl" rotWithShape="0">
+                  <a:schemeClr val="dk1">
+                    <a:alpha val="40000"/>
+                  </a:schemeClr>
+                </a:outerShdw>
+              </a:effectLst>
+              <a:sym typeface="+mn-ea"/>
+            </a:endParaRPr>
+          </a:p>
+          <a:p>
+            <a:pPr marL="342900" indent="-342900">
+              <a:buFont typeface="+mj-lt"/>
+              <a:buAutoNum type="ea1JpnChsDbPeriod"/>
+            </a:pPr>
+            <a:r>
+              <a:rPr lang="zh-CN" altLang="en-US">
+                <a:solidFill>
+                  <a:schemeClr val="tx1"/>
+                </a:solidFill>
+                <a:effectLst>
+                  <a:outerShdw blurRad="38100" dist="19050" dir="2700000" algn="tl" rotWithShape="0">
+                    <a:schemeClr val="dk1">
+                      <a:alpha val="40000"/>
+                    </a:schemeClr>
+                  </a:outerShdw>
+                </a:effectLst>
+                <a:sym typeface="+mn-ea"/>
+              </a:rPr>
+              <a:t>系统效果图</a:t>
+            </a:r>
+            <a:endParaRPr lang="zh-CN" altLang="en-US">
+              <a:solidFill>
+                <a:schemeClr val="tx1"/>
+              </a:solidFill>
+              <a:effectLst>
+                <a:outerShdw blurRad="38100" dist="19050" dir="2700000" algn="tl" rotWithShape="0">
+                  <a:schemeClr val="dk1">
+                    <a:alpha val="40000"/>
+                  </a:schemeClr>
+                </a:outerShdw>
+              </a:effectLst>
+              <a:sym typeface="+mn-ea"/>
+            </a:endParaRPr>
+          </a:p>
+          <a:p>
+            <a:pPr marL="342900" indent="-342900">
+              <a:buFont typeface="+mj-lt"/>
+              <a:buAutoNum type="ea1JpnChsDbPeriod"/>
+            </a:pPr>
+            <a:endParaRPr lang="zh-CN" altLang="en-US">
+              <a:solidFill>
+                <a:schemeClr val="tx1"/>
+              </a:solidFill>
+              <a:effectLst>
+                <a:outerShdw blurRad="38100" dist="19050" dir="2700000" algn="tl" rotWithShape="0">
+                  <a:schemeClr val="dk1">
+                    <a:alpha val="40000"/>
+                  </a:schemeClr>
+                </a:outerShdw>
+              </a:effectLst>
+              <a:sym typeface="+mn-ea"/>
+            </a:endParaRPr>
+          </a:p>
+          <a:p>
+            <a:pPr marL="342900" indent="-342900">
+              <a:buFont typeface="+mj-lt"/>
+              <a:buAutoNum type="ea1JpnChsDbPeriod"/>
+            </a:pPr>
+            <a:r>
+              <a:rPr lang="zh-CN" altLang="en-US">
+                <a:solidFill>
+                  <a:schemeClr val="tx1"/>
+                </a:solidFill>
+                <a:effectLst>
+                  <a:outerShdw blurRad="38100" dist="19050" dir="2700000" algn="tl" rotWithShape="0">
+                    <a:schemeClr val="dk1">
+                      <a:alpha val="40000"/>
+                    </a:schemeClr>
+                  </a:outerShdw>
+                </a:effectLst>
+                <a:sym typeface="+mn-ea"/>
+              </a:rPr>
+              <a:t>系统缺陷</a:t>
+            </a:r>
+            <a:endParaRPr lang="en-US" altLang="zh-CN">
+              <a:solidFill>
+                <a:schemeClr val="tx1"/>
+              </a:solidFill>
+              <a:effectLst>
+                <a:outerShdw blurRad="38100" dist="19050" dir="2700000" algn="tl" rotWithShape="0">
+                  <a:schemeClr val="dk1">
+                    <a:alpha val="40000"/>
+                  </a:schemeClr>
+                </a:outerShdw>
+              </a:effectLst>
+            </a:endParaRPr>
+          </a:p>
+          <a:p>
+            <a:pPr marL="342900" indent="-342900">
+              <a:buFont typeface="+mj-lt"/>
+              <a:buAutoNum type="ea1JpnChsDbPeriod"/>
+            </a:pPr>
+            <a:endParaRPr lang="zh-CN" altLang="en-US">
+              <a:solidFill>
+                <a:schemeClr val="tx1"/>
+              </a:solidFill>
+              <a:effectLst>
+                <a:outerShdw blurRad="38100" dist="19050" dir="2700000" algn="tl" rotWithShape="0">
+                  <a:schemeClr val="dk1">
+                    <a:alpha val="40000"/>
+                  </a:schemeClr>
+                </a:outerShdw>
+              </a:effectLst>
+              <a:sym typeface="+mn-ea"/>
+            </a:endParaRPr>
+          </a:p>
+          <a:p>
+            <a:pPr marL="342900" indent="-342900">
+              <a:buFont typeface="+mj-lt"/>
+              <a:buAutoNum type="ea1JpnChsDbPeriod"/>
+            </a:pPr>
+            <a:endParaRPr lang="zh-CN" altLang="en-US">
+              <a:solidFill>
+                <a:schemeClr val="tx1"/>
+              </a:solidFill>
+              <a:effectLst>
+                <a:outerShdw blurRad="38100" dist="19050" dir="2700000" algn="tl" rotWithShape="0">
+                  <a:schemeClr val="dk1">
+                    <a:alpha val="40000"/>
+                  </a:schemeClr>
+                </a:outerShdw>
+              </a:effectLst>
+              <a:sym typeface="+mn-ea"/>
+            </a:endParaRPr>
+          </a:p>
+        </p:txBody>
+      </p:sp>
+    </p:spTree>
+    <p:custDataLst>
+      <p:tags r:id="rId4"/>
+    </p:custDataLst>
+  </p:cSld>
+  <p:clrMapOvr>
+    <a:masterClrMapping/>
+  </p:clrMapOvr>
+  <p:timing>
+    <p:tnLst>
+      <p:par>
+        <p:cTn id="1" dur="indefinite" restart="never" nodeType="tmRoot">
+          <p:childTnLst>
+            <p:seq concurrent="1" nextAc="seek">
+              <p:cTn id="2" dur="indefinite" nodeType="mainSeq">
+                <p:childTnLst>
+                  <p:par>
+                    <p:cTn id="3" fill="hold">
+                      <p:stCondLst>
+                        <p:cond delay="indefinite"/>
+                      </p:stCondLst>
+                      <p:childTnLst>
+                        <p:par>
+                          <p:cTn id="4" fill="hold">
+                            <p:stCondLst>
+                              <p:cond delay="0"/>
+                            </p:stCondLst>
+                            <p:childTnLst>
+                              <p:par>
+                                <p:cTn id="5" presetID="2" presetClass="entr" presetSubtype="4" fill="hold" grpId="0" nodeType="clickEffect">
+                                  <p:stCondLst>
+                                    <p:cond delay="0"/>
+                                  </p:stCondLst>
+                                  <p:childTnLst>
+                                    <p:set>
+                                      <p:cBhvr>
+                                        <p:cTn id="6" dur="1" fill="hold">
+                                          <p:stCondLst>
+                                            <p:cond delay="0"/>
+                                          </p:stCondLst>
+                                        </p:cTn>
+                                        <p:tgtEl>
+                                          <p:spTgt spid="2"/>
+                                        </p:tgtEl>
+                                        <p:attrNameLst>
+                                          <p:attrName>style.visibility</p:attrName>
+                                        </p:attrNameLst>
+                                      </p:cBhvr>
+                                      <p:to>
+                                        <p:strVal val="visible"/>
+                                      </p:to>
+                                    </p:set>
+                                    <p:anim calcmode="lin" valueType="num">
+                                      <p:cBhvr additive="base">
+                                        <p:cTn id="7" dur="500" fill="hold"/>
+                                        <p:tgtEl>
+                                          <p:spTgt spid="2"/>
+                                        </p:tgtEl>
+                                        <p:attrNameLst>
+                                          <p:attrName>ppt_x</p:attrName>
+                                        </p:attrNameLst>
+                                      </p:cBhvr>
+                                      <p:tavLst>
+                                        <p:tav tm="0">
+                                          <p:val>
+                                            <p:strVal val="#ppt_x"/>
+                                          </p:val>
+                                        </p:tav>
+                                        <p:tav tm="100000">
+                                          <p:val>
+                                            <p:strVal val="#ppt_x"/>
+                                          </p:val>
+                                        </p:tav>
+                                      </p:tavLst>
+                                    </p:anim>
+                                    <p:anim calcmode="lin" valueType="num">
+                                      <p:cBhvr additive="base">
+                                        <p:cTn id="8" dur="500" fill="hold"/>
+                                        <p:tgtEl>
+                                          <p:spTgt spid="2"/>
+                                        </p:tgtEl>
+                                        <p:attrNameLst>
+                                          <p:attrName>ppt_y</p:attrName>
+                                        </p:attrNameLst>
+                                      </p:cBhvr>
+                                      <p:tavLst>
+                                        <p:tav tm="0">
+                                          <p:val>
+                                            <p:strVal val="1+#ppt_h/2"/>
+                                          </p:val>
+                                        </p:tav>
+                                        <p:tav tm="100000">
+                                          <p:val>
+                                            <p:strVal val="#ppt_y"/>
+                                          </p:val>
+                                        </p:tav>
+                                      </p:tavLst>
+                                    </p:anim>
+                                  </p:childTnLst>
+                                </p:cTn>
+                              </p:par>
+                            </p:childTnLst>
+                          </p:cTn>
+                        </p:par>
+                      </p:childTnLst>
+                    </p:cTn>
+                  </p:par>
+                </p:childTnLst>
+              </p:cTn>
+              <p:prevCondLst>
+                <p:cond evt="onPrev" delay="0">
+                  <p:tgtEl>
+                    <p:sldTgt/>
+                  </p:tgtEl>
+                </p:cond>
+              </p:prevCondLst>
+              <p:nextCondLst>
+                <p:cond evt="onNext" delay="0">
+                  <p:tgtEl>
+                    <p:sldTgt/>
+                  </p:tgtEl>
+                </p:cond>
+              </p:nextCondLst>
+            </p:seq>
+          </p:childTnLst>
+        </p:cTn>
+      </p:par>
+    </p:tnLst>
+    <p:bldLst>
+      <p:bldP spid="7" grpId="0"/>
+      <p:bldP spid="7" grpId="1"/>
+      <p:bldP spid="2" grpId="0"/>
+      <p:bldP spid="2" grpId="1"/>
+    </p:bldLst>
+  </p:timing>
+</p:sld>
+</file>
+
+<file path=ppt/slides/slide3.xml><?xml version="1.0" encoding="utf-8"?>
 <p:sld xmlns:a="http://schemas.openxmlformats.org/drawingml/2006/main" xmlns:r="http://schemas.openxmlformats.org/officeDocument/2006/relationships" xmlns:p="http://schemas.openxmlformats.org/presentationml/2006/main">
   <p:cSld>
     <p:spTree>
@@ -7544,1090 +9722,6 @@
 </p:sld>
 </file>
 
-<file path=ppt/slides/slide3.xml><?xml version="1.0" encoding="utf-8"?>
-<p:sld xmlns:a="http://schemas.openxmlformats.org/drawingml/2006/main" xmlns:r="http://schemas.openxmlformats.org/officeDocument/2006/relationships" xmlns:p="http://schemas.openxmlformats.org/presentationml/2006/main">
-  <p:cSld>
-    <p:spTree>
-      <p:nvGrpSpPr>
-        <p:cNvPr id="1" name=""/>
-        <p:cNvGrpSpPr/>
-        <p:nvPr/>
-      </p:nvGrpSpPr>
-      <p:grpSpPr>
-        <a:xfrm>
-          <a:off x="0" y="0"/>
-          <a:ext cx="0" cy="0"/>
-          <a:chOff x="0" y="0"/>
-          <a:chExt cx="0" cy="0"/>
-        </a:xfrm>
-      </p:grpSpPr>
-      <p:cxnSp>
-        <p:nvCxnSpPr>
-          <p:cNvPr id="2" name="直接连接符 1"/>
-          <p:cNvCxnSpPr/>
-          <p:nvPr/>
-        </p:nvCxnSpPr>
-        <p:spPr>
-          <a:xfrm flipV="1">
-            <a:off x="321945" y="600075"/>
-            <a:ext cx="11729720" cy="3810"/>
-          </a:xfrm>
-          <a:prstGeom prst="line">
-            <a:avLst/>
-          </a:prstGeom>
-          <a:ln>
-            <a:solidFill>
-              <a:srgbClr val="FFBA55"/>
-            </a:solidFill>
-          </a:ln>
-        </p:spPr>
-        <p:style>
-          <a:lnRef idx="3">
-            <a:schemeClr val="dk1"/>
-          </a:lnRef>
-          <a:fillRef idx="0">
-            <a:schemeClr val="dk1"/>
-          </a:fillRef>
-          <a:effectRef idx="2">
-            <a:schemeClr val="dk1"/>
-          </a:effectRef>
-          <a:fontRef idx="minor">
-            <a:schemeClr val="tx1"/>
-          </a:fontRef>
-        </p:style>
-      </p:cxnSp>
-      <p:sp>
-        <p:nvSpPr>
-          <p:cNvPr id="8" name="圆角矩形 7"/>
-          <p:cNvSpPr/>
-          <p:nvPr/>
-        </p:nvSpPr>
-        <p:spPr>
-          <a:xfrm rot="19500000">
-            <a:off x="127635" y="146050"/>
-            <a:ext cx="480060" cy="332105"/>
-          </a:xfrm>
-          <a:prstGeom prst="roundRect">
-            <a:avLst/>
-          </a:prstGeom>
-          <a:solidFill>
-            <a:srgbClr val="FFBA55"/>
-          </a:solidFill>
-          <a:ln>
-            <a:solidFill>
-              <a:srgbClr val="FFBA55"/>
-            </a:solidFill>
-          </a:ln>
-        </p:spPr>
-        <p:style>
-          <a:lnRef idx="2">
-            <a:schemeClr val="accent4">
-              <a:shade val="50000"/>
-            </a:schemeClr>
-          </a:lnRef>
-          <a:fillRef idx="1">
-            <a:schemeClr val="accent4"/>
-          </a:fillRef>
-          <a:effectRef idx="0">
-            <a:schemeClr val="accent4"/>
-          </a:effectRef>
-          <a:fontRef idx="minor">
-            <a:schemeClr val="lt1"/>
-          </a:fontRef>
-        </p:style>
-        <p:txBody>
-          <a:bodyPr rtlCol="0" anchor="ctr"/>
-          <a:p>
-            <a:pPr algn="ctr"/>
-            <a:endParaRPr lang="zh-CN" altLang="en-US"/>
-          </a:p>
-        </p:txBody>
-      </p:sp>
-      <p:sp>
-        <p:nvSpPr>
-          <p:cNvPr id="14" name="文本框 13"/>
-          <p:cNvSpPr txBox="1"/>
-          <p:nvPr/>
-        </p:nvSpPr>
-        <p:spPr>
-          <a:xfrm>
-            <a:off x="660400" y="128270"/>
-            <a:ext cx="4239260" cy="368300"/>
-          </a:xfrm>
-          <a:prstGeom prst="rect">
-            <a:avLst/>
-          </a:prstGeom>
-          <a:noFill/>
-        </p:spPr>
-        <p:txBody>
-          <a:bodyPr wrap="square" rtlCol="0">
-            <a:spAutoFit/>
-          </a:bodyPr>
-          <a:p>
-            <a:r>
-              <a:rPr lang="zh-CN" altLang="en-US">
-                <a:solidFill>
-                  <a:srgbClr val="FFBA55"/>
-                </a:solidFill>
-                <a:effectLst>
-                  <a:outerShdw blurRad="38100" dist="19050" dir="2700000" algn="tl" rotWithShape="0">
-                    <a:schemeClr val="dk1">
-                      <a:alpha val="40000"/>
-                    </a:schemeClr>
-                  </a:outerShdw>
-                </a:effectLst>
-              </a:rPr>
-              <a:t>二</a:t>
-            </a:r>
-            <a:r>
-              <a:rPr lang="en-US" altLang="zh-CN">
-                <a:solidFill>
-                  <a:srgbClr val="FFBA55"/>
-                </a:solidFill>
-                <a:effectLst>
-                  <a:outerShdw blurRad="38100" dist="19050" dir="2700000" algn="tl" rotWithShape="0">
-                    <a:schemeClr val="dk1">
-                      <a:alpha val="40000"/>
-                    </a:schemeClr>
-                  </a:outerShdw>
-                </a:effectLst>
-              </a:rPr>
-              <a:t>.</a:t>
-            </a:r>
-            <a:r>
-              <a:rPr lang="zh-CN" altLang="en-US">
-                <a:solidFill>
-                  <a:srgbClr val="FFBA55"/>
-                </a:solidFill>
-                <a:effectLst>
-                  <a:outerShdw blurRad="38100" dist="19050" dir="2700000" algn="tl" rotWithShape="0">
-                    <a:schemeClr val="dk1">
-                      <a:alpha val="40000"/>
-                    </a:schemeClr>
-                  </a:outerShdw>
-                </a:effectLst>
-              </a:rPr>
-              <a:t>课题研究现状及分析</a:t>
-            </a:r>
-            <a:endParaRPr lang="zh-CN" altLang="en-US">
-              <a:solidFill>
-                <a:srgbClr val="FFBA55"/>
-              </a:solidFill>
-              <a:effectLst>
-                <a:outerShdw blurRad="38100" dist="19050" dir="2700000" algn="tl" rotWithShape="0">
-                  <a:schemeClr val="dk1">
-                    <a:alpha val="40000"/>
-                  </a:schemeClr>
-                </a:outerShdw>
-              </a:effectLst>
-            </a:endParaRPr>
-          </a:p>
-        </p:txBody>
-      </p:sp>
-      <p:sp>
-        <p:nvSpPr>
-          <p:cNvPr id="16" name="圆角矩形 15"/>
-          <p:cNvSpPr/>
-          <p:nvPr>
-            <p:custDataLst>
-              <p:tags r:id="rId1"/>
-            </p:custDataLst>
-          </p:nvPr>
-        </p:nvSpPr>
-        <p:spPr>
-          <a:xfrm>
-            <a:off x="11040745" y="5195570"/>
-            <a:ext cx="860425" cy="871220"/>
-          </a:xfrm>
-          <a:prstGeom prst="roundRect">
-            <a:avLst/>
-          </a:prstGeom>
-          <a:ln>
-            <a:noFill/>
-          </a:ln>
-          <a:effectLst>
-            <a:outerShdw blurRad="152400" dist="76200" dir="8040000" algn="ctr" rotWithShape="0">
-              <a:srgbClr val="C8C8C8">
-                <a:alpha val="58000"/>
-              </a:srgbClr>
-            </a:outerShdw>
-          </a:effectLst>
-        </p:spPr>
-        <p:style>
-          <a:lnRef idx="2">
-            <a:schemeClr val="accent4">
-              <a:shade val="50000"/>
-            </a:schemeClr>
-          </a:lnRef>
-          <a:fillRef idx="1">
-            <a:schemeClr val="accent4"/>
-          </a:fillRef>
-          <a:effectRef idx="0">
-            <a:schemeClr val="accent4"/>
-          </a:effectRef>
-          <a:fontRef idx="minor">
-            <a:schemeClr val="lt1"/>
-          </a:fontRef>
-        </p:style>
-        <p:txBody>
-          <a:bodyPr rtlCol="0" anchor="ctr"/>
-          <a:p>
-            <a:pPr algn="ctr"/>
-            <a:endParaRPr lang="zh-CN" altLang="en-US"/>
-          </a:p>
-        </p:txBody>
-      </p:sp>
-      <p:sp>
-        <p:nvSpPr>
-          <p:cNvPr id="17" name="圆角矩形 16"/>
-          <p:cNvSpPr/>
-          <p:nvPr>
-            <p:custDataLst>
-              <p:tags r:id="rId2"/>
-            </p:custDataLst>
-          </p:nvPr>
-        </p:nvSpPr>
-        <p:spPr>
-          <a:xfrm>
-            <a:off x="10287000" y="6149975"/>
-            <a:ext cx="481965" cy="463550"/>
-          </a:xfrm>
-          <a:prstGeom prst="roundRect">
-            <a:avLst/>
-          </a:prstGeom>
-          <a:ln>
-            <a:noFill/>
-          </a:ln>
-          <a:effectLst>
-            <a:outerShdw blurRad="152400" dist="76200" dir="8040000" algn="ctr" rotWithShape="0">
-              <a:srgbClr val="C8C8C8">
-                <a:alpha val="58000"/>
-              </a:srgbClr>
-            </a:outerShdw>
-          </a:effectLst>
-        </p:spPr>
-        <p:style>
-          <a:lnRef idx="2">
-            <a:schemeClr val="accent4">
-              <a:shade val="50000"/>
-            </a:schemeClr>
-          </a:lnRef>
-          <a:fillRef idx="1">
-            <a:schemeClr val="accent4"/>
-          </a:fillRef>
-          <a:effectRef idx="0">
-            <a:schemeClr val="accent4"/>
-          </a:effectRef>
-          <a:fontRef idx="minor">
-            <a:schemeClr val="lt1"/>
-          </a:fontRef>
-        </p:style>
-        <p:txBody>
-          <a:bodyPr rtlCol="0" anchor="ctr"/>
-          <a:p>
-            <a:pPr algn="ctr"/>
-            <a:endParaRPr lang="zh-CN" altLang="en-US"/>
-          </a:p>
-        </p:txBody>
-      </p:sp>
-      <p:sp>
-        <p:nvSpPr>
-          <p:cNvPr id="5" name="文本框 4"/>
-          <p:cNvSpPr txBox="1"/>
-          <p:nvPr/>
-        </p:nvSpPr>
-        <p:spPr>
-          <a:xfrm>
-            <a:off x="245745" y="951230"/>
-            <a:ext cx="11730355" cy="5504815"/>
-          </a:xfrm>
-          <a:prstGeom prst="rect">
-            <a:avLst/>
-          </a:prstGeom>
-          <a:noFill/>
-        </p:spPr>
-        <p:txBody>
-          <a:bodyPr wrap="square" rtlCol="0">
-            <a:noAutofit/>
-          </a:bodyPr>
-          <a:p>
-            <a:pPr marL="285750" indent="-285750">
-              <a:buFont typeface="Arial" panose="020B0604020202020204" pitchFamily="34" charset="0"/>
-              <a:buChar char="•"/>
-            </a:pPr>
-            <a:r>
-              <a:rPr lang="zh-CN" altLang="en-US" b="1"/>
-              <a:t>国内发展状况</a:t>
-            </a:r>
-            <a:endParaRPr lang="zh-CN" altLang="en-US" b="1"/>
-          </a:p>
-          <a:p>
-            <a:pPr marL="285750" indent="-285750">
-              <a:buFont typeface="Arial" panose="020B0604020202020204" pitchFamily="34" charset="0"/>
-              <a:buChar char="•"/>
-            </a:pPr>
-            <a:endParaRPr lang="zh-CN" altLang="en-US">
-              <a:sym typeface="+mn-ea"/>
-            </a:endParaRPr>
-          </a:p>
-          <a:p>
-            <a:pPr marL="342900" indent="-342900">
-              <a:buFont typeface="Arial" panose="020B0604020202020204" pitchFamily="34" charset="0"/>
-              <a:buAutoNum type="arabicPeriod"/>
-            </a:pPr>
-            <a:r>
-              <a:rPr lang="zh-CN" altLang="en-US">
-                <a:sym typeface="+mn-ea"/>
-              </a:rPr>
-              <a:t>物流管理系统平台整体还存在功能单一、没有完善</a:t>
-            </a:r>
-            <a:r>
-              <a:rPr lang="zh-CN" altLang="en-US">
-                <a:sym typeface="+mn-ea"/>
-              </a:rPr>
-              <a:t>的可视化</a:t>
-            </a:r>
-            <a:r>
-              <a:rPr lang="zh-CN" altLang="en-US">
-                <a:sym typeface="+mn-ea"/>
-              </a:rPr>
-              <a:t>技术等。</a:t>
-            </a:r>
-            <a:endParaRPr lang="zh-CN" altLang="en-US">
-              <a:sym typeface="+mn-ea"/>
-            </a:endParaRPr>
-          </a:p>
-          <a:p>
-            <a:pPr marL="342900" indent="-342900">
-              <a:buFont typeface="Arial" panose="020B0604020202020204" pitchFamily="34" charset="0"/>
-              <a:buAutoNum type="arabicPeriod"/>
-            </a:pPr>
-            <a:endParaRPr lang="zh-CN" altLang="en-US">
-              <a:sym typeface="+mn-ea"/>
-            </a:endParaRPr>
-          </a:p>
-          <a:p>
-            <a:pPr marL="342900" indent="-342900">
-              <a:buFont typeface="Arial" panose="020B0604020202020204" pitchFamily="34" charset="0"/>
-              <a:buAutoNum type="arabicPeriod"/>
-            </a:pPr>
-            <a:r>
-              <a:rPr lang="zh-CN" altLang="en-US">
-                <a:sym typeface="+mn-ea"/>
-              </a:rPr>
-              <a:t>物流信息资源整合能力成为需求企业考查物流软件的主要因素，物流管理系统也正日益成为物流企业发展的“瓶颈”。国内物流追踪系统比较臃肿。例如：</a:t>
-            </a:r>
-            <a:r>
-              <a:rPr lang="zh-CN" altLang="en-US">
-                <a:sym typeface="+mn-ea"/>
-                <a:hlinkClick r:id="rId3" action="ppaction://hlinkfile"/>
-              </a:rPr>
-              <a:t>德邦快递</a:t>
-            </a:r>
-            <a:r>
-              <a:rPr lang="en-US" altLang="zh-CN">
-                <a:sym typeface="+mn-ea"/>
-              </a:rPr>
-              <a:t> </a:t>
-            </a:r>
-            <a:r>
-              <a:rPr lang="zh-CN" altLang="en-US">
-                <a:sym typeface="+mn-ea"/>
-                <a:hlinkClick r:id="rId4" action="ppaction://hlinkfile"/>
-              </a:rPr>
-              <a:t>中国南方航空</a:t>
-            </a:r>
-            <a:r>
-              <a:rPr lang="en-US" altLang="zh-CN">
-                <a:sym typeface="+mn-ea"/>
-              </a:rPr>
-              <a:t> </a:t>
-            </a:r>
-            <a:endParaRPr lang="en-US" altLang="zh-CN">
-              <a:sym typeface="+mn-ea"/>
-            </a:endParaRPr>
-          </a:p>
-          <a:p>
-            <a:pPr indent="0">
-              <a:buFont typeface="Arial" panose="020B0604020202020204" pitchFamily="34" charset="0"/>
-              <a:buNone/>
-            </a:pPr>
-            <a:endParaRPr lang="en-US" altLang="zh-CN">
-              <a:sym typeface="+mn-ea"/>
-            </a:endParaRPr>
-          </a:p>
-          <a:p>
-            <a:pPr indent="0">
-              <a:buFont typeface="Arial" panose="020B0604020202020204" pitchFamily="34" charset="0"/>
-              <a:buNone/>
-            </a:pPr>
-            <a:endParaRPr lang="en-US" altLang="zh-CN">
-              <a:sym typeface="+mn-ea"/>
-            </a:endParaRPr>
-          </a:p>
-          <a:p>
-            <a:pPr marL="285750" indent="-285750">
-              <a:buFont typeface="Arial" panose="020B0604020202020204" pitchFamily="34" charset="0"/>
-              <a:buChar char="•"/>
-            </a:pPr>
-            <a:r>
-              <a:rPr lang="zh-CN" altLang="en-US" b="1">
-                <a:sym typeface="+mn-ea"/>
-              </a:rPr>
-              <a:t>国外发展状况</a:t>
-            </a:r>
-            <a:endParaRPr lang="zh-CN" altLang="en-US" b="1">
-              <a:sym typeface="+mn-ea"/>
-            </a:endParaRPr>
-          </a:p>
-          <a:p>
-            <a:pPr marL="285750" indent="-285750">
-              <a:buFont typeface="Arial" panose="020B0604020202020204" pitchFamily="34" charset="0"/>
-              <a:buChar char="•"/>
-            </a:pPr>
-            <a:endParaRPr lang="zh-CN" altLang="en-US"/>
-          </a:p>
-          <a:p>
-            <a:pPr marL="342900" indent="-342900">
-              <a:buFont typeface="Arial" panose="020B0604020202020204" pitchFamily="34" charset="0"/>
-              <a:buAutoNum type="arabicPeriod"/>
-            </a:pPr>
-            <a:r>
-              <a:rPr lang="zh-CN" altLang="en-US"/>
-              <a:t>美国和日本已经走在物流系统发展领域的前列。如</a:t>
-            </a:r>
-            <a:r>
-              <a:rPr lang="en-US" altLang="zh-CN"/>
-              <a:t>17TRACK</a:t>
-            </a:r>
-            <a:r>
-              <a:rPr lang="zh-CN" altLang="en-US"/>
-              <a:t>平台</a:t>
-            </a:r>
-            <a:r>
-              <a:rPr lang="zh-CN" altLang="en-US"/>
-              <a:t>等</a:t>
-            </a:r>
-            <a:endParaRPr lang="zh-CN" altLang="en-US"/>
-          </a:p>
-          <a:p>
-            <a:pPr marL="342900" indent="-342900">
-              <a:buFont typeface="Arial" panose="020B0604020202020204" pitchFamily="34" charset="0"/>
-              <a:buAutoNum type="arabicPeriod"/>
-            </a:pPr>
-            <a:endParaRPr lang="zh-CN" altLang="en-US"/>
-          </a:p>
-          <a:p>
-            <a:pPr marL="342900" indent="-342900">
-              <a:buFont typeface="Arial" panose="020B0604020202020204" pitchFamily="34" charset="0"/>
-              <a:buAutoNum type="arabicPeriod"/>
-            </a:pPr>
-            <a:r>
-              <a:rPr lang="zh-CN" altLang="en-US"/>
-              <a:t>欧洲的现代物流起步稍晚，但最近在政府部门与企业的重视下也得到了较大发展。</a:t>
-            </a:r>
-            <a:endParaRPr lang="zh-CN" altLang="en-US"/>
-          </a:p>
-          <a:p>
-            <a:pPr marL="342900" indent="-342900">
-              <a:buFont typeface="Arial" panose="020B0604020202020204" pitchFamily="34" charset="0"/>
-              <a:buAutoNum type="arabicPeriod"/>
-            </a:pPr>
-            <a:endParaRPr lang="zh-CN" altLang="en-US"/>
-          </a:p>
-        </p:txBody>
-      </p:sp>
-    </p:spTree>
-    <p:custDataLst>
-      <p:tags r:id="rId5"/>
-    </p:custDataLst>
-  </p:cSld>
-  <p:clrMapOvr>
-    <a:masterClrMapping/>
-  </p:clrMapOvr>
-  <p:timing>
-    <p:tnLst>
-      <p:par>
-        <p:cTn id="1" dur="indefinite" restart="never" nodeType="tmRoot">
-          <p:childTnLst>
-            <p:seq concurrent="1" nextAc="seek">
-              <p:cTn id="2" dur="indefinite" nodeType="mainSeq">
-                <p:childTnLst>
-                  <p:par>
-                    <p:cTn id="3" fill="hold">
-                      <p:stCondLst>
-                        <p:cond delay="indefinite"/>
-                      </p:stCondLst>
-                      <p:childTnLst>
-                        <p:par>
-                          <p:cTn id="4" fill="hold">
-                            <p:stCondLst>
-                              <p:cond delay="0"/>
-                            </p:stCondLst>
-                            <p:childTnLst>
-                              <p:par>
-                                <p:cTn id="5" presetID="2" presetClass="entr" presetSubtype="4" fill="hold" nodeType="clickEffect">
-                                  <p:stCondLst>
-                                    <p:cond delay="0"/>
-                                  </p:stCondLst>
-                                  <p:childTnLst>
-                                    <p:set>
-                                      <p:cBhvr>
-                                        <p:cTn id="6" dur="1" fill="hold">
-                                          <p:stCondLst>
-                                            <p:cond delay="0"/>
-                                          </p:stCondLst>
-                                        </p:cTn>
-                                        <p:tgtEl>
-                                          <p:spTgt spid="5">
-                                            <p:txEl>
-                                              <p:pRg st="0" end="0"/>
-                                            </p:txEl>
-                                          </p:spTgt>
-                                        </p:tgtEl>
-                                        <p:attrNameLst>
-                                          <p:attrName>style.visibility</p:attrName>
-                                        </p:attrNameLst>
-                                      </p:cBhvr>
-                                      <p:to>
-                                        <p:strVal val="visible"/>
-                                      </p:to>
-                                    </p:set>
-                                    <p:anim calcmode="lin" valueType="num">
-                                      <p:cBhvr additive="base">
-                                        <p:cTn id="7" dur="500" fill="hold"/>
-                                        <p:tgtEl>
-                                          <p:spTgt spid="5">
-                                            <p:txEl>
-                                              <p:pRg st="0" end="0"/>
-                                            </p:txEl>
-                                          </p:spTgt>
-                                        </p:tgtEl>
-                                        <p:attrNameLst>
-                                          <p:attrName>ppt_x</p:attrName>
-                                        </p:attrNameLst>
-                                      </p:cBhvr>
-                                      <p:tavLst>
-                                        <p:tav tm="0">
-                                          <p:val>
-                                            <p:strVal val="#ppt_x"/>
-                                          </p:val>
-                                        </p:tav>
-                                        <p:tav tm="100000">
-                                          <p:val>
-                                            <p:strVal val="#ppt_x"/>
-                                          </p:val>
-                                        </p:tav>
-                                      </p:tavLst>
-                                    </p:anim>
-                                    <p:anim calcmode="lin" valueType="num">
-                                      <p:cBhvr additive="base">
-                                        <p:cTn id="8" dur="500" fill="hold"/>
-                                        <p:tgtEl>
-                                          <p:spTgt spid="5">
-                                            <p:txEl>
-                                              <p:pRg st="0" end="0"/>
-                                            </p:txEl>
-                                          </p:spTgt>
-                                        </p:tgtEl>
-                                        <p:attrNameLst>
-                                          <p:attrName>ppt_y</p:attrName>
-                                        </p:attrNameLst>
-                                      </p:cBhvr>
-                                      <p:tavLst>
-                                        <p:tav tm="0">
-                                          <p:val>
-                                            <p:strVal val="1+#ppt_h/2"/>
-                                          </p:val>
-                                        </p:tav>
-                                        <p:tav tm="100000">
-                                          <p:val>
-                                            <p:strVal val="#ppt_y"/>
-                                          </p:val>
-                                        </p:tav>
-                                      </p:tavLst>
-                                    </p:anim>
-                                  </p:childTnLst>
-                                </p:cTn>
-                              </p:par>
-                              <p:par>
-                                <p:cTn id="9" presetID="2" presetClass="entr" presetSubtype="4" fill="hold" nodeType="withEffect">
-                                  <p:stCondLst>
-                                    <p:cond delay="0"/>
-                                  </p:stCondLst>
-                                  <p:childTnLst>
-                                    <p:set>
-                                      <p:cBhvr>
-                                        <p:cTn id="10" dur="1" fill="hold">
-                                          <p:stCondLst>
-                                            <p:cond delay="0"/>
-                                          </p:stCondLst>
-                                        </p:cTn>
-                                        <p:tgtEl>
-                                          <p:spTgt spid="5">
-                                            <p:txEl>
-                                              <p:pRg st="2" end="2"/>
-                                            </p:txEl>
-                                          </p:spTgt>
-                                        </p:tgtEl>
-                                        <p:attrNameLst>
-                                          <p:attrName>style.visibility</p:attrName>
-                                        </p:attrNameLst>
-                                      </p:cBhvr>
-                                      <p:to>
-                                        <p:strVal val="visible"/>
-                                      </p:to>
-                                    </p:set>
-                                    <p:anim calcmode="lin" valueType="num">
-                                      <p:cBhvr additive="base">
-                                        <p:cTn id="11" dur="500" fill="hold"/>
-                                        <p:tgtEl>
-                                          <p:spTgt spid="5">
-                                            <p:txEl>
-                                              <p:pRg st="2" end="2"/>
-                                            </p:txEl>
-                                          </p:spTgt>
-                                        </p:tgtEl>
-                                        <p:attrNameLst>
-                                          <p:attrName>ppt_x</p:attrName>
-                                        </p:attrNameLst>
-                                      </p:cBhvr>
-                                      <p:tavLst>
-                                        <p:tav tm="0">
-                                          <p:val>
-                                            <p:strVal val="#ppt_x"/>
-                                          </p:val>
-                                        </p:tav>
-                                        <p:tav tm="100000">
-                                          <p:val>
-                                            <p:strVal val="#ppt_x"/>
-                                          </p:val>
-                                        </p:tav>
-                                      </p:tavLst>
-                                    </p:anim>
-                                    <p:anim calcmode="lin" valueType="num">
-                                      <p:cBhvr additive="base">
-                                        <p:cTn id="12" dur="500" fill="hold"/>
-                                        <p:tgtEl>
-                                          <p:spTgt spid="5">
-                                            <p:txEl>
-                                              <p:pRg st="2" end="2"/>
-                                            </p:txEl>
-                                          </p:spTgt>
-                                        </p:tgtEl>
-                                        <p:attrNameLst>
-                                          <p:attrName>ppt_y</p:attrName>
-                                        </p:attrNameLst>
-                                      </p:cBhvr>
-                                      <p:tavLst>
-                                        <p:tav tm="0">
-                                          <p:val>
-                                            <p:strVal val="1+#ppt_h/2"/>
-                                          </p:val>
-                                        </p:tav>
-                                        <p:tav tm="100000">
-                                          <p:val>
-                                            <p:strVal val="#ppt_y"/>
-                                          </p:val>
-                                        </p:tav>
-                                      </p:tavLst>
-                                    </p:anim>
-                                  </p:childTnLst>
-                                </p:cTn>
-                              </p:par>
-                              <p:par>
-                                <p:cTn id="13" presetID="2" presetClass="entr" presetSubtype="4" fill="hold" nodeType="withEffect">
-                                  <p:stCondLst>
-                                    <p:cond delay="0"/>
-                                  </p:stCondLst>
-                                  <p:childTnLst>
-                                    <p:set>
-                                      <p:cBhvr>
-                                        <p:cTn id="14" dur="1" fill="hold">
-                                          <p:stCondLst>
-                                            <p:cond delay="0"/>
-                                          </p:stCondLst>
-                                        </p:cTn>
-                                        <p:tgtEl>
-                                          <p:spTgt spid="5">
-                                            <p:txEl>
-                                              <p:pRg st="4" end="4"/>
-                                            </p:txEl>
-                                          </p:spTgt>
-                                        </p:tgtEl>
-                                        <p:attrNameLst>
-                                          <p:attrName>style.visibility</p:attrName>
-                                        </p:attrNameLst>
-                                      </p:cBhvr>
-                                      <p:to>
-                                        <p:strVal val="visible"/>
-                                      </p:to>
-                                    </p:set>
-                                    <p:anim calcmode="lin" valueType="num">
-                                      <p:cBhvr additive="base">
-                                        <p:cTn id="15" dur="500" fill="hold"/>
-                                        <p:tgtEl>
-                                          <p:spTgt spid="5">
-                                            <p:txEl>
-                                              <p:pRg st="4" end="4"/>
-                                            </p:txEl>
-                                          </p:spTgt>
-                                        </p:tgtEl>
-                                        <p:attrNameLst>
-                                          <p:attrName>ppt_x</p:attrName>
-                                        </p:attrNameLst>
-                                      </p:cBhvr>
-                                      <p:tavLst>
-                                        <p:tav tm="0">
-                                          <p:val>
-                                            <p:strVal val="#ppt_x"/>
-                                          </p:val>
-                                        </p:tav>
-                                        <p:tav tm="100000">
-                                          <p:val>
-                                            <p:strVal val="#ppt_x"/>
-                                          </p:val>
-                                        </p:tav>
-                                      </p:tavLst>
-                                    </p:anim>
-                                    <p:anim calcmode="lin" valueType="num">
-                                      <p:cBhvr additive="base">
-                                        <p:cTn id="16" dur="500" fill="hold"/>
-                                        <p:tgtEl>
-                                          <p:spTgt spid="5">
-                                            <p:txEl>
-                                              <p:pRg st="4" end="4"/>
-                                            </p:txEl>
-                                          </p:spTgt>
-                                        </p:tgtEl>
-                                        <p:attrNameLst>
-                                          <p:attrName>ppt_y</p:attrName>
-                                        </p:attrNameLst>
-                                      </p:cBhvr>
-                                      <p:tavLst>
-                                        <p:tav tm="0">
-                                          <p:val>
-                                            <p:strVal val="1+#ppt_h/2"/>
-                                          </p:val>
-                                        </p:tav>
-                                        <p:tav tm="100000">
-                                          <p:val>
-                                            <p:strVal val="#ppt_y"/>
-                                          </p:val>
-                                        </p:tav>
-                                      </p:tavLst>
-                                    </p:anim>
-                                  </p:childTnLst>
-                                </p:cTn>
-                              </p:par>
-                            </p:childTnLst>
-                          </p:cTn>
-                        </p:par>
-                      </p:childTnLst>
-                    </p:cTn>
-                  </p:par>
-                  <p:par>
-                    <p:cTn id="17" fill="hold">
-                      <p:stCondLst>
-                        <p:cond delay="indefinite"/>
-                      </p:stCondLst>
-                      <p:childTnLst>
-                        <p:par>
-                          <p:cTn id="18" fill="hold">
-                            <p:stCondLst>
-                              <p:cond delay="0"/>
-                            </p:stCondLst>
-                            <p:childTnLst>
-                              <p:par>
-                                <p:cTn id="19" presetID="2" presetClass="entr" presetSubtype="4" fill="hold" nodeType="clickEffect">
-                                  <p:stCondLst>
-                                    <p:cond delay="0"/>
-                                  </p:stCondLst>
-                                  <p:childTnLst>
-                                    <p:set>
-                                      <p:cBhvr>
-                                        <p:cTn id="20" dur="1" fill="hold">
-                                          <p:stCondLst>
-                                            <p:cond delay="0"/>
-                                          </p:stCondLst>
-                                        </p:cTn>
-                                        <p:tgtEl>
-                                          <p:spTgt spid="5">
-                                            <p:txEl>
-                                              <p:pRg st="7" end="7"/>
-                                            </p:txEl>
-                                          </p:spTgt>
-                                        </p:tgtEl>
-                                        <p:attrNameLst>
-                                          <p:attrName>style.visibility</p:attrName>
-                                        </p:attrNameLst>
-                                      </p:cBhvr>
-                                      <p:to>
-                                        <p:strVal val="visible"/>
-                                      </p:to>
-                                    </p:set>
-                                    <p:anim calcmode="lin" valueType="num">
-                                      <p:cBhvr additive="base">
-                                        <p:cTn id="21" dur="500" fill="hold"/>
-                                        <p:tgtEl>
-                                          <p:spTgt spid="5">
-                                            <p:txEl>
-                                              <p:pRg st="7" end="7"/>
-                                            </p:txEl>
-                                          </p:spTgt>
-                                        </p:tgtEl>
-                                        <p:attrNameLst>
-                                          <p:attrName>ppt_x</p:attrName>
-                                        </p:attrNameLst>
-                                      </p:cBhvr>
-                                      <p:tavLst>
-                                        <p:tav tm="0">
-                                          <p:val>
-                                            <p:strVal val="#ppt_x"/>
-                                          </p:val>
-                                        </p:tav>
-                                        <p:tav tm="100000">
-                                          <p:val>
-                                            <p:strVal val="#ppt_x"/>
-                                          </p:val>
-                                        </p:tav>
-                                      </p:tavLst>
-                                    </p:anim>
-                                    <p:anim calcmode="lin" valueType="num">
-                                      <p:cBhvr additive="base">
-                                        <p:cTn id="22" dur="500" fill="hold"/>
-                                        <p:tgtEl>
-                                          <p:spTgt spid="5">
-                                            <p:txEl>
-                                              <p:pRg st="7" end="7"/>
-                                            </p:txEl>
-                                          </p:spTgt>
-                                        </p:tgtEl>
-                                        <p:attrNameLst>
-                                          <p:attrName>ppt_y</p:attrName>
-                                        </p:attrNameLst>
-                                      </p:cBhvr>
-                                      <p:tavLst>
-                                        <p:tav tm="0">
-                                          <p:val>
-                                            <p:strVal val="1+#ppt_h/2"/>
-                                          </p:val>
-                                        </p:tav>
-                                        <p:tav tm="100000">
-                                          <p:val>
-                                            <p:strVal val="#ppt_y"/>
-                                          </p:val>
-                                        </p:tav>
-                                      </p:tavLst>
-                                    </p:anim>
-                                  </p:childTnLst>
-                                </p:cTn>
-                              </p:par>
-                              <p:par>
-                                <p:cTn id="23" presetID="2" presetClass="entr" presetSubtype="4" fill="hold" nodeType="withEffect">
-                                  <p:stCondLst>
-                                    <p:cond delay="0"/>
-                                  </p:stCondLst>
-                                  <p:childTnLst>
-                                    <p:set>
-                                      <p:cBhvr>
-                                        <p:cTn id="24" dur="1" fill="hold">
-                                          <p:stCondLst>
-                                            <p:cond delay="0"/>
-                                          </p:stCondLst>
-                                        </p:cTn>
-                                        <p:tgtEl>
-                                          <p:spTgt spid="5">
-                                            <p:txEl>
-                                              <p:pRg st="9" end="9"/>
-                                            </p:txEl>
-                                          </p:spTgt>
-                                        </p:tgtEl>
-                                        <p:attrNameLst>
-                                          <p:attrName>style.visibility</p:attrName>
-                                        </p:attrNameLst>
-                                      </p:cBhvr>
-                                      <p:to>
-                                        <p:strVal val="visible"/>
-                                      </p:to>
-                                    </p:set>
-                                    <p:anim calcmode="lin" valueType="num">
-                                      <p:cBhvr additive="base">
-                                        <p:cTn id="25" dur="500" fill="hold"/>
-                                        <p:tgtEl>
-                                          <p:spTgt spid="5">
-                                            <p:txEl>
-                                              <p:pRg st="9" end="9"/>
-                                            </p:txEl>
-                                          </p:spTgt>
-                                        </p:tgtEl>
-                                        <p:attrNameLst>
-                                          <p:attrName>ppt_x</p:attrName>
-                                        </p:attrNameLst>
-                                      </p:cBhvr>
-                                      <p:tavLst>
-                                        <p:tav tm="0">
-                                          <p:val>
-                                            <p:strVal val="#ppt_x"/>
-                                          </p:val>
-                                        </p:tav>
-                                        <p:tav tm="100000">
-                                          <p:val>
-                                            <p:strVal val="#ppt_x"/>
-                                          </p:val>
-                                        </p:tav>
-                                      </p:tavLst>
-                                    </p:anim>
-                                    <p:anim calcmode="lin" valueType="num">
-                                      <p:cBhvr additive="base">
-                                        <p:cTn id="26" dur="500" fill="hold"/>
-                                        <p:tgtEl>
-                                          <p:spTgt spid="5">
-                                            <p:txEl>
-                                              <p:pRg st="9" end="9"/>
-                                            </p:txEl>
-                                          </p:spTgt>
-                                        </p:tgtEl>
-                                        <p:attrNameLst>
-                                          <p:attrName>ppt_y</p:attrName>
-                                        </p:attrNameLst>
-                                      </p:cBhvr>
-                                      <p:tavLst>
-                                        <p:tav tm="0">
-                                          <p:val>
-                                            <p:strVal val="1+#ppt_h/2"/>
-                                          </p:val>
-                                        </p:tav>
-                                        <p:tav tm="100000">
-                                          <p:val>
-                                            <p:strVal val="#ppt_y"/>
-                                          </p:val>
-                                        </p:tav>
-                                      </p:tavLst>
-                                    </p:anim>
-                                  </p:childTnLst>
-                                </p:cTn>
-                              </p:par>
-                              <p:par>
-                                <p:cTn id="27" presetID="2" presetClass="entr" presetSubtype="4" fill="hold" nodeType="withEffect">
-                                  <p:stCondLst>
-                                    <p:cond delay="0"/>
-                                  </p:stCondLst>
-                                  <p:childTnLst>
-                                    <p:set>
-                                      <p:cBhvr>
-                                        <p:cTn id="28" dur="1" fill="hold">
-                                          <p:stCondLst>
-                                            <p:cond delay="0"/>
-                                          </p:stCondLst>
-                                        </p:cTn>
-                                        <p:tgtEl>
-                                          <p:spTgt spid="5">
-                                            <p:txEl>
-                                              <p:pRg st="11" end="11"/>
-                                            </p:txEl>
-                                          </p:spTgt>
-                                        </p:tgtEl>
-                                        <p:attrNameLst>
-                                          <p:attrName>style.visibility</p:attrName>
-                                        </p:attrNameLst>
-                                      </p:cBhvr>
-                                      <p:to>
-                                        <p:strVal val="visible"/>
-                                      </p:to>
-                                    </p:set>
-                                    <p:anim calcmode="lin" valueType="num">
-                                      <p:cBhvr additive="base">
-                                        <p:cTn id="29" dur="500" fill="hold"/>
-                                        <p:tgtEl>
-                                          <p:spTgt spid="5">
-                                            <p:txEl>
-                                              <p:pRg st="11" end="11"/>
-                                            </p:txEl>
-                                          </p:spTgt>
-                                        </p:tgtEl>
-                                        <p:attrNameLst>
-                                          <p:attrName>ppt_x</p:attrName>
-                                        </p:attrNameLst>
-                                      </p:cBhvr>
-                                      <p:tavLst>
-                                        <p:tav tm="0">
-                                          <p:val>
-                                            <p:strVal val="#ppt_x"/>
-                                          </p:val>
-                                        </p:tav>
-                                        <p:tav tm="100000">
-                                          <p:val>
-                                            <p:strVal val="#ppt_x"/>
-                                          </p:val>
-                                        </p:tav>
-                                      </p:tavLst>
-                                    </p:anim>
-                                    <p:anim calcmode="lin" valueType="num">
-                                      <p:cBhvr additive="base">
-                                        <p:cTn id="30" dur="500" fill="hold"/>
-                                        <p:tgtEl>
-                                          <p:spTgt spid="5">
-                                            <p:txEl>
-                                              <p:pRg st="11" end="11"/>
-                                            </p:txEl>
-                                          </p:spTgt>
-                                        </p:tgtEl>
-                                        <p:attrNameLst>
-                                          <p:attrName>ppt_y</p:attrName>
-                                        </p:attrNameLst>
-                                      </p:cBhvr>
-                                      <p:tavLst>
-                                        <p:tav tm="0">
-                                          <p:val>
-                                            <p:strVal val="1+#ppt_h/2"/>
-                                          </p:val>
-                                        </p:tav>
-                                        <p:tav tm="100000">
-                                          <p:val>
-                                            <p:strVal val="#ppt_y"/>
-                                          </p:val>
-                                        </p:tav>
-                                      </p:tavLst>
-                                    </p:anim>
-                                  </p:childTnLst>
-                                </p:cTn>
-                              </p:par>
-                            </p:childTnLst>
-                          </p:cTn>
-                        </p:par>
-                      </p:childTnLst>
-                    </p:cTn>
-                  </p:par>
-                </p:childTnLst>
-              </p:cTn>
-              <p:prevCondLst>
-                <p:cond evt="onPrev" delay="0">
-                  <p:tgtEl>
-                    <p:sldTgt/>
-                  </p:tgtEl>
-                </p:cond>
-              </p:prevCondLst>
-              <p:nextCondLst>
-                <p:cond evt="onNext" delay="0">
-                  <p:tgtEl>
-                    <p:sldTgt/>
-                  </p:tgtEl>
-                </p:cond>
-              </p:nextCondLst>
-            </p:seq>
-          </p:childTnLst>
-        </p:cTn>
-      </p:par>
-    </p:tnLst>
-    <p:bldLst>
-      <p:bldP spid="5" grpId="0"/>
-      <p:bldP spid="5" grpId="1"/>
-    </p:bldLst>
-  </p:timing>
-</p:sld>
-</file>
-
 <file path=ppt/slides/slide4.xml><?xml version="1.0" encoding="utf-8"?>
 <p:sld xmlns:a="http://schemas.openxmlformats.org/drawingml/2006/main" xmlns:r="http://schemas.openxmlformats.org/officeDocument/2006/relationships" xmlns:p="http://schemas.openxmlformats.org/presentationml/2006/main">
   <p:cSld>
@@ -8735,8 +9829,8 @@
         </p:nvSpPr>
         <p:spPr>
           <a:xfrm>
-            <a:off x="622300" y="128270"/>
-            <a:ext cx="4239260" cy="368300"/>
+            <a:off x="621665" y="128270"/>
+            <a:ext cx="4239895" cy="368300"/>
           </a:xfrm>
           <a:prstGeom prst="rect">
             <a:avLst/>
@@ -8761,759 +9855,7 @@
                   </a:outerShdw>
                 </a:effectLst>
               </a:rPr>
-              <a:t>三</a:t>
-            </a:r>
-            <a:r>
-              <a:rPr lang="en-US" altLang="zh-CN">
-                <a:solidFill>
-                  <a:srgbClr val="FFBA55"/>
-                </a:solidFill>
-                <a:effectLst>
-                  <a:outerShdw blurRad="38100" dist="19050" dir="2700000" algn="tl" rotWithShape="0">
-                    <a:schemeClr val="dk1">
-                      <a:alpha val="40000"/>
-                    </a:schemeClr>
-                  </a:outerShdw>
-                </a:effectLst>
-              </a:rPr>
-              <a:t>.研究</a:t>
-            </a:r>
-            <a:r>
-              <a:rPr lang="zh-CN" altLang="en-US">
-                <a:solidFill>
-                  <a:srgbClr val="FFBA55"/>
-                </a:solidFill>
-                <a:effectLst>
-                  <a:outerShdw blurRad="38100" dist="19050" dir="2700000" algn="tl" rotWithShape="0">
-                    <a:schemeClr val="dk1">
-                      <a:alpha val="40000"/>
-                    </a:schemeClr>
-                  </a:outerShdw>
-                </a:effectLst>
-              </a:rPr>
-              <a:t>内容</a:t>
-            </a:r>
-            <a:endParaRPr lang="zh-CN" altLang="en-US">
-              <a:solidFill>
-                <a:srgbClr val="FFBA55"/>
-              </a:solidFill>
-              <a:effectLst>
-                <a:outerShdw blurRad="38100" dist="19050" dir="2700000" algn="tl" rotWithShape="0">
-                  <a:schemeClr val="dk1">
-                    <a:alpha val="40000"/>
-                  </a:schemeClr>
-                </a:outerShdw>
-              </a:effectLst>
-            </a:endParaRPr>
-          </a:p>
-        </p:txBody>
-      </p:sp>
-      <p:sp>
-        <p:nvSpPr>
-          <p:cNvPr id="16" name="圆角矩形 15"/>
-          <p:cNvSpPr/>
-          <p:nvPr>
-            <p:custDataLst>
-              <p:tags r:id="rId1"/>
-            </p:custDataLst>
-          </p:nvPr>
-        </p:nvSpPr>
-        <p:spPr>
-          <a:xfrm>
-            <a:off x="11040745" y="5195570"/>
-            <a:ext cx="860425" cy="871220"/>
-          </a:xfrm>
-          <a:prstGeom prst="roundRect">
-            <a:avLst/>
-          </a:prstGeom>
-          <a:ln>
-            <a:noFill/>
-          </a:ln>
-          <a:effectLst>
-            <a:outerShdw blurRad="152400" dist="76200" dir="8040000" algn="ctr" rotWithShape="0">
-              <a:srgbClr val="C8C8C8">
-                <a:alpha val="58000"/>
-              </a:srgbClr>
-            </a:outerShdw>
-          </a:effectLst>
-        </p:spPr>
-        <p:style>
-          <a:lnRef idx="2">
-            <a:schemeClr val="accent4">
-              <a:shade val="50000"/>
-            </a:schemeClr>
-          </a:lnRef>
-          <a:fillRef idx="1">
-            <a:schemeClr val="accent4"/>
-          </a:fillRef>
-          <a:effectRef idx="0">
-            <a:schemeClr val="accent4"/>
-          </a:effectRef>
-          <a:fontRef idx="minor">
-            <a:schemeClr val="lt1"/>
-          </a:fontRef>
-        </p:style>
-        <p:txBody>
-          <a:bodyPr rtlCol="0" anchor="ctr"/>
-          <a:p>
-            <a:pPr algn="ctr"/>
-            <a:endParaRPr lang="zh-CN" altLang="en-US"/>
-          </a:p>
-        </p:txBody>
-      </p:sp>
-      <p:sp>
-        <p:nvSpPr>
-          <p:cNvPr id="17" name="圆角矩形 16"/>
-          <p:cNvSpPr/>
-          <p:nvPr>
-            <p:custDataLst>
-              <p:tags r:id="rId2"/>
-            </p:custDataLst>
-          </p:nvPr>
-        </p:nvSpPr>
-        <p:spPr>
-          <a:xfrm>
-            <a:off x="10287000" y="6149975"/>
-            <a:ext cx="481965" cy="463550"/>
-          </a:xfrm>
-          <a:prstGeom prst="roundRect">
-            <a:avLst/>
-          </a:prstGeom>
-          <a:ln>
-            <a:noFill/>
-          </a:ln>
-          <a:effectLst>
-            <a:outerShdw blurRad="152400" dist="76200" dir="8040000" algn="ctr" rotWithShape="0">
-              <a:srgbClr val="C8C8C8">
-                <a:alpha val="58000"/>
-              </a:srgbClr>
-            </a:outerShdw>
-          </a:effectLst>
-        </p:spPr>
-        <p:style>
-          <a:lnRef idx="2">
-            <a:schemeClr val="accent4">
-              <a:shade val="50000"/>
-            </a:schemeClr>
-          </a:lnRef>
-          <a:fillRef idx="1">
-            <a:schemeClr val="accent4"/>
-          </a:fillRef>
-          <a:effectRef idx="0">
-            <a:schemeClr val="accent4"/>
-          </a:effectRef>
-          <a:fontRef idx="minor">
-            <a:schemeClr val="lt1"/>
-          </a:fontRef>
-        </p:style>
-        <p:txBody>
-          <a:bodyPr rtlCol="0" anchor="ctr"/>
-          <a:p>
-            <a:pPr algn="ctr"/>
-            <a:endParaRPr lang="zh-CN" altLang="en-US"/>
-          </a:p>
-        </p:txBody>
-      </p:sp>
-      <p:sp>
-        <p:nvSpPr>
-          <p:cNvPr id="5" name="文本框 4"/>
-          <p:cNvSpPr txBox="1"/>
-          <p:nvPr/>
-        </p:nvSpPr>
-        <p:spPr>
-          <a:xfrm>
-            <a:off x="245745" y="855980"/>
-            <a:ext cx="11730355" cy="5504815"/>
-          </a:xfrm>
-          <a:prstGeom prst="rect">
-            <a:avLst/>
-          </a:prstGeom>
-          <a:noFill/>
-        </p:spPr>
-        <p:txBody>
-          <a:bodyPr wrap="square" rtlCol="0">
-            <a:noAutofit/>
-          </a:bodyPr>
-          <a:p>
-            <a:pPr indent="457200">
-              <a:lnSpc>
-                <a:spcPct val="150000"/>
-              </a:lnSpc>
-              <a:buFont typeface="Arial" panose="020B0604020202020204" pitchFamily="34" charset="0"/>
-              <a:buNone/>
-            </a:pPr>
-            <a:r>
-              <a:rPr lang="zh-CN" altLang="en-US"/>
-              <a:t>物流追踪系统旨在设计一个</a:t>
-            </a:r>
-            <a:r>
-              <a:rPr lang="zh-CN" altLang="en-US">
-                <a:solidFill>
-                  <a:srgbClr val="FFBA55"/>
-                </a:solidFill>
-              </a:rPr>
-              <a:t>可视化</a:t>
-            </a:r>
-            <a:r>
-              <a:rPr lang="zh-CN" altLang="en-US"/>
-              <a:t>的物流</a:t>
-            </a:r>
-            <a:r>
-              <a:rPr lang="zh-CN" altLang="en-US">
-                <a:sym typeface="+mn-ea"/>
-              </a:rPr>
-              <a:t>追踪</a:t>
-            </a:r>
-            <a:r>
-              <a:rPr lang="zh-CN" altLang="en-US"/>
-              <a:t>及</a:t>
-            </a:r>
-            <a:r>
-              <a:rPr lang="zh-CN" altLang="en-US">
-                <a:sym typeface="+mn-ea"/>
-              </a:rPr>
-              <a:t>管理</a:t>
-            </a:r>
-            <a:r>
-              <a:rPr lang="zh-CN" altLang="en-US"/>
-              <a:t>平台，需要完成对物流的可视化追踪，拦截，查找，物流分布状况，运输路线，物流管理等功能，它涉及到物流的基本信息与物流地理信息等数据的关联和数据分析。可视化技术还需要对接</a:t>
-            </a:r>
-            <a:r>
-              <a:rPr lang="en-US" altLang="zh-CN"/>
-              <a:t>GIS</a:t>
-            </a:r>
-            <a:r>
-              <a:rPr lang="zh-CN" altLang="en-US"/>
-              <a:t>地图服务。</a:t>
-            </a:r>
-            <a:endParaRPr lang="zh-CN" altLang="en-US"/>
-          </a:p>
-        </p:txBody>
-      </p:sp>
-      <p:sp>
-        <p:nvSpPr>
-          <p:cNvPr id="4" name="文本框 3"/>
-          <p:cNvSpPr txBox="1"/>
-          <p:nvPr/>
-        </p:nvSpPr>
-        <p:spPr>
-          <a:xfrm>
-            <a:off x="3881120" y="2199005"/>
-            <a:ext cx="4064000" cy="368300"/>
-          </a:xfrm>
-          <a:prstGeom prst="rect">
-            <a:avLst/>
-          </a:prstGeom>
-          <a:noFill/>
-        </p:spPr>
-        <p:txBody>
-          <a:bodyPr wrap="square" rtlCol="0">
-            <a:spAutoFit/>
-          </a:bodyPr>
-          <a:p>
-            <a:pPr algn="ctr"/>
-            <a:r>
-              <a:rPr lang="zh-CN" altLang="en-US" b="1"/>
-              <a:t>系统模块图</a:t>
-            </a:r>
-            <a:endParaRPr lang="zh-CN" altLang="en-US" b="1"/>
-          </a:p>
-        </p:txBody>
-      </p:sp>
-      <p:pic>
-        <p:nvPicPr>
-          <p:cNvPr id="3" name="图片 16"/>
-          <p:cNvPicPr>
-            <a:picLocks noChangeAspect="1"/>
-          </p:cNvPicPr>
-          <p:nvPr/>
-        </p:nvPicPr>
-        <p:blipFill>
-          <a:blip r:embed="rId3"/>
-          <a:stretch>
-            <a:fillRect/>
-          </a:stretch>
-        </p:blipFill>
-        <p:spPr>
-          <a:xfrm>
-            <a:off x="2117090" y="2703830"/>
-            <a:ext cx="7592060" cy="4011295"/>
-          </a:xfrm>
-          <a:prstGeom prst="rect">
-            <a:avLst/>
-          </a:prstGeom>
-          <a:noFill/>
-          <a:ln w="9525">
-            <a:noFill/>
-          </a:ln>
-        </p:spPr>
-      </p:pic>
-    </p:spTree>
-    <p:custDataLst>
-      <p:tags r:id="rId4"/>
-    </p:custDataLst>
-  </p:cSld>
-  <p:clrMapOvr>
-    <a:masterClrMapping/>
-  </p:clrMapOvr>
-  <p:timing>
-    <p:tnLst>
-      <p:par>
-        <p:cTn id="1" dur="indefinite" restart="never" nodeType="tmRoot">
-          <p:childTnLst>
-            <p:seq concurrent="1" nextAc="seek">
-              <p:cTn id="2" dur="indefinite" nodeType="mainSeq">
-                <p:childTnLst>
-                  <p:par>
-                    <p:cTn id="3" fill="hold">
-                      <p:stCondLst>
-                        <p:cond delay="indefinite"/>
-                      </p:stCondLst>
-                      <p:childTnLst>
-                        <p:par>
-                          <p:cTn id="4" fill="hold">
-                            <p:stCondLst>
-                              <p:cond delay="0"/>
-                            </p:stCondLst>
-                            <p:childTnLst>
-                              <p:par>
-                                <p:cTn id="5" presetID="2" presetClass="entr" presetSubtype="4" fill="hold" nodeType="clickEffect">
-                                  <p:stCondLst>
-                                    <p:cond delay="0"/>
-                                  </p:stCondLst>
-                                  <p:childTnLst>
-                                    <p:set>
-                                      <p:cBhvr>
-                                        <p:cTn id="6" dur="1" fill="hold">
-                                          <p:stCondLst>
-                                            <p:cond delay="0"/>
-                                          </p:stCondLst>
-                                        </p:cTn>
-                                        <p:tgtEl>
-                                          <p:spTgt spid="5">
-                                            <p:txEl>
-                                              <p:pRg st="0" end="0"/>
-                                            </p:txEl>
-                                          </p:spTgt>
-                                        </p:tgtEl>
-                                        <p:attrNameLst>
-                                          <p:attrName>style.visibility</p:attrName>
-                                        </p:attrNameLst>
-                                      </p:cBhvr>
-                                      <p:to>
-                                        <p:strVal val="visible"/>
-                                      </p:to>
-                                    </p:set>
-                                    <p:anim calcmode="lin" valueType="num">
-                                      <p:cBhvr additive="base">
-                                        <p:cTn id="7" dur="500" fill="hold"/>
-                                        <p:tgtEl>
-                                          <p:spTgt spid="5">
-                                            <p:txEl>
-                                              <p:pRg st="0" end="0"/>
-                                            </p:txEl>
-                                          </p:spTgt>
-                                        </p:tgtEl>
-                                        <p:attrNameLst>
-                                          <p:attrName>ppt_x</p:attrName>
-                                        </p:attrNameLst>
-                                      </p:cBhvr>
-                                      <p:tavLst>
-                                        <p:tav tm="0">
-                                          <p:val>
-                                            <p:strVal val="#ppt_x"/>
-                                          </p:val>
-                                        </p:tav>
-                                        <p:tav tm="100000">
-                                          <p:val>
-                                            <p:strVal val="#ppt_x"/>
-                                          </p:val>
-                                        </p:tav>
-                                      </p:tavLst>
-                                    </p:anim>
-                                    <p:anim calcmode="lin" valueType="num">
-                                      <p:cBhvr additive="base">
-                                        <p:cTn id="8" dur="500" fill="hold"/>
-                                        <p:tgtEl>
-                                          <p:spTgt spid="5">
-                                            <p:txEl>
-                                              <p:pRg st="0" end="0"/>
-                                            </p:txEl>
-                                          </p:spTgt>
-                                        </p:tgtEl>
-                                        <p:attrNameLst>
-                                          <p:attrName>ppt_y</p:attrName>
-                                        </p:attrNameLst>
-                                      </p:cBhvr>
-                                      <p:tavLst>
-                                        <p:tav tm="0">
-                                          <p:val>
-                                            <p:strVal val="1+#ppt_h/2"/>
-                                          </p:val>
-                                        </p:tav>
-                                        <p:tav tm="100000">
-                                          <p:val>
-                                            <p:strVal val="#ppt_y"/>
-                                          </p:val>
-                                        </p:tav>
-                                      </p:tavLst>
-                                    </p:anim>
-                                  </p:childTnLst>
-                                </p:cTn>
-                              </p:par>
-                            </p:childTnLst>
-                          </p:cTn>
-                        </p:par>
-                      </p:childTnLst>
-                    </p:cTn>
-                  </p:par>
-                  <p:par>
-                    <p:cTn id="9" fill="hold">
-                      <p:stCondLst>
-                        <p:cond delay="indefinite"/>
-                      </p:stCondLst>
-                      <p:childTnLst>
-                        <p:par>
-                          <p:cTn id="10" fill="hold">
-                            <p:stCondLst>
-                              <p:cond delay="0"/>
-                            </p:stCondLst>
-                            <p:childTnLst>
-                              <p:par>
-                                <p:cTn id="11" presetID="2" presetClass="entr" presetSubtype="4" fill="hold" grpId="0" nodeType="clickEffect">
-                                  <p:stCondLst>
-                                    <p:cond delay="0"/>
-                                  </p:stCondLst>
-                                  <p:childTnLst>
-                                    <p:set>
-                                      <p:cBhvr>
-                                        <p:cTn id="12" dur="1" fill="hold">
-                                          <p:stCondLst>
-                                            <p:cond delay="0"/>
-                                          </p:stCondLst>
-                                        </p:cTn>
-                                        <p:tgtEl>
-                                          <p:spTgt spid="4"/>
-                                        </p:tgtEl>
-                                        <p:attrNameLst>
-                                          <p:attrName>style.visibility</p:attrName>
-                                        </p:attrNameLst>
-                                      </p:cBhvr>
-                                      <p:to>
-                                        <p:strVal val="visible"/>
-                                      </p:to>
-                                    </p:set>
-                                    <p:anim calcmode="lin" valueType="num">
-                                      <p:cBhvr additive="base">
-                                        <p:cTn id="13" dur="500" fill="hold"/>
-                                        <p:tgtEl>
-                                          <p:spTgt spid="4"/>
-                                        </p:tgtEl>
-                                        <p:attrNameLst>
-                                          <p:attrName>ppt_x</p:attrName>
-                                        </p:attrNameLst>
-                                      </p:cBhvr>
-                                      <p:tavLst>
-                                        <p:tav tm="0">
-                                          <p:val>
-                                            <p:strVal val="#ppt_x"/>
-                                          </p:val>
-                                        </p:tav>
-                                        <p:tav tm="100000">
-                                          <p:val>
-                                            <p:strVal val="#ppt_x"/>
-                                          </p:val>
-                                        </p:tav>
-                                      </p:tavLst>
-                                    </p:anim>
-                                    <p:anim calcmode="lin" valueType="num">
-                                      <p:cBhvr additive="base">
-                                        <p:cTn id="14" dur="500" fill="hold"/>
-                                        <p:tgtEl>
-                                          <p:spTgt spid="4"/>
-                                        </p:tgtEl>
-                                        <p:attrNameLst>
-                                          <p:attrName>ppt_y</p:attrName>
-                                        </p:attrNameLst>
-                                      </p:cBhvr>
-                                      <p:tavLst>
-                                        <p:tav tm="0">
-                                          <p:val>
-                                            <p:strVal val="1+#ppt_h/2"/>
-                                          </p:val>
-                                        </p:tav>
-                                        <p:tav tm="100000">
-                                          <p:val>
-                                            <p:strVal val="#ppt_y"/>
-                                          </p:val>
-                                        </p:tav>
-                                      </p:tavLst>
-                                    </p:anim>
-                                  </p:childTnLst>
-                                </p:cTn>
-                              </p:par>
-                            </p:childTnLst>
-                          </p:cTn>
-                        </p:par>
-                      </p:childTnLst>
-                    </p:cTn>
-                  </p:par>
-                  <p:par>
-                    <p:cTn id="15" fill="hold">
-                      <p:stCondLst>
-                        <p:cond delay="indefinite"/>
-                      </p:stCondLst>
-                      <p:childTnLst>
-                        <p:par>
-                          <p:cTn id="16" fill="hold">
-                            <p:stCondLst>
-                              <p:cond delay="0"/>
-                            </p:stCondLst>
-                            <p:childTnLst>
-                              <p:par>
-                                <p:cTn id="17" presetID="2" presetClass="entr" presetSubtype="4" fill="hold" nodeType="clickEffect">
-                                  <p:stCondLst>
-                                    <p:cond delay="0"/>
-                                  </p:stCondLst>
-                                  <p:childTnLst>
-                                    <p:set>
-                                      <p:cBhvr>
-                                        <p:cTn id="18" dur="1" fill="hold">
-                                          <p:stCondLst>
-                                            <p:cond delay="0"/>
-                                          </p:stCondLst>
-                                        </p:cTn>
-                                        <p:tgtEl>
-                                          <p:spTgt spid="3"/>
-                                        </p:tgtEl>
-                                        <p:attrNameLst>
-                                          <p:attrName>style.visibility</p:attrName>
-                                        </p:attrNameLst>
-                                      </p:cBhvr>
-                                      <p:to>
-                                        <p:strVal val="visible"/>
-                                      </p:to>
-                                    </p:set>
-                                    <p:anim calcmode="lin" valueType="num">
-                                      <p:cBhvr additive="base">
-                                        <p:cTn id="19" dur="500" fill="hold"/>
-                                        <p:tgtEl>
-                                          <p:spTgt spid="3"/>
-                                        </p:tgtEl>
-                                        <p:attrNameLst>
-                                          <p:attrName>ppt_x</p:attrName>
-                                        </p:attrNameLst>
-                                      </p:cBhvr>
-                                      <p:tavLst>
-                                        <p:tav tm="0">
-                                          <p:val>
-                                            <p:strVal val="#ppt_x"/>
-                                          </p:val>
-                                        </p:tav>
-                                        <p:tav tm="100000">
-                                          <p:val>
-                                            <p:strVal val="#ppt_x"/>
-                                          </p:val>
-                                        </p:tav>
-                                      </p:tavLst>
-                                    </p:anim>
-                                    <p:anim calcmode="lin" valueType="num">
-                                      <p:cBhvr additive="base">
-                                        <p:cTn id="20" dur="500" fill="hold"/>
-                                        <p:tgtEl>
-                                          <p:spTgt spid="3"/>
-                                        </p:tgtEl>
-                                        <p:attrNameLst>
-                                          <p:attrName>ppt_y</p:attrName>
-                                        </p:attrNameLst>
-                                      </p:cBhvr>
-                                      <p:tavLst>
-                                        <p:tav tm="0">
-                                          <p:val>
-                                            <p:strVal val="1+#ppt_h/2"/>
-                                          </p:val>
-                                        </p:tav>
-                                        <p:tav tm="100000">
-                                          <p:val>
-                                            <p:strVal val="#ppt_y"/>
-                                          </p:val>
-                                        </p:tav>
-                                      </p:tavLst>
-                                    </p:anim>
-                                  </p:childTnLst>
-                                </p:cTn>
-                              </p:par>
-                            </p:childTnLst>
-                          </p:cTn>
-                        </p:par>
-                      </p:childTnLst>
-                    </p:cTn>
-                  </p:par>
-                </p:childTnLst>
-              </p:cTn>
-              <p:prevCondLst>
-                <p:cond evt="onPrev" delay="0">
-                  <p:tgtEl>
-                    <p:sldTgt/>
-                  </p:tgtEl>
-                </p:cond>
-              </p:prevCondLst>
-              <p:nextCondLst>
-                <p:cond evt="onNext" delay="0">
-                  <p:tgtEl>
-                    <p:sldTgt/>
-                  </p:tgtEl>
-                </p:cond>
-              </p:nextCondLst>
-            </p:seq>
-          </p:childTnLst>
-        </p:cTn>
-      </p:par>
-    </p:tnLst>
-    <p:bldLst>
-      <p:bldP spid="5" grpId="0"/>
-      <p:bldP spid="5" grpId="1"/>
-      <p:bldP spid="4" grpId="0"/>
-      <p:bldP spid="4" grpId="1"/>
-    </p:bldLst>
-  </p:timing>
-</p:sld>
-</file>
-
-<file path=ppt/slides/slide5.xml><?xml version="1.0" encoding="utf-8"?>
-<p:sld xmlns:a="http://schemas.openxmlformats.org/drawingml/2006/main" xmlns:r="http://schemas.openxmlformats.org/officeDocument/2006/relationships" xmlns:p="http://schemas.openxmlformats.org/presentationml/2006/main">
-  <p:cSld>
-    <p:spTree>
-      <p:nvGrpSpPr>
-        <p:cNvPr id="1" name=""/>
-        <p:cNvGrpSpPr/>
-        <p:nvPr/>
-      </p:nvGrpSpPr>
-      <p:grpSpPr>
-        <a:xfrm>
-          <a:off x="0" y="0"/>
-          <a:ext cx="0" cy="0"/>
-          <a:chOff x="0" y="0"/>
-          <a:chExt cx="0" cy="0"/>
-        </a:xfrm>
-      </p:grpSpPr>
-      <p:cxnSp>
-        <p:nvCxnSpPr>
-          <p:cNvPr id="2" name="直接连接符 1"/>
-          <p:cNvCxnSpPr/>
-          <p:nvPr/>
-        </p:nvCxnSpPr>
-        <p:spPr>
-          <a:xfrm flipV="1">
-            <a:off x="283845" y="600075"/>
-            <a:ext cx="11729720" cy="3810"/>
-          </a:xfrm>
-          <a:prstGeom prst="line">
-            <a:avLst/>
-          </a:prstGeom>
-          <a:ln>
-            <a:solidFill>
-              <a:srgbClr val="FFBA55"/>
-            </a:solidFill>
-          </a:ln>
-        </p:spPr>
-        <p:style>
-          <a:lnRef idx="3">
-            <a:schemeClr val="dk1"/>
-          </a:lnRef>
-          <a:fillRef idx="0">
-            <a:schemeClr val="dk1"/>
-          </a:fillRef>
-          <a:effectRef idx="2">
-            <a:schemeClr val="dk1"/>
-          </a:effectRef>
-          <a:fontRef idx="minor">
-            <a:schemeClr val="tx1"/>
-          </a:fontRef>
-        </p:style>
-      </p:cxnSp>
-      <p:sp>
-        <p:nvSpPr>
-          <p:cNvPr id="8" name="圆角矩形 7"/>
-          <p:cNvSpPr/>
-          <p:nvPr/>
-        </p:nvSpPr>
-        <p:spPr>
-          <a:xfrm rot="19500000">
-            <a:off x="89535" y="146050"/>
-            <a:ext cx="480060" cy="332105"/>
-          </a:xfrm>
-          <a:prstGeom prst="roundRect">
-            <a:avLst/>
-          </a:prstGeom>
-          <a:solidFill>
-            <a:srgbClr val="FFBA55"/>
-          </a:solidFill>
-          <a:ln>
-            <a:solidFill>
-              <a:srgbClr val="FFBA55"/>
-            </a:solidFill>
-          </a:ln>
-        </p:spPr>
-        <p:style>
-          <a:lnRef idx="2">
-            <a:schemeClr val="accent4">
-              <a:shade val="50000"/>
-            </a:schemeClr>
-          </a:lnRef>
-          <a:fillRef idx="1">
-            <a:schemeClr val="accent4"/>
-          </a:fillRef>
-          <a:effectRef idx="0">
-            <a:schemeClr val="accent4"/>
-          </a:effectRef>
-          <a:fontRef idx="minor">
-            <a:schemeClr val="lt1"/>
-          </a:fontRef>
-        </p:style>
-        <p:txBody>
-          <a:bodyPr rtlCol="0" anchor="ctr"/>
-          <a:p>
-            <a:pPr algn="ctr"/>
-            <a:endParaRPr lang="zh-CN" altLang="en-US"/>
-          </a:p>
-        </p:txBody>
-      </p:sp>
-      <p:sp>
-        <p:nvSpPr>
-          <p:cNvPr id="14" name="文本框 13"/>
-          <p:cNvSpPr txBox="1"/>
-          <p:nvPr/>
-        </p:nvSpPr>
-        <p:spPr>
-          <a:xfrm>
-            <a:off x="621665" y="128270"/>
-            <a:ext cx="4239895" cy="368300"/>
-          </a:xfrm>
-          <a:prstGeom prst="rect">
-            <a:avLst/>
-          </a:prstGeom>
-          <a:noFill/>
-        </p:spPr>
-        <p:txBody>
-          <a:bodyPr wrap="square" rtlCol="0">
-            <a:spAutoFit/>
-          </a:bodyPr>
-          <a:p>
-            <a:r>
-              <a:rPr lang="zh-CN" altLang="en-US">
-                <a:solidFill>
-                  <a:srgbClr val="FFBA55"/>
-                </a:solidFill>
-                <a:effectLst>
-                  <a:outerShdw blurRad="38100" dist="19050" dir="2700000" algn="tl" rotWithShape="0">
-                    <a:schemeClr val="dk1">
-                      <a:alpha val="40000"/>
-                    </a:schemeClr>
-                  </a:outerShdw>
-                </a:effectLst>
-              </a:rPr>
-              <a:t>四</a:t>
+              <a:t>二</a:t>
             </a:r>
             <a:r>
               <a:rPr lang="en-US" altLang="zh-CN">
@@ -10431,7 +10773,7 @@
 </p:sld>
 </file>
 
-<file path=ppt/slides/slide6.xml><?xml version="1.0" encoding="utf-8"?>
+<file path=ppt/slides/slide5.xml><?xml version="1.0" encoding="utf-8"?>
 <p:sld xmlns:a="http://schemas.openxmlformats.org/drawingml/2006/main" xmlns:r="http://schemas.openxmlformats.org/officeDocument/2006/relationships" xmlns:p="http://schemas.openxmlformats.org/presentationml/2006/main">
   <p:cSld>
     <p:spTree>
@@ -10564,7 +10906,7 @@
                   </a:outerShdw>
                 </a:effectLst>
               </a:rPr>
-              <a:t>五</a:t>
+              <a:t>三</a:t>
             </a:r>
             <a:r>
               <a:rPr lang="en-US" altLang="zh-CN">
@@ -11461,6 +11803,452 @@
 </p:sld>
 </file>
 
+<file path=ppt/slides/slide6.xml><?xml version="1.0" encoding="utf-8"?>
+<p:sld xmlns:a="http://schemas.openxmlformats.org/drawingml/2006/main" xmlns:r="http://schemas.openxmlformats.org/officeDocument/2006/relationships" xmlns:p="http://schemas.openxmlformats.org/presentationml/2006/main">
+  <p:cSld>
+    <p:spTree>
+      <p:nvGrpSpPr>
+        <p:cNvPr id="1" name=""/>
+        <p:cNvGrpSpPr/>
+        <p:nvPr/>
+      </p:nvGrpSpPr>
+      <p:grpSpPr>
+        <a:xfrm>
+          <a:off x="0" y="0"/>
+          <a:ext cx="0" cy="0"/>
+          <a:chOff x="0" y="0"/>
+          <a:chExt cx="0" cy="0"/>
+        </a:xfrm>
+      </p:grpSpPr>
+      <p:cxnSp>
+        <p:nvCxnSpPr>
+          <p:cNvPr id="2" name="直接连接符 1"/>
+          <p:cNvCxnSpPr/>
+          <p:nvPr/>
+        </p:nvCxnSpPr>
+        <p:spPr>
+          <a:xfrm flipV="1">
+            <a:off x="283845" y="600075"/>
+            <a:ext cx="11729720" cy="3810"/>
+          </a:xfrm>
+          <a:prstGeom prst="line">
+            <a:avLst/>
+          </a:prstGeom>
+          <a:ln>
+            <a:solidFill>
+              <a:srgbClr val="FFBA55"/>
+            </a:solidFill>
+          </a:ln>
+        </p:spPr>
+        <p:style>
+          <a:lnRef idx="3">
+            <a:schemeClr val="dk1"/>
+          </a:lnRef>
+          <a:fillRef idx="0">
+            <a:schemeClr val="dk1"/>
+          </a:fillRef>
+          <a:effectRef idx="2">
+            <a:schemeClr val="dk1"/>
+          </a:effectRef>
+          <a:fontRef idx="minor">
+            <a:schemeClr val="tx1"/>
+          </a:fontRef>
+        </p:style>
+      </p:cxnSp>
+      <p:sp>
+        <p:nvSpPr>
+          <p:cNvPr id="8" name="圆角矩形 7"/>
+          <p:cNvSpPr/>
+          <p:nvPr/>
+        </p:nvSpPr>
+        <p:spPr>
+          <a:xfrm rot="19500000">
+            <a:off x="89535" y="146050"/>
+            <a:ext cx="480060" cy="332105"/>
+          </a:xfrm>
+          <a:prstGeom prst="roundRect">
+            <a:avLst/>
+          </a:prstGeom>
+          <a:solidFill>
+            <a:srgbClr val="FFBA55"/>
+          </a:solidFill>
+          <a:ln>
+            <a:solidFill>
+              <a:srgbClr val="FFBA55"/>
+            </a:solidFill>
+          </a:ln>
+        </p:spPr>
+        <p:style>
+          <a:lnRef idx="2">
+            <a:schemeClr val="accent4">
+              <a:shade val="50000"/>
+            </a:schemeClr>
+          </a:lnRef>
+          <a:fillRef idx="1">
+            <a:schemeClr val="accent4"/>
+          </a:fillRef>
+          <a:effectRef idx="0">
+            <a:schemeClr val="accent4"/>
+          </a:effectRef>
+          <a:fontRef idx="minor">
+            <a:schemeClr val="lt1"/>
+          </a:fontRef>
+        </p:style>
+        <p:txBody>
+          <a:bodyPr rtlCol="0" anchor="ctr"/>
+          <a:p>
+            <a:pPr algn="ctr"/>
+            <a:endParaRPr lang="zh-CN" altLang="en-US"/>
+          </a:p>
+        </p:txBody>
+      </p:sp>
+      <p:sp>
+        <p:nvSpPr>
+          <p:cNvPr id="14" name="文本框 13"/>
+          <p:cNvSpPr txBox="1"/>
+          <p:nvPr/>
+        </p:nvSpPr>
+        <p:spPr>
+          <a:xfrm>
+            <a:off x="621665" y="128270"/>
+            <a:ext cx="4239895" cy="368300"/>
+          </a:xfrm>
+          <a:prstGeom prst="rect">
+            <a:avLst/>
+          </a:prstGeom>
+          <a:noFill/>
+        </p:spPr>
+        <p:txBody>
+          <a:bodyPr wrap="square" rtlCol="0">
+            <a:spAutoFit/>
+          </a:bodyPr>
+          <a:p>
+            <a:r>
+              <a:rPr lang="zh-CN" altLang="en-US">
+                <a:solidFill>
+                  <a:srgbClr val="FFBA55"/>
+                </a:solidFill>
+                <a:effectLst>
+                  <a:outerShdw blurRad="38100" dist="19050" dir="2700000" algn="tl" rotWithShape="0">
+                    <a:schemeClr val="dk1">
+                      <a:alpha val="40000"/>
+                    </a:schemeClr>
+                  </a:outerShdw>
+                </a:effectLst>
+              </a:rPr>
+              <a:t>四</a:t>
+            </a:r>
+            <a:r>
+              <a:rPr lang="en-US" altLang="zh-CN">
+                <a:solidFill>
+                  <a:srgbClr val="FFBA55"/>
+                </a:solidFill>
+                <a:effectLst>
+                  <a:outerShdw blurRad="38100" dist="19050" dir="2700000" algn="tl" rotWithShape="0">
+                    <a:schemeClr val="dk1">
+                      <a:alpha val="40000"/>
+                    </a:schemeClr>
+                  </a:outerShdw>
+                </a:effectLst>
+              </a:rPr>
+              <a:t>.</a:t>
+            </a:r>
+            <a:r>
+              <a:rPr lang="zh-CN" altLang="en-US">
+                <a:solidFill>
+                  <a:srgbClr val="FFBA55"/>
+                </a:solidFill>
+                <a:effectLst>
+                  <a:outerShdw blurRad="38100" dist="19050" dir="2700000" algn="tl" rotWithShape="0">
+                    <a:schemeClr val="dk1">
+                      <a:alpha val="40000"/>
+                    </a:schemeClr>
+                  </a:outerShdw>
+                </a:effectLst>
+              </a:rPr>
+              <a:t>系统架构图</a:t>
+            </a:r>
+            <a:endParaRPr lang="zh-CN" altLang="en-US">
+              <a:solidFill>
+                <a:srgbClr val="FFBA55"/>
+              </a:solidFill>
+              <a:effectLst>
+                <a:outerShdw blurRad="38100" dist="19050" dir="2700000" algn="tl" rotWithShape="0">
+                  <a:schemeClr val="dk1">
+                    <a:alpha val="40000"/>
+                  </a:schemeClr>
+                </a:outerShdw>
+              </a:effectLst>
+            </a:endParaRPr>
+          </a:p>
+        </p:txBody>
+      </p:sp>
+      <p:sp>
+        <p:nvSpPr>
+          <p:cNvPr id="16" name="圆角矩形 15"/>
+          <p:cNvSpPr/>
+          <p:nvPr>
+            <p:custDataLst>
+              <p:tags r:id="rId1"/>
+            </p:custDataLst>
+          </p:nvPr>
+        </p:nvSpPr>
+        <p:spPr>
+          <a:xfrm>
+            <a:off x="11040745" y="5195570"/>
+            <a:ext cx="860425" cy="871220"/>
+          </a:xfrm>
+          <a:prstGeom prst="roundRect">
+            <a:avLst/>
+          </a:prstGeom>
+          <a:ln>
+            <a:noFill/>
+          </a:ln>
+          <a:effectLst>
+            <a:outerShdw blurRad="152400" dist="76200" dir="8040000" algn="ctr" rotWithShape="0">
+              <a:srgbClr val="C8C8C8">
+                <a:alpha val="58000"/>
+              </a:srgbClr>
+            </a:outerShdw>
+          </a:effectLst>
+        </p:spPr>
+        <p:style>
+          <a:lnRef idx="2">
+            <a:schemeClr val="accent4">
+              <a:shade val="50000"/>
+            </a:schemeClr>
+          </a:lnRef>
+          <a:fillRef idx="1">
+            <a:schemeClr val="accent4"/>
+          </a:fillRef>
+          <a:effectRef idx="0">
+            <a:schemeClr val="accent4"/>
+          </a:effectRef>
+          <a:fontRef idx="minor">
+            <a:schemeClr val="lt1"/>
+          </a:fontRef>
+        </p:style>
+        <p:txBody>
+          <a:bodyPr rtlCol="0" anchor="ctr"/>
+          <a:p>
+            <a:pPr algn="ctr"/>
+            <a:endParaRPr lang="zh-CN" altLang="en-US"/>
+          </a:p>
+        </p:txBody>
+      </p:sp>
+      <p:sp>
+        <p:nvSpPr>
+          <p:cNvPr id="17" name="圆角矩形 16"/>
+          <p:cNvSpPr/>
+          <p:nvPr>
+            <p:custDataLst>
+              <p:tags r:id="rId2"/>
+            </p:custDataLst>
+          </p:nvPr>
+        </p:nvSpPr>
+        <p:spPr>
+          <a:xfrm>
+            <a:off x="10287000" y="6149975"/>
+            <a:ext cx="481965" cy="463550"/>
+          </a:xfrm>
+          <a:prstGeom prst="roundRect">
+            <a:avLst/>
+          </a:prstGeom>
+          <a:ln>
+            <a:noFill/>
+          </a:ln>
+          <a:effectLst>
+            <a:outerShdw blurRad="152400" dist="76200" dir="8040000" algn="ctr" rotWithShape="0">
+              <a:srgbClr val="C8C8C8">
+                <a:alpha val="58000"/>
+              </a:srgbClr>
+            </a:outerShdw>
+          </a:effectLst>
+        </p:spPr>
+        <p:style>
+          <a:lnRef idx="2">
+            <a:schemeClr val="accent4">
+              <a:shade val="50000"/>
+            </a:schemeClr>
+          </a:lnRef>
+          <a:fillRef idx="1">
+            <a:schemeClr val="accent4"/>
+          </a:fillRef>
+          <a:effectRef idx="0">
+            <a:schemeClr val="accent4"/>
+          </a:effectRef>
+          <a:fontRef idx="minor">
+            <a:schemeClr val="lt1"/>
+          </a:fontRef>
+        </p:style>
+        <p:txBody>
+          <a:bodyPr rtlCol="0" anchor="ctr"/>
+          <a:p>
+            <a:pPr algn="ctr"/>
+            <a:endParaRPr lang="zh-CN" altLang="en-US"/>
+          </a:p>
+        </p:txBody>
+      </p:sp>
+      <p:pic>
+        <p:nvPicPr>
+          <p:cNvPr id="3" name="图片 -2147482544"/>
+          <p:cNvPicPr>
+            <a:picLocks noChangeAspect="1"/>
+          </p:cNvPicPr>
+          <p:nvPr/>
+        </p:nvPicPr>
+        <p:blipFill>
+          <a:blip r:embed="rId3"/>
+          <a:stretch>
+            <a:fillRect/>
+          </a:stretch>
+        </p:blipFill>
+        <p:spPr>
+          <a:xfrm>
+            <a:off x="2297430" y="617855"/>
+            <a:ext cx="7268210" cy="5793740"/>
+          </a:xfrm>
+          <a:prstGeom prst="rect">
+            <a:avLst/>
+          </a:prstGeom>
+          <a:noFill/>
+          <a:ln w="9525">
+            <a:noFill/>
+          </a:ln>
+        </p:spPr>
+      </p:pic>
+    </p:spTree>
+    <p:custDataLst>
+      <p:tags r:id="rId4"/>
+    </p:custDataLst>
+  </p:cSld>
+  <p:clrMapOvr>
+    <a:masterClrMapping/>
+  </p:clrMapOvr>
+  <p:timing>
+    <p:tnLst>
+      <p:par>
+        <p:cTn id="1" dur="indefinite" restart="never" nodeType="tmRoot">
+          <p:childTnLst>
+            <p:seq concurrent="1" nextAc="seek">
+              <p:cTn id="2" dur="indefinite" nodeType="mainSeq">
+                <p:childTnLst>
+                  <p:par>
+                    <p:cTn id="3" fill="hold">
+                      <p:stCondLst>
+                        <p:cond delay="indefinite"/>
+                      </p:stCondLst>
+                      <p:childTnLst>
+                        <p:par>
+                          <p:cTn id="4" fill="hold">
+                            <p:stCondLst>
+                              <p:cond delay="0"/>
+                            </p:stCondLst>
+                            <p:childTnLst>
+                              <p:par>
+                                <p:cTn id="5" presetID="2" presetClass="entr" presetSubtype="4" fill="hold" nodeType="clickEffect">
+                                  <p:stCondLst>
+                                    <p:cond delay="0"/>
+                                  </p:stCondLst>
+                                  <p:childTnLst>
+                                    <p:set>
+                                      <p:cBhvr>
+                                        <p:cTn id="6" dur="1" fill="hold">
+                                          <p:stCondLst>
+                                            <p:cond delay="0"/>
+                                          </p:stCondLst>
+                                        </p:cTn>
+                                        <p:tgtEl>
+                                          <p:spTgt spid="3"/>
+                                        </p:tgtEl>
+                                        <p:attrNameLst>
+                                          <p:attrName>style.visibility</p:attrName>
+                                        </p:attrNameLst>
+                                      </p:cBhvr>
+                                      <p:to>
+                                        <p:strVal val="visible"/>
+                                      </p:to>
+                                    </p:set>
+                                    <p:anim calcmode="lin" valueType="num">
+                                      <p:cBhvr additive="base">
+                                        <p:cTn id="7" dur="500" fill="hold"/>
+                                        <p:tgtEl>
+                                          <p:spTgt spid="3"/>
+                                        </p:tgtEl>
+                                        <p:attrNameLst>
+                                          <p:attrName>ppt_x</p:attrName>
+                                        </p:attrNameLst>
+                                      </p:cBhvr>
+                                      <p:tavLst>
+                                        <p:tav tm="0">
+                                          <p:val>
+                                            <p:strVal val="#ppt_x"/>
+                                          </p:val>
+                                        </p:tav>
+                                        <p:tav tm="100000">
+                                          <p:val>
+                                            <p:strVal val="#ppt_x"/>
+                                          </p:val>
+                                        </p:tav>
+                                      </p:tavLst>
+                                    </p:anim>
+                                    <p:anim calcmode="lin" valueType="num">
+                                      <p:cBhvr additive="base">
+                                        <p:cTn id="8" dur="500" fill="hold"/>
+                                        <p:tgtEl>
+                                          <p:spTgt spid="3"/>
+                                        </p:tgtEl>
+                                        <p:attrNameLst>
+                                          <p:attrName>ppt_y</p:attrName>
+                                        </p:attrNameLst>
+                                      </p:cBhvr>
+                                      <p:tavLst>
+                                        <p:tav tm="0">
+                                          <p:val>
+                                            <p:strVal val="1+#ppt_h/2"/>
+                                          </p:val>
+                                        </p:tav>
+                                        <p:tav tm="100000">
+                                          <p:val>
+                                            <p:strVal val="#ppt_y"/>
+                                          </p:val>
+                                        </p:tav>
+                                      </p:tavLst>
+                                    </p:anim>
+                                  </p:childTnLst>
+                                </p:cTn>
+                              </p:par>
+                            </p:childTnLst>
+                          </p:cTn>
+                        </p:par>
+                      </p:childTnLst>
+                    </p:cTn>
+                  </p:par>
+                </p:childTnLst>
+              </p:cTn>
+              <p:prevCondLst>
+                <p:cond evt="onPrev" delay="0">
+                  <p:tgtEl>
+                    <p:sldTgt/>
+                  </p:tgtEl>
+                </p:cond>
+              </p:prevCondLst>
+              <p:nextCondLst>
+                <p:cond evt="onNext" delay="0">
+                  <p:tgtEl>
+                    <p:sldTgt/>
+                  </p:tgtEl>
+                </p:cond>
+              </p:nextCondLst>
+            </p:seq>
+          </p:childTnLst>
+        </p:cTn>
+      </p:par>
+    </p:tnLst>
+  </p:timing>
+</p:sld>
+</file>
+
 <file path=ppt/slides/slide7.xml><?xml version="1.0" encoding="utf-8"?>
 <p:sld xmlns:a="http://schemas.openxmlformats.org/drawingml/2006/main" xmlns:r="http://schemas.openxmlformats.org/officeDocument/2006/relationships" xmlns:p="http://schemas.openxmlformats.org/presentationml/2006/main">
   <p:cSld>
@@ -11568,8 +12356,8 @@
         </p:nvSpPr>
         <p:spPr>
           <a:xfrm>
-            <a:off x="621665" y="128270"/>
-            <a:ext cx="4239895" cy="368300"/>
+            <a:off x="622300" y="128270"/>
+            <a:ext cx="4239260" cy="368300"/>
           </a:xfrm>
           <a:prstGeom prst="rect">
             <a:avLst/>
@@ -11594,7 +12382,7 @@
                   </a:outerShdw>
                 </a:effectLst>
               </a:rPr>
-              <a:t>六</a:t>
+              <a:t>五</a:t>
             </a:r>
             <a:r>
               <a:rPr lang="en-US" altLang="zh-CN">
@@ -11624,7 +12412,22 @@
                   </a:outerShdw>
                 </a:effectLst>
               </a:rPr>
-              <a:t>系统架构图</a:t>
+              <a:t>系统模块</a:t>
+            </a:r>
+            <a:r>
+              <a:rPr lang="zh-CN" altLang="en-US">
+                <a:solidFill>
+                  <a:srgbClr val="FFBA55"/>
+                </a:solidFill>
+                <a:effectLst>
+                  <a:outerShdw blurRad="38100" dist="19050" dir="2700000" algn="tl" rotWithShape="0">
+                    <a:schemeClr val="dk1">
+                      <a:alpha val="40000"/>
+                    </a:schemeClr>
+                  </a:outerShdw>
+                </a:effectLst>
+              </a:rPr>
+              <a:t>图</a:t>
             </a:r>
             <a:endParaRPr lang="zh-CN" altLang="en-US">
               <a:solidFill>
@@ -11749,7 +12552,7 @@
       </p:sp>
       <p:pic>
         <p:nvPicPr>
-          <p:cNvPr id="3" name="图片 -2147482544"/>
+          <p:cNvPr id="3" name="图片 16"/>
           <p:cNvPicPr>
             <a:picLocks noChangeAspect="1"/>
           </p:cNvPicPr>
@@ -11763,8 +12566,8 @@
         </p:blipFill>
         <p:spPr>
           <a:xfrm>
-            <a:off x="2297430" y="617855"/>
-            <a:ext cx="7268210" cy="5793740"/>
+            <a:off x="2170430" y="1377950"/>
+            <a:ext cx="7592060" cy="4011295"/>
           </a:xfrm>
           <a:prstGeom prst="rect">
             <a:avLst/>
@@ -12040,7 +12843,7 @@
                   </a:outerShdw>
                 </a:effectLst>
               </a:rPr>
-              <a:t>七</a:t>
+              <a:t>六</a:t>
             </a:r>
             <a:r>
               <a:rPr lang="en-US" altLang="zh-CN">
@@ -12070,7 +12873,7 @@
                   </a:outerShdw>
                 </a:effectLst>
               </a:rPr>
-              <a:t>系统效果</a:t>
+              <a:t>系统模详细</a:t>
             </a:r>
             <a:r>
               <a:rPr lang="zh-CN" altLang="en-US">
@@ -12085,7 +12888,7 @@
                   </a:outerShdw>
                 </a:effectLst>
               </a:rPr>
-              <a:t>图</a:t>
+              <a:t>介绍</a:t>
             </a:r>
             <a:endParaRPr lang="zh-CN" altLang="en-US">
               <a:solidFill>
@@ -12102,129 +12905,238 @@
           </a:p>
         </p:txBody>
       </p:sp>
-      <p:pic>
-        <p:nvPicPr>
-          <p:cNvPr id="10" name="图片 9"/>
-          <p:cNvPicPr>
-            <a:picLocks noChangeAspect="1"/>
-          </p:cNvPicPr>
-          <p:nvPr/>
-        </p:nvPicPr>
-        <p:blipFill>
-          <a:blip r:embed="rId1"/>
-          <a:stretch>
-            <a:fillRect/>
-          </a:stretch>
-        </p:blipFill>
+      <p:sp>
+        <p:nvSpPr>
+          <p:cNvPr id="16" name="圆角矩形 15"/>
+          <p:cNvSpPr/>
+          <p:nvPr>
+            <p:custDataLst>
+              <p:tags r:id="rId1"/>
+            </p:custDataLst>
+          </p:nvPr>
+        </p:nvSpPr>
         <p:spPr>
           <a:xfrm>
-            <a:off x="283845" y="707390"/>
-            <a:ext cx="11729720" cy="5906770"/>
+            <a:off x="11040745" y="5195570"/>
+            <a:ext cx="860425" cy="871220"/>
+          </a:xfrm>
+          <a:prstGeom prst="roundRect">
+            <a:avLst/>
+          </a:prstGeom>
+          <a:ln>
+            <a:noFill/>
+          </a:ln>
+          <a:effectLst>
+            <a:outerShdw blurRad="152400" dist="76200" dir="8040000" algn="ctr" rotWithShape="0">
+              <a:srgbClr val="C8C8C8">
+                <a:alpha val="58000"/>
+              </a:srgbClr>
+            </a:outerShdw>
+          </a:effectLst>
+        </p:spPr>
+        <p:style>
+          <a:lnRef idx="2">
+            <a:schemeClr val="accent4">
+              <a:shade val="50000"/>
+            </a:schemeClr>
+          </a:lnRef>
+          <a:fillRef idx="1">
+            <a:schemeClr val="accent4"/>
+          </a:fillRef>
+          <a:effectRef idx="0">
+            <a:schemeClr val="accent4"/>
+          </a:effectRef>
+          <a:fontRef idx="minor">
+            <a:schemeClr val="lt1"/>
+          </a:fontRef>
+        </p:style>
+        <p:txBody>
+          <a:bodyPr rtlCol="0" anchor="ctr"/>
+          <a:p>
+            <a:pPr algn="ctr"/>
+            <a:endParaRPr lang="zh-CN" altLang="en-US"/>
+          </a:p>
+        </p:txBody>
+      </p:sp>
+      <p:sp>
+        <p:nvSpPr>
+          <p:cNvPr id="17" name="圆角矩形 16"/>
+          <p:cNvSpPr/>
+          <p:nvPr>
+            <p:custDataLst>
+              <p:tags r:id="rId2"/>
+            </p:custDataLst>
+          </p:nvPr>
+        </p:nvSpPr>
+        <p:spPr>
+          <a:xfrm>
+            <a:off x="10287000" y="6149975"/>
+            <a:ext cx="481965" cy="463550"/>
+          </a:xfrm>
+          <a:prstGeom prst="roundRect">
+            <a:avLst/>
+          </a:prstGeom>
+          <a:ln>
+            <a:noFill/>
+          </a:ln>
+          <a:effectLst>
+            <a:outerShdw blurRad="152400" dist="76200" dir="8040000" algn="ctr" rotWithShape="0">
+              <a:srgbClr val="C8C8C8">
+                <a:alpha val="58000"/>
+              </a:srgbClr>
+            </a:outerShdw>
+          </a:effectLst>
+        </p:spPr>
+        <p:style>
+          <a:lnRef idx="2">
+            <a:schemeClr val="accent4">
+              <a:shade val="50000"/>
+            </a:schemeClr>
+          </a:lnRef>
+          <a:fillRef idx="1">
+            <a:schemeClr val="accent4"/>
+          </a:fillRef>
+          <a:effectRef idx="0">
+            <a:schemeClr val="accent4"/>
+          </a:effectRef>
+          <a:fontRef idx="minor">
+            <a:schemeClr val="lt1"/>
+          </a:fontRef>
+        </p:style>
+        <p:txBody>
+          <a:bodyPr rtlCol="0" anchor="ctr"/>
+          <a:p>
+            <a:pPr algn="ctr"/>
+            <a:endParaRPr lang="zh-CN" altLang="en-US"/>
+          </a:p>
+        </p:txBody>
+      </p:sp>
+      <p:sp>
+        <p:nvSpPr>
+          <p:cNvPr id="4" name="文本框 3"/>
+          <p:cNvSpPr txBox="1"/>
+          <p:nvPr/>
+        </p:nvSpPr>
+        <p:spPr>
+          <a:xfrm>
+            <a:off x="283845" y="812800"/>
+            <a:ext cx="11729085" cy="5800725"/>
           </a:xfrm>
           <a:prstGeom prst="rect">
             <a:avLst/>
           </a:prstGeom>
+          <a:noFill/>
         </p:spPr>
-      </p:pic>
-      <p:pic>
-        <p:nvPicPr>
-          <p:cNvPr id="11" name="图片 10"/>
-          <p:cNvPicPr>
-            <a:picLocks noChangeAspect="1"/>
-          </p:cNvPicPr>
-          <p:nvPr/>
-        </p:nvPicPr>
-        <p:blipFill>
-          <a:blip r:embed="rId2"/>
-          <a:stretch>
-            <a:fillRect/>
-          </a:stretch>
-        </p:blipFill>
-        <p:spPr>
-          <a:xfrm>
-            <a:off x="283845" y="707390"/>
-            <a:ext cx="11729720" cy="5906135"/>
-          </a:xfrm>
-          <a:prstGeom prst="rect">
-            <a:avLst/>
-          </a:prstGeom>
-        </p:spPr>
-      </p:pic>
-      <p:pic>
-        <p:nvPicPr>
-          <p:cNvPr id="12" name="图片 11"/>
-          <p:cNvPicPr>
-            <a:picLocks noChangeAspect="1"/>
-          </p:cNvPicPr>
-          <p:nvPr/>
-        </p:nvPicPr>
-        <p:blipFill>
-          <a:blip r:embed="rId3"/>
-          <a:stretch>
-            <a:fillRect/>
-          </a:stretch>
-        </p:blipFill>
-        <p:spPr>
-          <a:xfrm>
-            <a:off x="285115" y="708025"/>
-            <a:ext cx="11728450" cy="5905500"/>
-          </a:xfrm>
-          <a:prstGeom prst="rect">
-            <a:avLst/>
-          </a:prstGeom>
-        </p:spPr>
-      </p:pic>
-      <p:pic>
-        <p:nvPicPr>
-          <p:cNvPr id="13" name="图片 12"/>
-          <p:cNvPicPr>
-            <a:picLocks noChangeAspect="1"/>
-          </p:cNvPicPr>
-          <p:nvPr/>
-        </p:nvPicPr>
-        <p:blipFill>
-          <a:blip r:embed="rId4"/>
-          <a:stretch>
-            <a:fillRect/>
-          </a:stretch>
-        </p:blipFill>
-        <p:spPr>
-          <a:xfrm>
-            <a:off x="283845" y="708025"/>
-            <a:ext cx="11729720" cy="5906135"/>
-          </a:xfrm>
-          <a:prstGeom prst="rect">
-            <a:avLst/>
-          </a:prstGeom>
-        </p:spPr>
-      </p:pic>
-      <p:pic>
-        <p:nvPicPr>
-          <p:cNvPr id="15" name="图片 14"/>
-          <p:cNvPicPr>
-            <a:picLocks noChangeAspect="1"/>
-          </p:cNvPicPr>
-          <p:nvPr/>
-        </p:nvPicPr>
-        <p:blipFill>
-          <a:blip r:embed="rId5"/>
-          <a:stretch>
-            <a:fillRect/>
-          </a:stretch>
-        </p:blipFill>
-        <p:spPr>
-          <a:xfrm>
-            <a:off x="285115" y="708025"/>
-            <a:ext cx="11728450" cy="5905500"/>
-          </a:xfrm>
-          <a:prstGeom prst="rect">
-            <a:avLst/>
-          </a:prstGeom>
-        </p:spPr>
-      </p:pic>
+        <p:txBody>
+          <a:bodyPr wrap="square" rtlCol="0">
+            <a:noAutofit/>
+          </a:bodyPr>
+          <a:p>
+            <a:pPr marL="285750" indent="-285750">
+              <a:buFont typeface="Wingdings" panose="05000000000000000000" charset="0"/>
+              <a:buChar char="p"/>
+            </a:pPr>
+            <a:r>
+              <a:rPr lang="zh-CN" altLang="en-US"/>
+              <a:t>用户登录模块及修改个人信息模块</a:t>
+            </a:r>
+            <a:endParaRPr lang="zh-CN" altLang="en-US"/>
+          </a:p>
+          <a:p>
+            <a:pPr marL="285750" indent="-285750">
+              <a:buFont typeface="Wingdings" panose="05000000000000000000" charset="0"/>
+              <a:buChar char="p"/>
+            </a:pPr>
+            <a:endParaRPr lang="zh-CN" altLang="en-US"/>
+          </a:p>
+          <a:p>
+            <a:pPr marL="285750" indent="-285750">
+              <a:buFont typeface="Wingdings" panose="05000000000000000000" charset="0"/>
+              <a:buChar char="p"/>
+            </a:pPr>
+            <a:r>
+              <a:rPr lang="zh-CN" altLang="en-US"/>
+              <a:t>货物录入模块</a:t>
+            </a:r>
+            <a:endParaRPr lang="zh-CN" altLang="en-US"/>
+          </a:p>
+          <a:p>
+            <a:pPr marL="285750" indent="-285750">
+              <a:buFont typeface="Wingdings" panose="05000000000000000000" charset="0"/>
+              <a:buChar char="p"/>
+            </a:pPr>
+            <a:endParaRPr lang="zh-CN" altLang="en-US"/>
+          </a:p>
+          <a:p>
+            <a:pPr marL="285750" indent="-285750">
+              <a:buFont typeface="Wingdings" panose="05000000000000000000" charset="0"/>
+              <a:buChar char="p"/>
+            </a:pPr>
+            <a:r>
+              <a:rPr lang="zh-CN" altLang="en-US"/>
+              <a:t>物流管理模块</a:t>
+            </a:r>
+            <a:endParaRPr lang="zh-CN" altLang="en-US"/>
+          </a:p>
+          <a:p>
+            <a:pPr marL="285750" indent="-285750">
+              <a:buFont typeface="Wingdings" panose="05000000000000000000" charset="0"/>
+              <a:buChar char="p"/>
+            </a:pPr>
+            <a:endParaRPr lang="zh-CN" altLang="en-US"/>
+          </a:p>
+          <a:p>
+            <a:pPr marL="285750" indent="-285750">
+              <a:buFont typeface="Wingdings" panose="05000000000000000000" charset="0"/>
+              <a:buChar char="p"/>
+            </a:pPr>
+            <a:r>
+              <a:rPr lang="zh-CN" altLang="en-US"/>
+              <a:t>物流可视化追踪模块</a:t>
+            </a:r>
+            <a:endParaRPr lang="zh-CN" altLang="en-US"/>
+          </a:p>
+          <a:p>
+            <a:pPr marL="285750" indent="-285750">
+              <a:buFont typeface="Wingdings" panose="05000000000000000000" charset="0"/>
+              <a:buChar char="p"/>
+            </a:pPr>
+            <a:endParaRPr lang="zh-CN" altLang="en-US"/>
+          </a:p>
+          <a:p>
+            <a:pPr marL="285750" indent="-285750">
+              <a:buFont typeface="Wingdings" panose="05000000000000000000" charset="0"/>
+              <a:buChar char="p"/>
+            </a:pPr>
+            <a:r>
+              <a:rPr lang="zh-CN" altLang="en-US"/>
+              <a:t>发布物流模块</a:t>
+            </a:r>
+            <a:endParaRPr lang="zh-CN" altLang="en-US"/>
+          </a:p>
+          <a:p>
+            <a:pPr marL="285750" indent="-285750">
+              <a:buFont typeface="Wingdings" panose="05000000000000000000" charset="0"/>
+              <a:buChar char="p"/>
+            </a:pPr>
+            <a:endParaRPr lang="zh-CN" altLang="en-US"/>
+          </a:p>
+          <a:p>
+            <a:pPr marL="285750" indent="-285750">
+              <a:buFont typeface="Wingdings" panose="05000000000000000000" charset="0"/>
+              <a:buChar char="p"/>
+            </a:pPr>
+            <a:r>
+              <a:rPr lang="zh-CN" altLang="en-US"/>
+              <a:t>智能物流模块</a:t>
+            </a:r>
+            <a:endParaRPr lang="zh-CN" altLang="en-US"/>
+          </a:p>
+        </p:txBody>
+      </p:sp>
     </p:spTree>
     <p:custDataLst>
-      <p:tags r:id="rId6"/>
+      <p:tags r:id="rId3"/>
     </p:custDataLst>
   </p:cSld>
   <p:clrMapOvr>
@@ -12233,485 +13145,7 @@
   <p:timing>
     <p:tnLst>
       <p:par>
-        <p:cTn id="1" dur="indefinite" restart="never" nodeType="tmRoot">
-          <p:childTnLst>
-            <p:seq concurrent="1" nextAc="seek">
-              <p:cTn id="2" dur="indefinite" nodeType="mainSeq">
-                <p:childTnLst>
-                  <p:par>
-                    <p:cTn id="3" fill="hold">
-                      <p:stCondLst>
-                        <p:cond delay="indefinite"/>
-                      </p:stCondLst>
-                      <p:childTnLst>
-                        <p:par>
-                          <p:cTn id="4" fill="hold">
-                            <p:stCondLst>
-                              <p:cond delay="0"/>
-                            </p:stCondLst>
-                            <p:childTnLst>
-                              <p:par>
-                                <p:cTn id="5" presetID="2" presetClass="entr" presetSubtype="4" fill="hold" nodeType="clickEffect">
-                                  <p:stCondLst>
-                                    <p:cond delay="0"/>
-                                  </p:stCondLst>
-                                  <p:childTnLst>
-                                    <p:set>
-                                      <p:cBhvr>
-                                        <p:cTn id="6" dur="1" fill="hold">
-                                          <p:stCondLst>
-                                            <p:cond delay="0"/>
-                                          </p:stCondLst>
-                                        </p:cTn>
-                                        <p:tgtEl>
-                                          <p:spTgt spid="10"/>
-                                        </p:tgtEl>
-                                        <p:attrNameLst>
-                                          <p:attrName>style.visibility</p:attrName>
-                                        </p:attrNameLst>
-                                      </p:cBhvr>
-                                      <p:to>
-                                        <p:strVal val="visible"/>
-                                      </p:to>
-                                    </p:set>
-                                    <p:anim calcmode="lin" valueType="num">
-                                      <p:cBhvr additive="base">
-                                        <p:cTn id="7" dur="500" fill="hold"/>
-                                        <p:tgtEl>
-                                          <p:spTgt spid="10"/>
-                                        </p:tgtEl>
-                                        <p:attrNameLst>
-                                          <p:attrName>ppt_x</p:attrName>
-                                        </p:attrNameLst>
-                                      </p:cBhvr>
-                                      <p:tavLst>
-                                        <p:tav tm="0">
-                                          <p:val>
-                                            <p:strVal val="#ppt_x"/>
-                                          </p:val>
-                                        </p:tav>
-                                        <p:tav tm="100000">
-                                          <p:val>
-                                            <p:strVal val="#ppt_x"/>
-                                          </p:val>
-                                        </p:tav>
-                                      </p:tavLst>
-                                    </p:anim>
-                                    <p:anim calcmode="lin" valueType="num">
-                                      <p:cBhvr additive="base">
-                                        <p:cTn id="8" dur="500" fill="hold"/>
-                                        <p:tgtEl>
-                                          <p:spTgt spid="10"/>
-                                        </p:tgtEl>
-                                        <p:attrNameLst>
-                                          <p:attrName>ppt_y</p:attrName>
-                                        </p:attrNameLst>
-                                      </p:cBhvr>
-                                      <p:tavLst>
-                                        <p:tav tm="0">
-                                          <p:val>
-                                            <p:strVal val="1+#ppt_h/2"/>
-                                          </p:val>
-                                        </p:tav>
-                                        <p:tav tm="100000">
-                                          <p:val>
-                                            <p:strVal val="#ppt_y"/>
-                                          </p:val>
-                                        </p:tav>
-                                      </p:tavLst>
-                                    </p:anim>
-                                  </p:childTnLst>
-                                </p:cTn>
-                              </p:par>
-                            </p:childTnLst>
-                          </p:cTn>
-                        </p:par>
-                      </p:childTnLst>
-                    </p:cTn>
-                  </p:par>
-                  <p:par>
-                    <p:cTn id="9" fill="hold">
-                      <p:stCondLst>
-                        <p:cond delay="indefinite"/>
-                      </p:stCondLst>
-                      <p:childTnLst>
-                        <p:par>
-                          <p:cTn id="10" fill="hold">
-                            <p:stCondLst>
-                              <p:cond delay="0"/>
-                            </p:stCondLst>
-                            <p:childTnLst>
-                              <p:par>
-                                <p:cTn id="11" presetID="2" presetClass="entr" presetSubtype="4" fill="hold" nodeType="clickEffect">
-                                  <p:stCondLst>
-                                    <p:cond delay="0"/>
-                                  </p:stCondLst>
-                                  <p:childTnLst>
-                                    <p:set>
-                                      <p:cBhvr>
-                                        <p:cTn id="12" dur="1" fill="hold">
-                                          <p:stCondLst>
-                                            <p:cond delay="0"/>
-                                          </p:stCondLst>
-                                        </p:cTn>
-                                        <p:tgtEl>
-                                          <p:spTgt spid="11"/>
-                                        </p:tgtEl>
-                                        <p:attrNameLst>
-                                          <p:attrName>style.visibility</p:attrName>
-                                        </p:attrNameLst>
-                                      </p:cBhvr>
-                                      <p:to>
-                                        <p:strVal val="visible"/>
-                                      </p:to>
-                                    </p:set>
-                                    <p:anim calcmode="lin" valueType="num">
-                                      <p:cBhvr additive="base">
-                                        <p:cTn id="13" dur="500" fill="hold"/>
-                                        <p:tgtEl>
-                                          <p:spTgt spid="11"/>
-                                        </p:tgtEl>
-                                        <p:attrNameLst>
-                                          <p:attrName>ppt_x</p:attrName>
-                                        </p:attrNameLst>
-                                      </p:cBhvr>
-                                      <p:tavLst>
-                                        <p:tav tm="0">
-                                          <p:val>
-                                            <p:strVal val="#ppt_x"/>
-                                          </p:val>
-                                        </p:tav>
-                                        <p:tav tm="100000">
-                                          <p:val>
-                                            <p:strVal val="#ppt_x"/>
-                                          </p:val>
-                                        </p:tav>
-                                      </p:tavLst>
-                                    </p:anim>
-                                    <p:anim calcmode="lin" valueType="num">
-                                      <p:cBhvr additive="base">
-                                        <p:cTn id="14" dur="500" fill="hold"/>
-                                        <p:tgtEl>
-                                          <p:spTgt spid="11"/>
-                                        </p:tgtEl>
-                                        <p:attrNameLst>
-                                          <p:attrName>ppt_y</p:attrName>
-                                        </p:attrNameLst>
-                                      </p:cBhvr>
-                                      <p:tavLst>
-                                        <p:tav tm="0">
-                                          <p:val>
-                                            <p:strVal val="1+#ppt_h/2"/>
-                                          </p:val>
-                                        </p:tav>
-                                        <p:tav tm="100000">
-                                          <p:val>
-                                            <p:strVal val="#ppt_y"/>
-                                          </p:val>
-                                        </p:tav>
-                                      </p:tavLst>
-                                    </p:anim>
-                                  </p:childTnLst>
-                                </p:cTn>
-                              </p:par>
-                            </p:childTnLst>
-                          </p:cTn>
-                        </p:par>
-                      </p:childTnLst>
-                    </p:cTn>
-                  </p:par>
-                  <p:par>
-                    <p:cTn id="15" fill="hold">
-                      <p:stCondLst>
-                        <p:cond delay="indefinite"/>
-                      </p:stCondLst>
-                      <p:childTnLst>
-                        <p:par>
-                          <p:cTn id="16" fill="hold">
-                            <p:stCondLst>
-                              <p:cond delay="0"/>
-                            </p:stCondLst>
-                            <p:childTnLst>
-                              <p:par>
-                                <p:cTn id="17" presetID="2" presetClass="entr" presetSubtype="4" fill="hold" nodeType="clickEffect">
-                                  <p:stCondLst>
-                                    <p:cond delay="0"/>
-                                  </p:stCondLst>
-                                  <p:childTnLst>
-                                    <p:set>
-                                      <p:cBhvr>
-                                        <p:cTn id="18" dur="1" fill="hold">
-                                          <p:stCondLst>
-                                            <p:cond delay="0"/>
-                                          </p:stCondLst>
-                                        </p:cTn>
-                                        <p:tgtEl>
-                                          <p:spTgt spid="12"/>
-                                        </p:tgtEl>
-                                        <p:attrNameLst>
-                                          <p:attrName>style.visibility</p:attrName>
-                                        </p:attrNameLst>
-                                      </p:cBhvr>
-                                      <p:to>
-                                        <p:strVal val="visible"/>
-                                      </p:to>
-                                    </p:set>
-                                    <p:anim calcmode="lin" valueType="num">
-                                      <p:cBhvr additive="base">
-                                        <p:cTn id="19" dur="500" fill="hold"/>
-                                        <p:tgtEl>
-                                          <p:spTgt spid="12"/>
-                                        </p:tgtEl>
-                                        <p:attrNameLst>
-                                          <p:attrName>ppt_x</p:attrName>
-                                        </p:attrNameLst>
-                                      </p:cBhvr>
-                                      <p:tavLst>
-                                        <p:tav tm="0">
-                                          <p:val>
-                                            <p:strVal val="#ppt_x"/>
-                                          </p:val>
-                                        </p:tav>
-                                        <p:tav tm="100000">
-                                          <p:val>
-                                            <p:strVal val="#ppt_x"/>
-                                          </p:val>
-                                        </p:tav>
-                                      </p:tavLst>
-                                    </p:anim>
-                                    <p:anim calcmode="lin" valueType="num">
-                                      <p:cBhvr additive="base">
-                                        <p:cTn id="20" dur="500" fill="hold"/>
-                                        <p:tgtEl>
-                                          <p:spTgt spid="12"/>
-                                        </p:tgtEl>
-                                        <p:attrNameLst>
-                                          <p:attrName>ppt_y</p:attrName>
-                                        </p:attrNameLst>
-                                      </p:cBhvr>
-                                      <p:tavLst>
-                                        <p:tav tm="0">
-                                          <p:val>
-                                            <p:strVal val="1+#ppt_h/2"/>
-                                          </p:val>
-                                        </p:tav>
-                                        <p:tav tm="100000">
-                                          <p:val>
-                                            <p:strVal val="#ppt_y"/>
-                                          </p:val>
-                                        </p:tav>
-                                      </p:tavLst>
-                                    </p:anim>
-                                  </p:childTnLst>
-                                </p:cTn>
-                              </p:par>
-                            </p:childTnLst>
-                          </p:cTn>
-                        </p:par>
-                      </p:childTnLst>
-                    </p:cTn>
-                  </p:par>
-                  <p:par>
-                    <p:cTn id="21" fill="hold">
-                      <p:stCondLst>
-                        <p:cond delay="indefinite"/>
-                      </p:stCondLst>
-                      <p:childTnLst>
-                        <p:par>
-                          <p:cTn id="22" fill="hold">
-                            <p:stCondLst>
-                              <p:cond delay="0"/>
-                            </p:stCondLst>
-                            <p:childTnLst>
-                              <p:par>
-                                <p:cTn id="23" presetID="2" presetClass="entr" presetSubtype="4" fill="hold" nodeType="clickEffect">
-                                  <p:stCondLst>
-                                    <p:cond delay="0"/>
-                                  </p:stCondLst>
-                                  <p:childTnLst>
-                                    <p:set>
-                                      <p:cBhvr>
-                                        <p:cTn id="24" dur="1" fill="hold">
-                                          <p:stCondLst>
-                                            <p:cond delay="0"/>
-                                          </p:stCondLst>
-                                        </p:cTn>
-                                        <p:tgtEl>
-                                          <p:spTgt spid="13"/>
-                                        </p:tgtEl>
-                                        <p:attrNameLst>
-                                          <p:attrName>style.visibility</p:attrName>
-                                        </p:attrNameLst>
-                                      </p:cBhvr>
-                                      <p:to>
-                                        <p:strVal val="visible"/>
-                                      </p:to>
-                                    </p:set>
-                                    <p:anim calcmode="lin" valueType="num">
-                                      <p:cBhvr additive="base">
-                                        <p:cTn id="25" dur="500" fill="hold"/>
-                                        <p:tgtEl>
-                                          <p:spTgt spid="13"/>
-                                        </p:tgtEl>
-                                        <p:attrNameLst>
-                                          <p:attrName>ppt_x</p:attrName>
-                                        </p:attrNameLst>
-                                      </p:cBhvr>
-                                      <p:tavLst>
-                                        <p:tav tm="0">
-                                          <p:val>
-                                            <p:strVal val="#ppt_x"/>
-                                          </p:val>
-                                        </p:tav>
-                                        <p:tav tm="100000">
-                                          <p:val>
-                                            <p:strVal val="#ppt_x"/>
-                                          </p:val>
-                                        </p:tav>
-                                      </p:tavLst>
-                                    </p:anim>
-                                    <p:anim calcmode="lin" valueType="num">
-                                      <p:cBhvr additive="base">
-                                        <p:cTn id="26" dur="500" fill="hold"/>
-                                        <p:tgtEl>
-                                          <p:spTgt spid="13"/>
-                                        </p:tgtEl>
-                                        <p:attrNameLst>
-                                          <p:attrName>ppt_y</p:attrName>
-                                        </p:attrNameLst>
-                                      </p:cBhvr>
-                                      <p:tavLst>
-                                        <p:tav tm="0">
-                                          <p:val>
-                                            <p:strVal val="1+#ppt_h/2"/>
-                                          </p:val>
-                                        </p:tav>
-                                        <p:tav tm="100000">
-                                          <p:val>
-                                            <p:strVal val="#ppt_y"/>
-                                          </p:val>
-                                        </p:tav>
-                                      </p:tavLst>
-                                    </p:anim>
-                                  </p:childTnLst>
-                                </p:cTn>
-                              </p:par>
-                            </p:childTnLst>
-                          </p:cTn>
-                        </p:par>
-                      </p:childTnLst>
-                    </p:cTn>
-                  </p:par>
-                  <p:par>
-                    <p:cTn id="27" fill="hold">
-                      <p:stCondLst>
-                        <p:cond delay="indefinite"/>
-                      </p:stCondLst>
-                      <p:childTnLst>
-                        <p:par>
-                          <p:cTn id="28" fill="hold">
-                            <p:stCondLst>
-                              <p:cond delay="0"/>
-                            </p:stCondLst>
-                            <p:childTnLst>
-                              <p:par>
-                                <p:cTn id="29" presetID="2" presetClass="entr" presetSubtype="4" fill="hold" nodeType="clickEffect">
-                                  <p:stCondLst>
-                                    <p:cond delay="0"/>
-                                  </p:stCondLst>
-                                  <p:childTnLst>
-                                    <p:set>
-                                      <p:cBhvr>
-                                        <p:cTn id="30" dur="1" fill="hold">
-                                          <p:stCondLst>
-                                            <p:cond delay="0"/>
-                                          </p:stCondLst>
-                                        </p:cTn>
-                                        <p:tgtEl>
-                                          <p:spTgt spid="15"/>
-                                        </p:tgtEl>
-                                        <p:attrNameLst>
-                                          <p:attrName>style.visibility</p:attrName>
-                                        </p:attrNameLst>
-                                      </p:cBhvr>
-                                      <p:to>
-                                        <p:strVal val="visible"/>
-                                      </p:to>
-                                    </p:set>
-                                    <p:anim calcmode="lin" valueType="num">
-                                      <p:cBhvr additive="base">
-                                        <p:cTn id="31" dur="500" fill="hold"/>
-                                        <p:tgtEl>
-                                          <p:spTgt spid="15"/>
-                                        </p:tgtEl>
-                                        <p:attrNameLst>
-                                          <p:attrName>ppt_x</p:attrName>
-                                        </p:attrNameLst>
-                                      </p:cBhvr>
-                                      <p:tavLst>
-                                        <p:tav tm="0">
-                                          <p:val>
-                                            <p:strVal val="#ppt_x"/>
-                                          </p:val>
-                                        </p:tav>
-                                        <p:tav tm="100000">
-                                          <p:val>
-                                            <p:strVal val="#ppt_x"/>
-                                          </p:val>
-                                        </p:tav>
-                                      </p:tavLst>
-                                    </p:anim>
-                                    <p:anim calcmode="lin" valueType="num">
-                                      <p:cBhvr additive="base">
-                                        <p:cTn id="32" dur="500" fill="hold"/>
-                                        <p:tgtEl>
-                                          <p:spTgt spid="15"/>
-                                        </p:tgtEl>
-                                        <p:attrNameLst>
-                                          <p:attrName>ppt_y</p:attrName>
-                                        </p:attrNameLst>
-                                      </p:cBhvr>
-                                      <p:tavLst>
-                                        <p:tav tm="0">
-                                          <p:val>
-                                            <p:strVal val="1+#ppt_h/2"/>
-                                          </p:val>
-                                        </p:tav>
-                                        <p:tav tm="100000">
-                                          <p:val>
-                                            <p:strVal val="#ppt_y"/>
-                                          </p:val>
-                                        </p:tav>
-                                      </p:tavLst>
-                                    </p:anim>
-                                  </p:childTnLst>
-                                </p:cTn>
-                              </p:par>
-                            </p:childTnLst>
-                          </p:cTn>
-                        </p:par>
-                      </p:childTnLst>
-                    </p:cTn>
-                  </p:par>
-                </p:childTnLst>
-              </p:cTn>
-              <p:prevCondLst>
-                <p:cond evt="onPrev" delay="0">
-                  <p:tgtEl>
-                    <p:sldTgt/>
-                  </p:tgtEl>
-                </p:cond>
-              </p:prevCondLst>
-              <p:nextCondLst>
-                <p:cond evt="onNext" delay="0">
-                  <p:tgtEl>
-                    <p:sldTgt/>
-                  </p:tgtEl>
-                </p:cond>
-              </p:nextCondLst>
-            </p:seq>
-          </p:childTnLst>
-        </p:cTn>
+        <p:cTn id="1" dur="indefinite" restart="never" nodeType="tmRoot"/>
       </p:par>
     </p:tnLst>
   </p:timing>
@@ -12825,8 +13259,8 @@
         </p:nvSpPr>
         <p:spPr>
           <a:xfrm>
-            <a:off x="621665" y="128270"/>
-            <a:ext cx="4239895" cy="368300"/>
+            <a:off x="622300" y="128270"/>
+            <a:ext cx="4239260" cy="368300"/>
           </a:xfrm>
           <a:prstGeom prst="rect">
             <a:avLst/>
@@ -12851,7 +13285,7 @@
                   </a:outerShdw>
                 </a:effectLst>
               </a:rPr>
-              <a:t>八</a:t>
+              <a:t>七</a:t>
             </a:r>
             <a:r>
               <a:rPr lang="en-US" altLang="zh-CN">
@@ -12881,22 +13315,7 @@
                   </a:outerShdw>
                 </a:effectLst>
               </a:rPr>
-              <a:t>系统线上</a:t>
-            </a:r>
-            <a:r>
-              <a:rPr lang="zh-CN" altLang="en-US">
-                <a:solidFill>
-                  <a:srgbClr val="FFBA55"/>
-                </a:solidFill>
-                <a:effectLst>
-                  <a:outerShdw blurRad="38100" dist="19050" dir="2700000" algn="tl" rotWithShape="0">
-                    <a:schemeClr val="dk1">
-                      <a:alpha val="40000"/>
-                    </a:schemeClr>
-                  </a:outerShdw>
-                </a:effectLst>
-              </a:rPr>
-              <a:t>部署</a:t>
+              <a:t>系统创新点</a:t>
             </a:r>
             <a:endParaRPr lang="zh-CN" altLang="en-US">
               <a:solidFill>
@@ -13027,7 +13446,7 @@
         </p:nvSpPr>
         <p:spPr>
           <a:xfrm>
-            <a:off x="245745" y="951230"/>
+            <a:off x="245745" y="855980"/>
             <a:ext cx="11730355" cy="5504815"/>
           </a:xfrm>
           <a:prstGeom prst="rect">
@@ -13040,121 +13459,104 @@
             <a:noAutofit/>
           </a:bodyPr>
           <a:p>
-            <a:pPr marL="285750" indent="-285750">
-              <a:buFont typeface="Arial" panose="020B0604020202020204" pitchFamily="34" charset="0"/>
-              <a:buChar char="•"/>
-            </a:pPr>
-            <a:r>
-              <a:rPr lang="zh-CN" altLang="en-US"/>
-              <a:t>线上</a:t>
-            </a:r>
-            <a:r>
-              <a:rPr lang="zh-CN" altLang="en-US"/>
-              <a:t>部署</a:t>
-            </a:r>
-            <a:endParaRPr lang="zh-CN" altLang="en-US"/>
-          </a:p>
-          <a:p>
-            <a:pPr marL="285750" indent="-285750">
-              <a:buFont typeface="Arial" panose="020B0604020202020204" pitchFamily="34" charset="0"/>
-              <a:buChar char="•"/>
-            </a:pPr>
-            <a:endParaRPr lang="zh-CN" altLang="en-US"/>
-          </a:p>
-          <a:p>
-            <a:pPr marL="742950" lvl="1" indent="-285750">
-              <a:buFont typeface="Arial" panose="020B0604020202020204" pitchFamily="34" charset="0"/>
-              <a:buChar char="•"/>
-            </a:pPr>
-            <a:r>
-              <a:rPr lang="zh-CN" altLang="en-US"/>
-              <a:t>地址：</a:t>
-            </a:r>
-            <a:r>
-              <a:rPr lang="en-US" altLang="zh-CN">
-                <a:hlinkClick r:id="rId3"/>
-              </a:rPr>
-              <a:t>http://gd.wuyupei.top</a:t>
-            </a:r>
-            <a:endParaRPr lang="en-US" altLang="zh-CN"/>
-          </a:p>
-          <a:p>
-            <a:pPr marL="742950" lvl="1" indent="-285750">
-              <a:buFont typeface="Arial" panose="020B0604020202020204" pitchFamily="34" charset="0"/>
-              <a:buChar char="•"/>
-            </a:pPr>
-            <a:endParaRPr lang="en-US" altLang="zh-CN"/>
-          </a:p>
-          <a:p>
-            <a:pPr marL="742950" lvl="1" indent="-285750">
-              <a:buFont typeface="Arial" panose="020B0604020202020204" pitchFamily="34" charset="0"/>
-              <a:buChar char="•"/>
-            </a:pPr>
-            <a:r>
-              <a:rPr lang="zh-CN" altLang="en-US"/>
-              <a:t>账号：</a:t>
-            </a:r>
-            <a:r>
-              <a:rPr lang="en-US" altLang="zh-CN"/>
-              <a:t>18338323927</a:t>
-            </a:r>
-            <a:endParaRPr lang="en-US" altLang="zh-CN"/>
-          </a:p>
-          <a:p>
-            <a:pPr marL="742950" lvl="1" indent="-285750">
-              <a:buFont typeface="Arial" panose="020B0604020202020204" pitchFamily="34" charset="0"/>
-              <a:buChar char="•"/>
-            </a:pPr>
-            <a:endParaRPr lang="en-US" altLang="zh-CN"/>
-          </a:p>
-          <a:p>
-            <a:pPr marL="742950" lvl="1" indent="-285750">
-              <a:buFont typeface="Arial" panose="020B0604020202020204" pitchFamily="34" charset="0"/>
-              <a:buChar char="•"/>
-            </a:pPr>
-            <a:r>
-              <a:rPr lang="zh-CN" altLang="en-US"/>
-              <a:t>密码：</a:t>
-            </a:r>
-            <a:r>
-              <a:rPr lang="en-US" altLang="zh-CN"/>
-              <a:t>123456</a:t>
-            </a:r>
-            <a:endParaRPr lang="en-US" altLang="zh-CN"/>
-          </a:p>
-          <a:p>
-            <a:pPr lvl="1" indent="0">
+            <a:pPr indent="457200">
+              <a:lnSpc>
+                <a:spcPct val="150000"/>
+              </a:lnSpc>
               <a:buFont typeface="Arial" panose="020B0604020202020204" pitchFamily="34" charset="0"/>
               <a:buNone/>
             </a:pPr>
-            <a:endParaRPr lang="en-US" altLang="zh-CN"/>
-          </a:p>
-          <a:p>
-            <a:pPr marL="742950" lvl="1" indent="-285750">
-              <a:buFont typeface="Arial" panose="020B0604020202020204" pitchFamily="34" charset="0"/>
-              <a:buChar char="•"/>
-            </a:pPr>
-            <a:endParaRPr lang="en-US" altLang="zh-CN"/>
-          </a:p>
-          <a:p>
-            <a:pPr marL="742950" lvl="1" indent="-285750">
-              <a:buFont typeface="Arial" panose="020B0604020202020204" pitchFamily="34" charset="0"/>
-              <a:buChar char="•"/>
-            </a:pPr>
-            <a:endParaRPr lang="en-US" altLang="zh-CN"/>
-          </a:p>
-          <a:p>
-            <a:pPr marL="800100" lvl="1" indent="-342900">
-              <a:buFont typeface="Arial" panose="020B0604020202020204" pitchFamily="34" charset="0"/>
-              <a:buChar char="•"/>
-            </a:pPr>
-            <a:endParaRPr lang="en-US" altLang="zh-CN"/>
+            <a:r>
+              <a:rPr lang="zh-CN" altLang="en-US"/>
+              <a:t>物流追踪系统旨在设计一个</a:t>
+            </a:r>
+            <a:r>
+              <a:rPr lang="zh-CN" altLang="en-US">
+                <a:solidFill>
+                  <a:srgbClr val="FFBA55"/>
+                </a:solidFill>
+              </a:rPr>
+              <a:t>可视化</a:t>
+            </a:r>
+            <a:r>
+              <a:rPr lang="zh-CN" altLang="en-US"/>
+              <a:t>的物流</a:t>
+            </a:r>
+            <a:r>
+              <a:rPr lang="zh-CN" altLang="en-US">
+                <a:sym typeface="+mn-ea"/>
+              </a:rPr>
+              <a:t>追踪</a:t>
+            </a:r>
+            <a:r>
+              <a:rPr lang="zh-CN" altLang="en-US"/>
+              <a:t>及</a:t>
+            </a:r>
+            <a:r>
+              <a:rPr lang="zh-CN" altLang="en-US">
+                <a:sym typeface="+mn-ea"/>
+              </a:rPr>
+              <a:t>管理</a:t>
+            </a:r>
+            <a:r>
+              <a:rPr lang="zh-CN" altLang="en-US"/>
+              <a:t>平台，需要完成对物流的</a:t>
+            </a:r>
+            <a:r>
+              <a:rPr lang="zh-CN" altLang="en-US">
+                <a:solidFill>
+                  <a:srgbClr val="FFBA55"/>
+                </a:solidFill>
+              </a:rPr>
+              <a:t>可视化追踪</a:t>
+            </a:r>
+            <a:r>
+              <a:rPr lang="zh-CN" altLang="en-US"/>
+              <a:t>，拦截，查找，</a:t>
+            </a:r>
+            <a:r>
+              <a:rPr lang="zh-CN" altLang="en-US">
+                <a:solidFill>
+                  <a:srgbClr val="FFBA55"/>
+                </a:solidFill>
+              </a:rPr>
+              <a:t>物流分布状况</a:t>
+            </a:r>
+            <a:r>
+              <a:rPr lang="zh-CN" altLang="en-US"/>
+              <a:t>，</a:t>
+            </a:r>
+            <a:r>
+              <a:rPr lang="zh-CN" altLang="en-US">
+                <a:solidFill>
+                  <a:srgbClr val="FFBA55"/>
+                </a:solidFill>
+              </a:rPr>
+              <a:t>规划最短运输路线</a:t>
+            </a:r>
+            <a:r>
+              <a:rPr lang="zh-CN" altLang="en-US"/>
+              <a:t>，物流管理等功能，它涉及到物流的基本信息与物流地理信息等数据的关联和数据分析。可视化技术还需要对接</a:t>
+            </a:r>
+            <a:r>
+              <a:rPr lang="zh-CN" altLang="en-US">
+                <a:solidFill>
+                  <a:srgbClr val="FFBA55"/>
+                </a:solidFill>
+              </a:rPr>
+              <a:t>GIS</a:t>
+            </a:r>
+            <a:r>
+              <a:rPr lang="zh-CN" altLang="en-US"/>
+              <a:t>地图服务。</a:t>
+            </a:r>
+            <a:endParaRPr lang="zh-CN" altLang="en-US"/>
           </a:p>
         </p:txBody>
       </p:sp>
     </p:spTree>
     <p:custDataLst>
-      <p:tags r:id="rId4"/>
+      <p:tags r:id="rId3"/>
     </p:custDataLst>
   </p:cSld>
   <p:clrMapOvr>
@@ -13242,261 +13644,6 @@
                                           <p:spTgt spid="5">
                                             <p:txEl>
                                               <p:pRg st="0" end="0"/>
-                                            </p:txEl>
-                                          </p:spTgt>
-                                        </p:tgtEl>
-                                        <p:attrNameLst>
-                                          <p:attrName>ppt_y</p:attrName>
-                                        </p:attrNameLst>
-                                      </p:cBhvr>
-                                      <p:tavLst>
-                                        <p:tav tm="0">
-                                          <p:val>
-                                            <p:strVal val="1+#ppt_h/2"/>
-                                          </p:val>
-                                        </p:tav>
-                                        <p:tav tm="100000">
-                                          <p:val>
-                                            <p:strVal val="#ppt_y"/>
-                                          </p:val>
-                                        </p:tav>
-                                      </p:tavLst>
-                                    </p:anim>
-                                  </p:childTnLst>
-                                </p:cTn>
-                              </p:par>
-                              <p:par>
-                                <p:cTn id="9" presetID="2" presetClass="entr" presetSubtype="4" fill="hold" nodeType="withEffect">
-                                  <p:stCondLst>
-                                    <p:cond delay="0"/>
-                                  </p:stCondLst>
-                                  <p:childTnLst>
-                                    <p:set>
-                                      <p:cBhvr>
-                                        <p:cTn id="10" dur="1" fill="hold">
-                                          <p:stCondLst>
-                                            <p:cond delay="0"/>
-                                          </p:stCondLst>
-                                        </p:cTn>
-                                        <p:tgtEl>
-                                          <p:spTgt spid="5">
-                                            <p:txEl>
-                                              <p:pRg st="2" end="2"/>
-                                            </p:txEl>
-                                          </p:spTgt>
-                                        </p:tgtEl>
-                                        <p:attrNameLst>
-                                          <p:attrName>style.visibility</p:attrName>
-                                        </p:attrNameLst>
-                                      </p:cBhvr>
-                                      <p:to>
-                                        <p:strVal val="visible"/>
-                                      </p:to>
-                                    </p:set>
-                                    <p:anim calcmode="lin" valueType="num">
-                                      <p:cBhvr additive="base">
-                                        <p:cTn id="11" dur="500" fill="hold"/>
-                                        <p:tgtEl>
-                                          <p:spTgt spid="5">
-                                            <p:txEl>
-                                              <p:pRg st="2" end="2"/>
-                                            </p:txEl>
-                                          </p:spTgt>
-                                        </p:tgtEl>
-                                        <p:attrNameLst>
-                                          <p:attrName>ppt_x</p:attrName>
-                                        </p:attrNameLst>
-                                      </p:cBhvr>
-                                      <p:tavLst>
-                                        <p:tav tm="0">
-                                          <p:val>
-                                            <p:strVal val="#ppt_x"/>
-                                          </p:val>
-                                        </p:tav>
-                                        <p:tav tm="100000">
-                                          <p:val>
-                                            <p:strVal val="#ppt_x"/>
-                                          </p:val>
-                                        </p:tav>
-                                      </p:tavLst>
-                                    </p:anim>
-                                    <p:anim calcmode="lin" valueType="num">
-                                      <p:cBhvr additive="base">
-                                        <p:cTn id="12" dur="500" fill="hold"/>
-                                        <p:tgtEl>
-                                          <p:spTgt spid="5">
-                                            <p:txEl>
-                                              <p:pRg st="2" end="2"/>
-                                            </p:txEl>
-                                          </p:spTgt>
-                                        </p:tgtEl>
-                                        <p:attrNameLst>
-                                          <p:attrName>ppt_y</p:attrName>
-                                        </p:attrNameLst>
-                                      </p:cBhvr>
-                                      <p:tavLst>
-                                        <p:tav tm="0">
-                                          <p:val>
-                                            <p:strVal val="1+#ppt_h/2"/>
-                                          </p:val>
-                                        </p:tav>
-                                        <p:tav tm="100000">
-                                          <p:val>
-                                            <p:strVal val="#ppt_y"/>
-                                          </p:val>
-                                        </p:tav>
-                                      </p:tavLst>
-                                    </p:anim>
-                                  </p:childTnLst>
-                                </p:cTn>
-                              </p:par>
-                              <p:par>
-                                <p:cTn id="13" presetID="2" presetClass="entr" presetSubtype="4" fill="hold" nodeType="withEffect">
-                                  <p:stCondLst>
-                                    <p:cond delay="0"/>
-                                  </p:stCondLst>
-                                  <p:childTnLst>
-                                    <p:set>
-                                      <p:cBhvr>
-                                        <p:cTn id="14" dur="1" fill="hold">
-                                          <p:stCondLst>
-                                            <p:cond delay="0"/>
-                                          </p:stCondLst>
-                                        </p:cTn>
-                                        <p:tgtEl>
-                                          <p:spTgt spid="5">
-                                            <p:txEl>
-                                              <p:pRg st="4" end="4"/>
-                                            </p:txEl>
-                                          </p:spTgt>
-                                        </p:tgtEl>
-                                        <p:attrNameLst>
-                                          <p:attrName>style.visibility</p:attrName>
-                                        </p:attrNameLst>
-                                      </p:cBhvr>
-                                      <p:to>
-                                        <p:strVal val="visible"/>
-                                      </p:to>
-                                    </p:set>
-                                    <p:anim calcmode="lin" valueType="num">
-                                      <p:cBhvr additive="base">
-                                        <p:cTn id="15" dur="500" fill="hold"/>
-                                        <p:tgtEl>
-                                          <p:spTgt spid="5">
-                                            <p:txEl>
-                                              <p:pRg st="4" end="4"/>
-                                            </p:txEl>
-                                          </p:spTgt>
-                                        </p:tgtEl>
-                                        <p:attrNameLst>
-                                          <p:attrName>ppt_x</p:attrName>
-                                        </p:attrNameLst>
-                                      </p:cBhvr>
-                                      <p:tavLst>
-                                        <p:tav tm="0">
-                                          <p:val>
-                                            <p:strVal val="#ppt_x"/>
-                                          </p:val>
-                                        </p:tav>
-                                        <p:tav tm="100000">
-                                          <p:val>
-                                            <p:strVal val="#ppt_x"/>
-                                          </p:val>
-                                        </p:tav>
-                                      </p:tavLst>
-                                    </p:anim>
-                                    <p:anim calcmode="lin" valueType="num">
-                                      <p:cBhvr additive="base">
-                                        <p:cTn id="16" dur="500" fill="hold"/>
-                                        <p:tgtEl>
-                                          <p:spTgt spid="5">
-                                            <p:txEl>
-                                              <p:pRg st="4" end="4"/>
-                                            </p:txEl>
-                                          </p:spTgt>
-                                        </p:tgtEl>
-                                        <p:attrNameLst>
-                                          <p:attrName>ppt_y</p:attrName>
-                                        </p:attrNameLst>
-                                      </p:cBhvr>
-                                      <p:tavLst>
-                                        <p:tav tm="0">
-                                          <p:val>
-                                            <p:strVal val="1+#ppt_h/2"/>
-                                          </p:val>
-                                        </p:tav>
-                                        <p:tav tm="100000">
-                                          <p:val>
-                                            <p:strVal val="#ppt_y"/>
-                                          </p:val>
-                                        </p:tav>
-                                      </p:tavLst>
-                                    </p:anim>
-                                  </p:childTnLst>
-                                </p:cTn>
-                              </p:par>
-                              <p:par>
-                                <p:cTn id="17" presetID="2" presetClass="entr" presetSubtype="4" fill="hold" nodeType="withEffect">
-                                  <p:stCondLst>
-                                    <p:cond delay="0"/>
-                                  </p:stCondLst>
-                                  <p:childTnLst>
-                                    <p:set>
-                                      <p:cBhvr>
-                                        <p:cTn id="18" dur="1" fill="hold">
-                                          <p:stCondLst>
-                                            <p:cond delay="0"/>
-                                          </p:stCondLst>
-                                        </p:cTn>
-                                        <p:tgtEl>
-                                          <p:spTgt spid="5">
-                                            <p:txEl>
-                                              <p:pRg st="6" end="6"/>
-                                            </p:txEl>
-                                          </p:spTgt>
-                                        </p:tgtEl>
-                                        <p:attrNameLst>
-                                          <p:attrName>style.visibility</p:attrName>
-                                        </p:attrNameLst>
-                                      </p:cBhvr>
-                                      <p:to>
-                                        <p:strVal val="visible"/>
-                                      </p:to>
-                                    </p:set>
-                                    <p:anim calcmode="lin" valueType="num">
-                                      <p:cBhvr additive="base">
-                                        <p:cTn id="19" dur="500" fill="hold"/>
-                                        <p:tgtEl>
-                                          <p:spTgt spid="5">
-                                            <p:txEl>
-                                              <p:pRg st="6" end="6"/>
-                                            </p:txEl>
-                                          </p:spTgt>
-                                        </p:tgtEl>
-                                        <p:attrNameLst>
-                                          <p:attrName>ppt_x</p:attrName>
-                                        </p:attrNameLst>
-                                      </p:cBhvr>
-                                      <p:tavLst>
-                                        <p:tav tm="0">
-                                          <p:val>
-                                            <p:strVal val="#ppt_x"/>
-                                          </p:val>
-                                        </p:tav>
-                                        <p:tav tm="100000">
-                                          <p:val>
-                                            <p:strVal val="#ppt_x"/>
-                                          </p:val>
-                                        </p:tav>
-                                      </p:tavLst>
-                                    </p:anim>
-                                    <p:anim calcmode="lin" valueType="num">
-                                      <p:cBhvr additive="base">
-                                        <p:cTn id="20" dur="500" fill="hold"/>
-                                        <p:tgtEl>
-                                          <p:spTgt spid="5">
-                                            <p:txEl>
-                                              <p:pRg st="6" end="6"/>
                                             </p:txEl>
                                           </p:spTgt>
                                         </p:tgtEl>
@@ -14380,22 +14527,7 @@
 
 <file path=ppt/tags/tag69.xml><?xml version="1.0" encoding="utf-8"?>
 <p:tagLst xmlns:p="http://schemas.openxmlformats.org/presentationml/2006/main">
-  <p:tag name="KSO_WM_SLIDE_ID" val="custom20205081_1"/>
-  <p:tag name="KSO_WM_TEMPLATE_SUBCATEGORY" val="19"/>
-  <p:tag name="KSO_WM_TEMPLATE_MASTER_TYPE" val="0"/>
-  <p:tag name="KSO_WM_TEMPLATE_COLOR_TYPE" val="1"/>
-  <p:tag name="KSO_WM_SLIDE_TYPE" val="title"/>
-  <p:tag name="KSO_WM_SLIDE_SUBTYPE" val="defaultBlank"/>
-  <p:tag name="KSO_WM_SLIDE_ITEM_CNT" val="0"/>
-  <p:tag name="KSO_WM_SLIDE_INDEX" val="1"/>
-  <p:tag name="KSO_WM_TAG_VERSION" val="1.0"/>
-  <p:tag name="KSO_WM_BEAUTIFY_FLAG" val="#wm#"/>
-  <p:tag name="KSO_WM_TEMPLATE_CATEGORY" val="custom"/>
-  <p:tag name="KSO_WM_TEMPLATE_INDEX" val="20205081"/>
-  <p:tag name="KSO_WM_SLIDE_LAYOUT" val="a_b"/>
-  <p:tag name="KSO_WM_SLIDE_LAYOUT_CNT" val="1_1"/>
-  <p:tag name="KSO_WM_UNIT_SHOW_EDIT_AREA_INDICATION" val="1"/>
-  <p:tag name="KSO_WM_TEMPLATE_THUMBS_INDEX" val="1、4、7、12、13、14、15、16、17、18、20、24、25、28、33、36、40、43、44"/>
+  <p:tag name="KSO_WM_BEAUTIFY_FLAG" val=""/>
 </p:tagLst>
 </file>
 
@@ -14413,18 +14545,6 @@
 </file>
 
 <file path=ppt/tags/tag70.xml><?xml version="1.0" encoding="utf-8"?>
-<p:tagLst xmlns:p="http://schemas.openxmlformats.org/presentationml/2006/main">
-  <p:tag name="KSO_WM_BEAUTIFY_FLAG" val=""/>
-</p:tagLst>
-</file>
-
-<file path=ppt/tags/tag71.xml><?xml version="1.0" encoding="utf-8"?>
-<p:tagLst xmlns:p="http://schemas.openxmlformats.org/presentationml/2006/main">
-  <p:tag name="KSO_WM_BEAUTIFY_FLAG" val=""/>
-</p:tagLst>
-</file>
-
-<file path=ppt/tags/tag72.xml><?xml version="1.0" encoding="utf-8"?>
 <p:tagLst xmlns:p="http://schemas.openxmlformats.org/presentationml/2006/main">
   <p:tag name="KSO_WM_SLIDE_ID" val="custom20205081_1"/>
   <p:tag name="KSO_WM_TEMPLATE_SUBCATEGORY" val="19"/>
@@ -14445,19 +14565,19 @@
 </p:tagLst>
 </file>
 
-<file path=ppt/tags/tag73.xml><?xml version="1.0" encoding="utf-8"?>
+<file path=ppt/tags/tag71.xml><?xml version="1.0" encoding="utf-8"?>
 <p:tagLst xmlns:p="http://schemas.openxmlformats.org/presentationml/2006/main">
   <p:tag name="KSO_WM_BEAUTIFY_FLAG" val=""/>
 </p:tagLst>
 </file>
 
-<file path=ppt/tags/tag74.xml><?xml version="1.0" encoding="utf-8"?>
+<file path=ppt/tags/tag72.xml><?xml version="1.0" encoding="utf-8"?>
 <p:tagLst xmlns:p="http://schemas.openxmlformats.org/presentationml/2006/main">
   <p:tag name="KSO_WM_BEAUTIFY_FLAG" val=""/>
 </p:tagLst>
 </file>
 
-<file path=ppt/tags/tag75.xml><?xml version="1.0" encoding="utf-8"?>
+<file path=ppt/tags/tag73.xml><?xml version="1.0" encoding="utf-8"?>
 <p:tagLst xmlns:p="http://schemas.openxmlformats.org/presentationml/2006/main">
   <p:tag name="KSO_WM_SLIDE_ID" val="custom20205081_1"/>
   <p:tag name="KSO_WM_TEMPLATE_SUBCATEGORY" val="19"/>
@@ -14478,9 +14598,36 @@
 </p:tagLst>
 </file>
 
+<file path=ppt/tags/tag74.xml><?xml version="1.0" encoding="utf-8"?>
+<p:tagLst xmlns:p="http://schemas.openxmlformats.org/presentationml/2006/main">
+  <p:tag name="KSO_WM_BEAUTIFY_FLAG" val=""/>
+</p:tagLst>
+</file>
+
+<file path=ppt/tags/tag75.xml><?xml version="1.0" encoding="utf-8"?>
+<p:tagLst xmlns:p="http://schemas.openxmlformats.org/presentationml/2006/main">
+  <p:tag name="KSO_WM_BEAUTIFY_FLAG" val=""/>
+</p:tagLst>
+</file>
+
 <file path=ppt/tags/tag76.xml><?xml version="1.0" encoding="utf-8"?>
 <p:tagLst xmlns:p="http://schemas.openxmlformats.org/presentationml/2006/main">
-  <p:tag name="KSO_WM_BEAUTIFY_FLAG" val=""/>
+  <p:tag name="KSO_WM_SLIDE_ID" val="custom20205081_1"/>
+  <p:tag name="KSO_WM_TEMPLATE_SUBCATEGORY" val="19"/>
+  <p:tag name="KSO_WM_TEMPLATE_MASTER_TYPE" val="0"/>
+  <p:tag name="KSO_WM_TEMPLATE_COLOR_TYPE" val="1"/>
+  <p:tag name="KSO_WM_SLIDE_TYPE" val="title"/>
+  <p:tag name="KSO_WM_SLIDE_SUBTYPE" val="defaultBlank"/>
+  <p:tag name="KSO_WM_SLIDE_ITEM_CNT" val="0"/>
+  <p:tag name="KSO_WM_SLIDE_INDEX" val="1"/>
+  <p:tag name="KSO_WM_TAG_VERSION" val="1.0"/>
+  <p:tag name="KSO_WM_BEAUTIFY_FLAG" val="#wm#"/>
+  <p:tag name="KSO_WM_TEMPLATE_CATEGORY" val="custom"/>
+  <p:tag name="KSO_WM_TEMPLATE_INDEX" val="20205081"/>
+  <p:tag name="KSO_WM_SLIDE_LAYOUT" val="a_b"/>
+  <p:tag name="KSO_WM_SLIDE_LAYOUT_CNT" val="1_1"/>
+  <p:tag name="KSO_WM_UNIT_SHOW_EDIT_AREA_INDICATION" val="1"/>
+  <p:tag name="KSO_WM_TEMPLATE_THUMBS_INDEX" val="1、4、7、12、13、14、15、16、17、18、20、24、25、28、33、36、40、43、44"/>
 </p:tagLst>
 </file>
 
@@ -14532,6 +14679,12 @@
 
 <file path=ppt/tags/tag80.xml><?xml version="1.0" encoding="utf-8"?>
 <p:tagLst xmlns:p="http://schemas.openxmlformats.org/presentationml/2006/main">
+  <p:tag name="KSO_WM_BEAUTIFY_FLAG" val=""/>
+</p:tagLst>
+</file>
+
+<file path=ppt/tags/tag81.xml><?xml version="1.0" encoding="utf-8"?>
+<p:tagLst xmlns:p="http://schemas.openxmlformats.org/presentationml/2006/main">
   <p:tag name="KSO_WM_SLIDE_ID" val="custom20205081_1"/>
   <p:tag name="KSO_WM_TEMPLATE_SUBCATEGORY" val="19"/>
   <p:tag name="KSO_WM_TEMPLATE_MASTER_TYPE" val="0"/>
@@ -14551,12 +14704,6 @@
 </p:tagLst>
 </file>
 
-<file path=ppt/tags/tag81.xml><?xml version="1.0" encoding="utf-8"?>
-<p:tagLst xmlns:p="http://schemas.openxmlformats.org/presentationml/2006/main">
-  <p:tag name="KSO_WM_BEAUTIFY_FLAG" val=""/>
-</p:tagLst>
-</file>
-
 <file path=ppt/tags/tag82.xml><?xml version="1.0" encoding="utf-8"?>
 <p:tagLst xmlns:p="http://schemas.openxmlformats.org/presentationml/2006/main">
   <p:tag name="KSO_WM_BEAUTIFY_FLAG" val=""/>
@@ -14565,22 +14712,7 @@
 
 <file path=ppt/tags/tag83.xml><?xml version="1.0" encoding="utf-8"?>
 <p:tagLst xmlns:p="http://schemas.openxmlformats.org/presentationml/2006/main">
-  <p:tag name="KSO_WM_SLIDE_ID" val="custom20205081_1"/>
-  <p:tag name="KSO_WM_TEMPLATE_SUBCATEGORY" val="19"/>
-  <p:tag name="KSO_WM_TEMPLATE_MASTER_TYPE" val="0"/>
-  <p:tag name="KSO_WM_TEMPLATE_COLOR_TYPE" val="1"/>
-  <p:tag name="KSO_WM_SLIDE_TYPE" val="title"/>
-  <p:tag name="KSO_WM_SLIDE_SUBTYPE" val="defaultBlank"/>
-  <p:tag name="KSO_WM_SLIDE_ITEM_CNT" val="0"/>
-  <p:tag name="KSO_WM_SLIDE_INDEX" val="1"/>
-  <p:tag name="KSO_WM_TAG_VERSION" val="1.0"/>
-  <p:tag name="KSO_WM_BEAUTIFY_FLAG" val="#wm#"/>
-  <p:tag name="KSO_WM_TEMPLATE_CATEGORY" val="custom"/>
-  <p:tag name="KSO_WM_TEMPLATE_INDEX" val="20205081"/>
-  <p:tag name="KSO_WM_SLIDE_LAYOUT" val="a_b"/>
-  <p:tag name="KSO_WM_SLIDE_LAYOUT_CNT" val="1_1"/>
-  <p:tag name="KSO_WM_UNIT_SHOW_EDIT_AREA_INDICATION" val="1"/>
-  <p:tag name="KSO_WM_TEMPLATE_THUMBS_INDEX" val="1、4、7、12、13、14、15、16、17、18、20、24、25、28、33、36、40、43、44"/>
+  <p:tag name="KSO_WM_BEAUTIFY_FLAG" val=""/>
 </p:tagLst>
 </file>
 
@@ -14640,8 +14772,13 @@
 
 <file path=ppt/tags/tag88.xml><?xml version="1.0" encoding="utf-8"?>
 <p:tagLst xmlns:p="http://schemas.openxmlformats.org/presentationml/2006/main">
-  <p:tag name="COMMONDATA" val="eyJoZGlkIjoiZmU4Zjg0N2NlMjlhNWE0OWFlZGNmNDBmMjQ5MjE1ZjMifQ=="/>
-  <p:tag name="KSO_WPP_MARK_KEY" val="5f705d26-d263-4979-a5b8-d57acbb2fc9a"/>
+  <p:tag name="KSO_WM_BEAUTIFY_FLAG" val=""/>
+</p:tagLst>
+</file>
+
+<file path=ppt/tags/tag89.xml><?xml version="1.0" encoding="utf-8"?>
+<p:tagLst xmlns:p="http://schemas.openxmlformats.org/presentationml/2006/main">
+  <p:tag name="KSO_WM_BEAUTIFY_FLAG" val=""/>
 </p:tagLst>
 </file>
 
@@ -14655,6 +14792,88 @@
   <p:tag name="KSO_WM_UNIT_LAYERLEVEL" val="1"/>
   <p:tag name="KSO_WM_TAG_VERSION" val="1.0"/>
   <p:tag name="KSO_WM_BEAUTIFY_FLAG" val="#wm#"/>
+</p:tagLst>
+</file>
+
+<file path=ppt/tags/tag90.xml><?xml version="1.0" encoding="utf-8"?>
+<p:tagLst xmlns:p="http://schemas.openxmlformats.org/presentationml/2006/main">
+  <p:tag name="KSO_WM_SLIDE_ID" val="custom20205081_1"/>
+  <p:tag name="KSO_WM_TEMPLATE_SUBCATEGORY" val="19"/>
+  <p:tag name="KSO_WM_TEMPLATE_MASTER_TYPE" val="0"/>
+  <p:tag name="KSO_WM_TEMPLATE_COLOR_TYPE" val="1"/>
+  <p:tag name="KSO_WM_SLIDE_TYPE" val="title"/>
+  <p:tag name="KSO_WM_SLIDE_SUBTYPE" val="defaultBlank"/>
+  <p:tag name="KSO_WM_SLIDE_ITEM_CNT" val="0"/>
+  <p:tag name="KSO_WM_SLIDE_INDEX" val="1"/>
+  <p:tag name="KSO_WM_TAG_VERSION" val="1.0"/>
+  <p:tag name="KSO_WM_BEAUTIFY_FLAG" val="#wm#"/>
+  <p:tag name="KSO_WM_TEMPLATE_CATEGORY" val="custom"/>
+  <p:tag name="KSO_WM_TEMPLATE_INDEX" val="20205081"/>
+  <p:tag name="KSO_WM_SLIDE_LAYOUT" val="a_b"/>
+  <p:tag name="KSO_WM_SLIDE_LAYOUT_CNT" val="1_1"/>
+  <p:tag name="KSO_WM_UNIT_SHOW_EDIT_AREA_INDICATION" val="1"/>
+  <p:tag name="KSO_WM_TEMPLATE_THUMBS_INDEX" val="1、4、7、12、13、14、15、16、17、18、20、24、25、28、33、36、40、43、44"/>
+</p:tagLst>
+</file>
+
+<file path=ppt/tags/tag91.xml><?xml version="1.0" encoding="utf-8"?>
+<p:tagLst xmlns:p="http://schemas.openxmlformats.org/presentationml/2006/main">
+  <p:tag name="KSO_WM_SLIDE_ID" val="custom20205081_1"/>
+  <p:tag name="KSO_WM_TEMPLATE_SUBCATEGORY" val="19"/>
+  <p:tag name="KSO_WM_TEMPLATE_MASTER_TYPE" val="0"/>
+  <p:tag name="KSO_WM_TEMPLATE_COLOR_TYPE" val="1"/>
+  <p:tag name="KSO_WM_SLIDE_TYPE" val="title"/>
+  <p:tag name="KSO_WM_SLIDE_SUBTYPE" val="defaultBlank"/>
+  <p:tag name="KSO_WM_SLIDE_ITEM_CNT" val="0"/>
+  <p:tag name="KSO_WM_SLIDE_INDEX" val="1"/>
+  <p:tag name="KSO_WM_TAG_VERSION" val="1.0"/>
+  <p:tag name="KSO_WM_BEAUTIFY_FLAG" val="#wm#"/>
+  <p:tag name="KSO_WM_TEMPLATE_CATEGORY" val="custom"/>
+  <p:tag name="KSO_WM_TEMPLATE_INDEX" val="20205081"/>
+  <p:tag name="KSO_WM_SLIDE_LAYOUT" val="a_b"/>
+  <p:tag name="KSO_WM_SLIDE_LAYOUT_CNT" val="1_1"/>
+  <p:tag name="KSO_WM_UNIT_SHOW_EDIT_AREA_INDICATION" val="1"/>
+  <p:tag name="KSO_WM_TEMPLATE_THUMBS_INDEX" val="1、4、7、12、13、14、15、16、17、18、20、24、25、28、33、36、40、43、44"/>
+</p:tagLst>
+</file>
+
+<file path=ppt/tags/tag92.xml><?xml version="1.0" encoding="utf-8"?>
+<p:tagLst xmlns:p="http://schemas.openxmlformats.org/presentationml/2006/main">
+  <p:tag name="KSO_WM_BEAUTIFY_FLAG" val=""/>
+</p:tagLst>
+</file>
+
+<file path=ppt/tags/tag93.xml><?xml version="1.0" encoding="utf-8"?>
+<p:tagLst xmlns:p="http://schemas.openxmlformats.org/presentationml/2006/main">
+  <p:tag name="KSO_WM_BEAUTIFY_FLAG" val=""/>
+</p:tagLst>
+</file>
+
+<file path=ppt/tags/tag94.xml><?xml version="1.0" encoding="utf-8"?>
+<p:tagLst xmlns:p="http://schemas.openxmlformats.org/presentationml/2006/main">
+  <p:tag name="KSO_WM_SLIDE_ID" val="custom20205081_1"/>
+  <p:tag name="KSO_WM_TEMPLATE_SUBCATEGORY" val="19"/>
+  <p:tag name="KSO_WM_TEMPLATE_MASTER_TYPE" val="0"/>
+  <p:tag name="KSO_WM_TEMPLATE_COLOR_TYPE" val="1"/>
+  <p:tag name="KSO_WM_SLIDE_TYPE" val="title"/>
+  <p:tag name="KSO_WM_SLIDE_SUBTYPE" val="defaultBlank"/>
+  <p:tag name="KSO_WM_SLIDE_ITEM_CNT" val="0"/>
+  <p:tag name="KSO_WM_SLIDE_INDEX" val="1"/>
+  <p:tag name="KSO_WM_TAG_VERSION" val="1.0"/>
+  <p:tag name="KSO_WM_BEAUTIFY_FLAG" val="#wm#"/>
+  <p:tag name="KSO_WM_TEMPLATE_CATEGORY" val="custom"/>
+  <p:tag name="KSO_WM_TEMPLATE_INDEX" val="20205081"/>
+  <p:tag name="KSO_WM_SLIDE_LAYOUT" val="a_b"/>
+  <p:tag name="KSO_WM_SLIDE_LAYOUT_CNT" val="1_1"/>
+  <p:tag name="KSO_WM_UNIT_SHOW_EDIT_AREA_INDICATION" val="1"/>
+  <p:tag name="KSO_WM_TEMPLATE_THUMBS_INDEX" val="1、4、7、12、13、14、15、16、17、18、20、24、25、28、33、36、40、43、44"/>
+</p:tagLst>
+</file>
+
+<file path=ppt/tags/tag95.xml><?xml version="1.0" encoding="utf-8"?>
+<p:tagLst xmlns:p="http://schemas.openxmlformats.org/presentationml/2006/main">
+  <p:tag name="COMMONDATA" val="eyJoZGlkIjoiZmU4Zjg0N2NlMjlhNWE0OWFlZGNmNDBmMjQ5MjE1ZjMifQ=="/>
+  <p:tag name="KSO_WPP_MARK_KEY" val="5f705d26-d263-4979-a5b8-d57acbb2fc9a"/>
 </p:tagLst>
 </file>
 
